--- a/01_doc/Presentations/Dossier 2022-2023 Julien/Présentation 10_03_23.pptx
+++ b/01_doc/Presentations/Dossier 2022-2023 Julien/Présentation 10_03_23.pptx
@@ -7,7 +7,9 @@
   <p:sldIdLst>
     <p:sldId id="256" r:id="rId2"/>
     <p:sldId id="257" r:id="rId3"/>
-    <p:sldId id="258" r:id="rId4"/>
+    <p:sldId id="260" r:id="rId4"/>
+    <p:sldId id="258" r:id="rId5"/>
+    <p:sldId id="261" r:id="rId6"/>
   </p:sldIdLst>
   <p:sldSz cx="12192000" cy="6858000"/>
   <p:notesSz cx="6858000" cy="9144000"/>
@@ -106,6 +108,11 @@
       </a:defRPr>
     </a:lvl9pPr>
   </p:defaultTextStyle>
+  <p:extLst>
+    <p:ext uri="{EFAFB233-063F-42B5-8137-9DF3F51BA10A}">
+      <p15:sldGuideLst xmlns:p15="http://schemas.microsoft.com/office/powerpoint/2012/main"/>
+    </p:ext>
+  </p:extLst>
 </p:presentation>
 </file>
 
@@ -256,7 +263,7 @@
           <a:p>
             <a:fld id="{53D6A468-ED4D-45F2-857C-257AE920FA62}" type="datetimeFigureOut">
               <a:rPr lang="fr-FR" smtClean="0"/>
-              <a:t>03/03/2023</a:t>
+              <a:t>06/03/2023</a:t>
             </a:fld>
             <a:endParaRPr lang="fr-FR"/>
           </a:p>
@@ -454,7 +461,7 @@
           <a:p>
             <a:fld id="{53D6A468-ED4D-45F2-857C-257AE920FA62}" type="datetimeFigureOut">
               <a:rPr lang="fr-FR" smtClean="0"/>
-              <a:t>03/03/2023</a:t>
+              <a:t>06/03/2023</a:t>
             </a:fld>
             <a:endParaRPr lang="fr-FR"/>
           </a:p>
@@ -662,7 +669,7 @@
           <a:p>
             <a:fld id="{53D6A468-ED4D-45F2-857C-257AE920FA62}" type="datetimeFigureOut">
               <a:rPr lang="fr-FR" smtClean="0"/>
-              <a:t>03/03/2023</a:t>
+              <a:t>06/03/2023</a:t>
             </a:fld>
             <a:endParaRPr lang="fr-FR"/>
           </a:p>
@@ -860,7 +867,7 @@
           <a:p>
             <a:fld id="{53D6A468-ED4D-45F2-857C-257AE920FA62}" type="datetimeFigureOut">
               <a:rPr lang="fr-FR" smtClean="0"/>
-              <a:t>03/03/2023</a:t>
+              <a:t>06/03/2023</a:t>
             </a:fld>
             <a:endParaRPr lang="fr-FR"/>
           </a:p>
@@ -1135,7 +1142,7 @@
           <a:p>
             <a:fld id="{53D6A468-ED4D-45F2-857C-257AE920FA62}" type="datetimeFigureOut">
               <a:rPr lang="fr-FR" smtClean="0"/>
-              <a:t>03/03/2023</a:t>
+              <a:t>06/03/2023</a:t>
             </a:fld>
             <a:endParaRPr lang="fr-FR"/>
           </a:p>
@@ -1400,7 +1407,7 @@
           <a:p>
             <a:fld id="{53D6A468-ED4D-45F2-857C-257AE920FA62}" type="datetimeFigureOut">
               <a:rPr lang="fr-FR" smtClean="0"/>
-              <a:t>03/03/2023</a:t>
+              <a:t>06/03/2023</a:t>
             </a:fld>
             <a:endParaRPr lang="fr-FR"/>
           </a:p>
@@ -1812,7 +1819,7 @@
           <a:p>
             <a:fld id="{53D6A468-ED4D-45F2-857C-257AE920FA62}" type="datetimeFigureOut">
               <a:rPr lang="fr-FR" smtClean="0"/>
-              <a:t>03/03/2023</a:t>
+              <a:t>06/03/2023</a:t>
             </a:fld>
             <a:endParaRPr lang="fr-FR"/>
           </a:p>
@@ -1953,7 +1960,7 @@
           <a:p>
             <a:fld id="{53D6A468-ED4D-45F2-857C-257AE920FA62}" type="datetimeFigureOut">
               <a:rPr lang="fr-FR" smtClean="0"/>
-              <a:t>03/03/2023</a:t>
+              <a:t>06/03/2023</a:t>
             </a:fld>
             <a:endParaRPr lang="fr-FR"/>
           </a:p>
@@ -2066,7 +2073,7 @@
           <a:p>
             <a:fld id="{53D6A468-ED4D-45F2-857C-257AE920FA62}" type="datetimeFigureOut">
               <a:rPr lang="fr-FR" smtClean="0"/>
-              <a:t>03/03/2023</a:t>
+              <a:t>06/03/2023</a:t>
             </a:fld>
             <a:endParaRPr lang="fr-FR"/>
           </a:p>
@@ -2377,7 +2384,7 @@
           <a:p>
             <a:fld id="{53D6A468-ED4D-45F2-857C-257AE920FA62}" type="datetimeFigureOut">
               <a:rPr lang="fr-FR" smtClean="0"/>
-              <a:t>03/03/2023</a:t>
+              <a:t>06/03/2023</a:t>
             </a:fld>
             <a:endParaRPr lang="fr-FR"/>
           </a:p>
@@ -2665,7 +2672,7 @@
           <a:p>
             <a:fld id="{53D6A468-ED4D-45F2-857C-257AE920FA62}" type="datetimeFigureOut">
               <a:rPr lang="fr-FR" smtClean="0"/>
-              <a:t>03/03/2023</a:t>
+              <a:t>06/03/2023</a:t>
             </a:fld>
             <a:endParaRPr lang="fr-FR"/>
           </a:p>
@@ -2906,7 +2913,7 @@
           <a:p>
             <a:fld id="{53D6A468-ED4D-45F2-857C-257AE920FA62}" type="datetimeFigureOut">
               <a:rPr lang="fr-FR" smtClean="0"/>
-              <a:t>03/03/2023</a:t>
+              <a:t>06/03/2023</a:t>
             </a:fld>
             <a:endParaRPr lang="fr-FR"/>
           </a:p>
@@ -3716,116 +3723,2035 @@
       </p:grpSpPr>
       <p:sp>
         <p:nvSpPr>
-          <p:cNvPr id="4" name="Titre 1">
-            <a:extLst>
-              <a:ext uri="{FF2B5EF4-FFF2-40B4-BE49-F238E27FC236}">
-                <a16:creationId xmlns:a16="http://schemas.microsoft.com/office/drawing/2014/main" id="{6DFE0CDB-7664-6A30-6264-D5C0D7CDE59C}"/>
-              </a:ext>
-            </a:extLst>
-          </p:cNvPr>
-          <p:cNvSpPr>
-            <a:spLocks noGrp="1"/>
-          </p:cNvSpPr>
-          <p:nvPr>
-            <p:ph type="title"/>
-          </p:nvPr>
-        </p:nvSpPr>
-        <p:spPr>
-          <a:xfrm>
-            <a:off x="838200" y="917209"/>
-            <a:ext cx="10515600" cy="1325563"/>
-          </a:xfrm>
-        </p:spPr>
-        <p:txBody>
-          <a:bodyPr/>
-          <a:lstStyle/>
-          <a:p>
+          <p:cNvPr id="6" name="ZoneTexte 5">
+            <a:extLst>
+              <a:ext uri="{FF2B5EF4-FFF2-40B4-BE49-F238E27FC236}">
+                <a16:creationId xmlns:a16="http://schemas.microsoft.com/office/drawing/2014/main" id="{2A50C5FB-1D74-6FAD-AADB-4903E7C74C8A}"/>
+              </a:ext>
+            </a:extLst>
+          </p:cNvPr>
+          <p:cNvSpPr txBox="1"/>
+          <p:nvPr/>
+        </p:nvSpPr>
+        <p:spPr>
+          <a:xfrm>
+            <a:off x="5657291" y="1551219"/>
+            <a:ext cx="720305" cy="369332"/>
+          </a:xfrm>
+          <a:prstGeom prst="rect">
+            <a:avLst/>
+          </a:prstGeom>
+          <a:noFill/>
+          <a:ln>
+            <a:noFill/>
+          </a:ln>
+        </p:spPr>
+        <p:txBody>
+          <a:bodyPr wrap="square" rtlCol="0">
+            <a:spAutoFit/>
+          </a:bodyPr>
+          <a:lstStyle/>
+          <a:p>
+            <a:pPr algn="ctr"/>
             <a:r>
               <a:rPr lang="fr-FR" dirty="0"/>
-              <a:t>L’Interface Homme Machine</a:t>
-            </a:r>
-          </a:p>
-        </p:txBody>
-      </p:sp>
-      <p:sp>
-        <p:nvSpPr>
-          <p:cNvPr id="5" name="Espace réservé du contenu 2">
-            <a:extLst>
-              <a:ext uri="{FF2B5EF4-FFF2-40B4-BE49-F238E27FC236}">
-                <a16:creationId xmlns:a16="http://schemas.microsoft.com/office/drawing/2014/main" id="{09739DA3-6DEF-CE14-5B30-7EFC01A0B6F1}"/>
-              </a:ext>
-            </a:extLst>
-          </p:cNvPr>
-          <p:cNvSpPr>
-            <a:spLocks noGrp="1"/>
-          </p:cNvSpPr>
-          <p:nvPr>
-            <p:ph idx="1"/>
-          </p:nvPr>
-        </p:nvSpPr>
-        <p:spPr>
-          <a:xfrm>
-            <a:off x="838200" y="2377709"/>
-            <a:ext cx="10515600" cy="4351338"/>
-          </a:xfrm>
-        </p:spPr>
-        <p:txBody>
-          <a:bodyPr/>
-          <a:lstStyle/>
-          <a:p>
-            <a:r>
-              <a:rPr lang="fr-FR" u="sng" dirty="0"/>
-              <a:t>Ma mission principale :</a:t>
-            </a:r>
+              <a:t>BRAS</a:t>
+            </a:r>
+          </a:p>
+        </p:txBody>
+      </p:sp>
+      <p:sp>
+        <p:nvSpPr>
+          <p:cNvPr id="7" name="ZoneTexte 6">
+            <a:extLst>
+              <a:ext uri="{FF2B5EF4-FFF2-40B4-BE49-F238E27FC236}">
+                <a16:creationId xmlns:a16="http://schemas.microsoft.com/office/drawing/2014/main" id="{BB0DC3F0-EDF2-932C-577E-ACCECFA980DC}"/>
+              </a:ext>
+            </a:extLst>
+          </p:cNvPr>
+          <p:cNvSpPr txBox="1"/>
+          <p:nvPr/>
+        </p:nvSpPr>
+        <p:spPr>
+          <a:xfrm>
+            <a:off x="2734372" y="2412994"/>
+            <a:ext cx="465826" cy="369332"/>
+          </a:xfrm>
+          <a:prstGeom prst="rect">
+            <a:avLst/>
+          </a:prstGeom>
+          <a:solidFill>
+            <a:schemeClr val="accent1">
+              <a:lumMod val="60000"/>
+              <a:lumOff val="40000"/>
+            </a:schemeClr>
+          </a:solidFill>
+          <a:ln>
+            <a:solidFill>
+              <a:schemeClr val="tx1"/>
+            </a:solidFill>
+          </a:ln>
+        </p:spPr>
+        <p:txBody>
+          <a:bodyPr wrap="square" rtlCol="0">
+            <a:spAutoFit/>
+          </a:bodyPr>
+          <a:lstStyle/>
+          <a:p>
+            <a:pPr algn="ctr"/>
             <a:r>
               <a:rPr lang="fr-FR" dirty="0"/>
-              <a:t> Développer une IHM pour faciliter la communication entre l’utilisateur et le dispositif.</a:t>
-            </a:r>
-          </a:p>
-          <a:p>
-            <a:pPr>
-              <a:buFont typeface="Wingdings" panose="05000000000000000000" pitchFamily="2" charset="2"/>
-              <a:buChar char="Ø"/>
-            </a:pPr>
+              <a:t>µC</a:t>
+            </a:r>
+          </a:p>
+        </p:txBody>
+      </p:sp>
+      <p:sp>
+        <p:nvSpPr>
+          <p:cNvPr id="8" name="ZoneTexte 7">
+            <a:extLst>
+              <a:ext uri="{FF2B5EF4-FFF2-40B4-BE49-F238E27FC236}">
+                <a16:creationId xmlns:a16="http://schemas.microsoft.com/office/drawing/2014/main" id="{E899DE1D-6490-1013-D7FE-D5013BF58366}"/>
+              </a:ext>
+            </a:extLst>
+          </p:cNvPr>
+          <p:cNvSpPr txBox="1"/>
+          <p:nvPr/>
+        </p:nvSpPr>
+        <p:spPr>
+          <a:xfrm>
+            <a:off x="5234955" y="2138206"/>
+            <a:ext cx="1564978" cy="923330"/>
+          </a:xfrm>
+          <a:prstGeom prst="rect">
+            <a:avLst/>
+          </a:prstGeom>
+          <a:solidFill>
+            <a:schemeClr val="accent1">
+              <a:lumMod val="60000"/>
+              <a:lumOff val="40000"/>
+            </a:schemeClr>
+          </a:solidFill>
+          <a:ln>
+            <a:solidFill>
+              <a:schemeClr val="tx1"/>
+            </a:solidFill>
+          </a:ln>
+        </p:spPr>
+        <p:txBody>
+          <a:bodyPr wrap="square" rtlCol="0">
+            <a:spAutoFit/>
+          </a:bodyPr>
+          <a:lstStyle/>
+          <a:p>
+            <a:pPr algn="ctr"/>
             <a:r>
               <a:rPr lang="fr-FR" dirty="0"/>
-              <a:t>Proposer un renseignement de consigne manuel ou bien une suite de consignes (une séquence de vol) en mode asservi (ou non).</a:t>
-            </a:r>
-          </a:p>
-          <a:p>
-            <a:pPr>
-              <a:buFont typeface="Wingdings" panose="05000000000000000000" pitchFamily="2" charset="2"/>
-              <a:buChar char="Ø"/>
-            </a:pPr>
+              <a:t>Moteur</a:t>
+            </a:r>
+          </a:p>
+          <a:p>
+            <a:pPr algn="ctr"/>
             <a:r>
               <a:rPr lang="fr-FR" dirty="0"/>
-              <a:t>Proposer une récupération des mesures effectuées et mettre à disposition </a:t>
-            </a:r>
-            <a:r>
-              <a:rPr lang="fr-FR"/>
-              <a:t>des graphiques.</a:t>
-            </a:r>
-            <a:endParaRPr lang="fr-FR" dirty="0"/>
-          </a:p>
-          <a:p>
-            <a:r>
-              <a:rPr lang="fr-FR" u="sng" dirty="0"/>
-              <a:t>Missions secondaires :</a:t>
-            </a:r>
+              <a:t>+</a:t>
+            </a:r>
+          </a:p>
+          <a:p>
+            <a:pPr algn="ctr"/>
             <a:r>
               <a:rPr lang="fr-FR" dirty="0"/>
-              <a:t> Apporter des modifications matérielles au dispositif.</a:t>
-            </a:r>
-            <a:endParaRPr lang="fr-FR" u="sng" dirty="0"/>
-          </a:p>
-        </p:txBody>
-      </p:sp>
+              <a:t>Hélices</a:t>
+            </a:r>
+          </a:p>
+        </p:txBody>
+      </p:sp>
+      <p:sp>
+        <p:nvSpPr>
+          <p:cNvPr id="5" name="ZoneTexte 4">
+            <a:extLst>
+              <a:ext uri="{FF2B5EF4-FFF2-40B4-BE49-F238E27FC236}">
+                <a16:creationId xmlns:a16="http://schemas.microsoft.com/office/drawing/2014/main" id="{3D9DEB72-85D1-97D4-5D14-4B2504B6AF91}"/>
+              </a:ext>
+            </a:extLst>
+          </p:cNvPr>
+          <p:cNvSpPr txBox="1"/>
+          <p:nvPr/>
+        </p:nvSpPr>
+        <p:spPr>
+          <a:xfrm>
+            <a:off x="991117" y="2048474"/>
+            <a:ext cx="595222" cy="369332"/>
+          </a:xfrm>
+          <a:prstGeom prst="rect">
+            <a:avLst/>
+          </a:prstGeom>
+          <a:solidFill>
+            <a:schemeClr val="accent2">
+              <a:lumMod val="60000"/>
+              <a:lumOff val="40000"/>
+            </a:schemeClr>
+          </a:solidFill>
+          <a:ln>
+            <a:solidFill>
+              <a:schemeClr val="tx1"/>
+            </a:solidFill>
+          </a:ln>
+        </p:spPr>
+        <p:txBody>
+          <a:bodyPr wrap="square" rtlCol="0">
+            <a:spAutoFit/>
+          </a:bodyPr>
+          <a:lstStyle/>
+          <a:p>
+            <a:pPr algn="ctr"/>
+            <a:r>
+              <a:rPr lang="fr-FR" dirty="0"/>
+              <a:t>IHM</a:t>
+            </a:r>
+          </a:p>
+        </p:txBody>
+      </p:sp>
+      <p:sp>
+        <p:nvSpPr>
+          <p:cNvPr id="9" name="ZoneTexte 8">
+            <a:extLst>
+              <a:ext uri="{FF2B5EF4-FFF2-40B4-BE49-F238E27FC236}">
+                <a16:creationId xmlns:a16="http://schemas.microsoft.com/office/drawing/2014/main" id="{114F1B18-9011-9A3B-E9AC-109909305161}"/>
+              </a:ext>
+            </a:extLst>
+          </p:cNvPr>
+          <p:cNvSpPr txBox="1"/>
+          <p:nvPr/>
+        </p:nvSpPr>
+        <p:spPr>
+          <a:xfrm>
+            <a:off x="1055815" y="2415205"/>
+            <a:ext cx="465826" cy="369332"/>
+          </a:xfrm>
+          <a:prstGeom prst="rect">
+            <a:avLst/>
+          </a:prstGeom>
+          <a:solidFill>
+            <a:schemeClr val="accent1">
+              <a:lumMod val="60000"/>
+              <a:lumOff val="40000"/>
+            </a:schemeClr>
+          </a:solidFill>
+          <a:ln>
+            <a:solidFill>
+              <a:schemeClr val="tx1"/>
+            </a:solidFill>
+          </a:ln>
+        </p:spPr>
+        <p:txBody>
+          <a:bodyPr wrap="square" rtlCol="0">
+            <a:spAutoFit/>
+          </a:bodyPr>
+          <a:lstStyle/>
+          <a:p>
+            <a:pPr algn="ctr"/>
+            <a:r>
+              <a:rPr lang="fr-FR" dirty="0"/>
+              <a:t>PC</a:t>
+            </a:r>
+          </a:p>
+        </p:txBody>
+      </p:sp>
+      <p:sp>
+        <p:nvSpPr>
+          <p:cNvPr id="10" name="ZoneTexte 9">
+            <a:extLst>
+              <a:ext uri="{FF2B5EF4-FFF2-40B4-BE49-F238E27FC236}">
+                <a16:creationId xmlns:a16="http://schemas.microsoft.com/office/drawing/2014/main" id="{116F9479-C9A9-8D14-C0CA-E38F23AE6E47}"/>
+              </a:ext>
+            </a:extLst>
+          </p:cNvPr>
+          <p:cNvSpPr txBox="1"/>
+          <p:nvPr/>
+        </p:nvSpPr>
+        <p:spPr>
+          <a:xfrm>
+            <a:off x="4038394" y="2412994"/>
+            <a:ext cx="583723" cy="369332"/>
+          </a:xfrm>
+          <a:prstGeom prst="rect">
+            <a:avLst/>
+          </a:prstGeom>
+          <a:solidFill>
+            <a:schemeClr val="accent1">
+              <a:lumMod val="60000"/>
+              <a:lumOff val="40000"/>
+            </a:schemeClr>
+          </a:solidFill>
+          <a:ln>
+            <a:solidFill>
+              <a:schemeClr val="tx1"/>
+            </a:solidFill>
+          </a:ln>
+        </p:spPr>
+        <p:txBody>
+          <a:bodyPr wrap="square" rtlCol="0">
+            <a:spAutoFit/>
+          </a:bodyPr>
+          <a:lstStyle/>
+          <a:p>
+            <a:pPr algn="ctr"/>
+            <a:r>
+              <a:rPr lang="fr-FR" dirty="0"/>
+              <a:t>ESC</a:t>
+            </a:r>
+          </a:p>
+        </p:txBody>
+      </p:sp>
+      <p:sp>
+        <p:nvSpPr>
+          <p:cNvPr id="11" name="ZoneTexte 10">
+            <a:extLst>
+              <a:ext uri="{FF2B5EF4-FFF2-40B4-BE49-F238E27FC236}">
+                <a16:creationId xmlns:a16="http://schemas.microsoft.com/office/drawing/2014/main" id="{13D5C43E-AA3F-9E16-18A0-4A30F1673CBD}"/>
+              </a:ext>
+            </a:extLst>
+          </p:cNvPr>
+          <p:cNvSpPr txBox="1"/>
+          <p:nvPr/>
+        </p:nvSpPr>
+        <p:spPr>
+          <a:xfrm>
+            <a:off x="5234955" y="4930323"/>
+            <a:ext cx="1564978" cy="646331"/>
+          </a:xfrm>
+          <a:prstGeom prst="rect">
+            <a:avLst/>
+          </a:prstGeom>
+          <a:solidFill>
+            <a:schemeClr val="accent1">
+              <a:lumMod val="60000"/>
+              <a:lumOff val="40000"/>
+            </a:schemeClr>
+          </a:solidFill>
+          <a:ln>
+            <a:solidFill>
+              <a:schemeClr val="tx1"/>
+            </a:solidFill>
+          </a:ln>
+        </p:spPr>
+        <p:txBody>
+          <a:bodyPr wrap="square" rtlCol="0">
+            <a:spAutoFit/>
+          </a:bodyPr>
+          <a:lstStyle/>
+          <a:p>
+            <a:pPr algn="ctr"/>
+            <a:r>
+              <a:rPr lang="fr-FR" dirty="0"/>
+              <a:t>Centrale inertielle</a:t>
+            </a:r>
+          </a:p>
+        </p:txBody>
+      </p:sp>
+      <p:cxnSp>
+        <p:nvCxnSpPr>
+          <p:cNvPr id="27" name="Connecteur droit avec flèche 26">
+            <a:extLst>
+              <a:ext uri="{FF2B5EF4-FFF2-40B4-BE49-F238E27FC236}">
+                <a16:creationId xmlns:a16="http://schemas.microsoft.com/office/drawing/2014/main" id="{0FB7C9B0-5660-E9C6-DE20-16C1941945D5}"/>
+              </a:ext>
+            </a:extLst>
+          </p:cNvPr>
+          <p:cNvCxnSpPr>
+            <a:cxnSpLocks/>
+            <a:stCxn id="9" idx="3"/>
+            <a:endCxn id="7" idx="1"/>
+          </p:cNvCxnSpPr>
+          <p:nvPr/>
+        </p:nvCxnSpPr>
+        <p:spPr>
+          <a:xfrm flipV="1">
+            <a:off x="1521641" y="2597660"/>
+            <a:ext cx="1212731" cy="2211"/>
+          </a:xfrm>
+          <a:prstGeom prst="straightConnector1">
+            <a:avLst/>
+          </a:prstGeom>
+          <a:ln>
+            <a:tailEnd type="triangle"/>
+          </a:ln>
+        </p:spPr>
+        <p:style>
+          <a:lnRef idx="1">
+            <a:schemeClr val="accent1"/>
+          </a:lnRef>
+          <a:fillRef idx="0">
+            <a:schemeClr val="accent1"/>
+          </a:fillRef>
+          <a:effectRef idx="0">
+            <a:schemeClr val="accent1"/>
+          </a:effectRef>
+          <a:fontRef idx="minor">
+            <a:schemeClr val="tx1"/>
+          </a:fontRef>
+        </p:style>
+      </p:cxnSp>
+      <p:cxnSp>
+        <p:nvCxnSpPr>
+          <p:cNvPr id="28" name="Connecteur droit avec flèche 27">
+            <a:extLst>
+              <a:ext uri="{FF2B5EF4-FFF2-40B4-BE49-F238E27FC236}">
+                <a16:creationId xmlns:a16="http://schemas.microsoft.com/office/drawing/2014/main" id="{F532BCDE-A0B2-FA35-06D9-7BFD45F92AD5}"/>
+              </a:ext>
+            </a:extLst>
+          </p:cNvPr>
+          <p:cNvCxnSpPr>
+            <a:cxnSpLocks/>
+            <a:stCxn id="7" idx="3"/>
+            <a:endCxn id="10" idx="1"/>
+          </p:cNvCxnSpPr>
+          <p:nvPr/>
+        </p:nvCxnSpPr>
+        <p:spPr>
+          <a:xfrm>
+            <a:off x="3200198" y="2597660"/>
+            <a:ext cx="838196" cy="0"/>
+          </a:xfrm>
+          <a:prstGeom prst="straightConnector1">
+            <a:avLst/>
+          </a:prstGeom>
+          <a:ln>
+            <a:tailEnd type="triangle"/>
+          </a:ln>
+        </p:spPr>
+        <p:style>
+          <a:lnRef idx="1">
+            <a:schemeClr val="accent1"/>
+          </a:lnRef>
+          <a:fillRef idx="0">
+            <a:schemeClr val="accent1"/>
+          </a:fillRef>
+          <a:effectRef idx="0">
+            <a:schemeClr val="accent1"/>
+          </a:effectRef>
+          <a:fontRef idx="minor">
+            <a:schemeClr val="tx1"/>
+          </a:fontRef>
+        </p:style>
+      </p:cxnSp>
+      <p:sp>
+        <p:nvSpPr>
+          <p:cNvPr id="31" name="ZoneTexte 30">
+            <a:extLst>
+              <a:ext uri="{FF2B5EF4-FFF2-40B4-BE49-F238E27FC236}">
+                <a16:creationId xmlns:a16="http://schemas.microsoft.com/office/drawing/2014/main" id="{8AE6343A-8C64-16C6-88B7-CA21AE7273A4}"/>
+              </a:ext>
+            </a:extLst>
+          </p:cNvPr>
+          <p:cNvSpPr txBox="1"/>
+          <p:nvPr/>
+        </p:nvSpPr>
+        <p:spPr>
+          <a:xfrm>
+            <a:off x="2436042" y="2043662"/>
+            <a:ext cx="1062486" cy="369332"/>
+          </a:xfrm>
+          <a:prstGeom prst="rect">
+            <a:avLst/>
+          </a:prstGeom>
+          <a:solidFill>
+            <a:schemeClr val="accent2">
+              <a:lumMod val="60000"/>
+              <a:lumOff val="40000"/>
+            </a:schemeClr>
+          </a:solidFill>
+          <a:ln>
+            <a:solidFill>
+              <a:schemeClr val="tx1"/>
+            </a:solidFill>
+          </a:ln>
+        </p:spPr>
+        <p:txBody>
+          <a:bodyPr wrap="square" rtlCol="0">
+            <a:spAutoFit/>
+          </a:bodyPr>
+          <a:lstStyle/>
+          <a:p>
+            <a:pPr algn="ctr"/>
+            <a:r>
+              <a:rPr lang="fr-FR" dirty="0"/>
+              <a:t>Firmware</a:t>
+            </a:r>
+          </a:p>
+        </p:txBody>
+      </p:sp>
+      <p:cxnSp>
+        <p:nvCxnSpPr>
+          <p:cNvPr id="34" name="Connecteur droit avec flèche 33">
+            <a:extLst>
+              <a:ext uri="{FF2B5EF4-FFF2-40B4-BE49-F238E27FC236}">
+                <a16:creationId xmlns:a16="http://schemas.microsoft.com/office/drawing/2014/main" id="{DAA26642-B497-AED2-B5AE-15134C70D152}"/>
+              </a:ext>
+            </a:extLst>
+          </p:cNvPr>
+          <p:cNvCxnSpPr>
+            <a:cxnSpLocks/>
+            <a:stCxn id="10" idx="3"/>
+            <a:endCxn id="8" idx="1"/>
+          </p:cNvCxnSpPr>
+          <p:nvPr/>
+        </p:nvCxnSpPr>
+        <p:spPr>
+          <a:xfrm>
+            <a:off x="4622117" y="2597660"/>
+            <a:ext cx="612838" cy="2211"/>
+          </a:xfrm>
+          <a:prstGeom prst="straightConnector1">
+            <a:avLst/>
+          </a:prstGeom>
+          <a:ln>
+            <a:tailEnd type="triangle"/>
+          </a:ln>
+        </p:spPr>
+        <p:style>
+          <a:lnRef idx="1">
+            <a:schemeClr val="accent1"/>
+          </a:lnRef>
+          <a:fillRef idx="0">
+            <a:schemeClr val="accent1"/>
+          </a:fillRef>
+          <a:effectRef idx="0">
+            <a:schemeClr val="accent1"/>
+          </a:effectRef>
+          <a:fontRef idx="minor">
+            <a:schemeClr val="tx1"/>
+          </a:fontRef>
+        </p:style>
+      </p:cxnSp>
+      <p:cxnSp>
+        <p:nvCxnSpPr>
+          <p:cNvPr id="41" name="Connecteur : en angle 40">
+            <a:extLst>
+              <a:ext uri="{FF2B5EF4-FFF2-40B4-BE49-F238E27FC236}">
+                <a16:creationId xmlns:a16="http://schemas.microsoft.com/office/drawing/2014/main" id="{03B19664-3559-660C-48A4-F8E13F15F41B}"/>
+              </a:ext>
+            </a:extLst>
+          </p:cNvPr>
+          <p:cNvCxnSpPr>
+            <a:cxnSpLocks/>
+            <a:stCxn id="11" idx="1"/>
+          </p:cNvCxnSpPr>
+          <p:nvPr/>
+        </p:nvCxnSpPr>
+        <p:spPr>
+          <a:xfrm rot="10800000">
+            <a:off x="2826745" y="2782327"/>
+            <a:ext cx="2408211" cy="2471163"/>
+          </a:xfrm>
+          <a:prstGeom prst="bentConnector2">
+            <a:avLst/>
+          </a:prstGeom>
+          <a:ln>
+            <a:tailEnd type="triangle"/>
+          </a:ln>
+        </p:spPr>
+        <p:style>
+          <a:lnRef idx="1">
+            <a:schemeClr val="accent1"/>
+          </a:lnRef>
+          <a:fillRef idx="0">
+            <a:schemeClr val="accent1"/>
+          </a:fillRef>
+          <a:effectRef idx="0">
+            <a:schemeClr val="accent1"/>
+          </a:effectRef>
+          <a:fontRef idx="minor">
+            <a:schemeClr val="tx1"/>
+          </a:fontRef>
+        </p:style>
+      </p:cxnSp>
+      <p:sp>
+        <p:nvSpPr>
+          <p:cNvPr id="46" name="Rectangle : coins arrondis 45">
+            <a:extLst>
+              <a:ext uri="{FF2B5EF4-FFF2-40B4-BE49-F238E27FC236}">
+                <a16:creationId xmlns:a16="http://schemas.microsoft.com/office/drawing/2014/main" id="{09EC4932-82B1-2592-1661-6E9BCA58FEDD}"/>
+              </a:ext>
+            </a:extLst>
+          </p:cNvPr>
+          <p:cNvSpPr/>
+          <p:nvPr/>
+        </p:nvSpPr>
+        <p:spPr>
+          <a:xfrm>
+            <a:off x="5234955" y="1874949"/>
+            <a:ext cx="1564978" cy="3968150"/>
+          </a:xfrm>
+          <a:prstGeom prst="roundRect">
+            <a:avLst/>
+          </a:prstGeom>
+          <a:noFill/>
+          <a:ln w="9525" cap="flat" cmpd="sng" algn="ctr">
+            <a:solidFill>
+              <a:schemeClr val="tx1"/>
+            </a:solidFill>
+            <a:prstDash val="solid"/>
+            <a:round/>
+            <a:headEnd type="none" w="med" len="med"/>
+            <a:tailEnd type="none" w="med" len="med"/>
+          </a:ln>
+        </p:spPr>
+        <p:style>
+          <a:lnRef idx="0">
+            <a:scrgbClr r="0" g="0" b="0"/>
+          </a:lnRef>
+          <a:fillRef idx="0">
+            <a:scrgbClr r="0" g="0" b="0"/>
+          </a:fillRef>
+          <a:effectRef idx="0">
+            <a:scrgbClr r="0" g="0" b="0"/>
+          </a:effectRef>
+          <a:fontRef idx="minor">
+            <a:schemeClr val="accent1"/>
+          </a:fontRef>
+        </p:style>
+        <p:txBody>
+          <a:bodyPr rtlCol="0" anchor="ctr"/>
+          <a:lstStyle/>
+          <a:p>
+            <a:pPr algn="ctr"/>
+            <a:endParaRPr lang="fr-FR">
+              <a:noFill/>
+            </a:endParaRPr>
+          </a:p>
+        </p:txBody>
+      </p:sp>
+      <p:sp>
+        <p:nvSpPr>
+          <p:cNvPr id="69" name="ZoneTexte 68">
+            <a:extLst>
+              <a:ext uri="{FF2B5EF4-FFF2-40B4-BE49-F238E27FC236}">
+                <a16:creationId xmlns:a16="http://schemas.microsoft.com/office/drawing/2014/main" id="{496911C1-7750-D119-E72C-B2D9337D6151}"/>
+              </a:ext>
+            </a:extLst>
+          </p:cNvPr>
+          <p:cNvSpPr txBox="1"/>
+          <p:nvPr/>
+        </p:nvSpPr>
+        <p:spPr>
+          <a:xfrm>
+            <a:off x="930733" y="1735885"/>
+            <a:ext cx="720305" cy="307777"/>
+          </a:xfrm>
+          <a:prstGeom prst="rect">
+            <a:avLst/>
+          </a:prstGeom>
+          <a:noFill/>
+        </p:spPr>
+        <p:txBody>
+          <a:bodyPr wrap="square" rtlCol="0">
+            <a:spAutoFit/>
+          </a:bodyPr>
+          <a:lstStyle/>
+          <a:p>
+            <a:pPr algn="ctr"/>
+            <a:r>
+              <a:rPr lang="fr-FR" sz="1400" b="1" i="1" dirty="0">
+                <a:solidFill>
+                  <a:schemeClr val="accent2">
+                    <a:lumMod val="60000"/>
+                    <a:lumOff val="40000"/>
+                  </a:schemeClr>
+                </a:solidFill>
+              </a:rPr>
+              <a:t>Python</a:t>
+            </a:r>
+          </a:p>
+        </p:txBody>
+      </p:sp>
+      <p:sp>
+        <p:nvSpPr>
+          <p:cNvPr id="70" name="ZoneTexte 69">
+            <a:extLst>
+              <a:ext uri="{FF2B5EF4-FFF2-40B4-BE49-F238E27FC236}">
+                <a16:creationId xmlns:a16="http://schemas.microsoft.com/office/drawing/2014/main" id="{4C20050E-350F-7F1C-DD17-373A30146E3F}"/>
+              </a:ext>
+            </a:extLst>
+          </p:cNvPr>
+          <p:cNvSpPr txBox="1"/>
+          <p:nvPr/>
+        </p:nvSpPr>
+        <p:spPr>
+          <a:xfrm>
+            <a:off x="2826744" y="1745516"/>
+            <a:ext cx="281081" cy="307777"/>
+          </a:xfrm>
+          <a:prstGeom prst="rect">
+            <a:avLst/>
+          </a:prstGeom>
+          <a:noFill/>
+        </p:spPr>
+        <p:txBody>
+          <a:bodyPr wrap="square" rtlCol="0">
+            <a:spAutoFit/>
+          </a:bodyPr>
+          <a:lstStyle/>
+          <a:p>
+            <a:pPr algn="ctr"/>
+            <a:r>
+              <a:rPr lang="fr-FR" sz="1400" b="1" i="1" dirty="0">
+                <a:solidFill>
+                  <a:schemeClr val="accent2">
+                    <a:lumMod val="60000"/>
+                    <a:lumOff val="40000"/>
+                  </a:schemeClr>
+                </a:solidFill>
+              </a:rPr>
+              <a:t>C</a:t>
+            </a:r>
+          </a:p>
+        </p:txBody>
+      </p:sp>
+      <p:sp>
+        <p:nvSpPr>
+          <p:cNvPr id="71" name="ZoneTexte 70">
+            <a:extLst>
+              <a:ext uri="{FF2B5EF4-FFF2-40B4-BE49-F238E27FC236}">
+                <a16:creationId xmlns:a16="http://schemas.microsoft.com/office/drawing/2014/main" id="{BBABE72C-3E19-455F-1C70-C98540B147FE}"/>
+              </a:ext>
+            </a:extLst>
+          </p:cNvPr>
+          <p:cNvSpPr txBox="1"/>
+          <p:nvPr/>
+        </p:nvSpPr>
+        <p:spPr>
+          <a:xfrm>
+            <a:off x="1819971" y="2564759"/>
+            <a:ext cx="611393" cy="307777"/>
+          </a:xfrm>
+          <a:prstGeom prst="rect">
+            <a:avLst/>
+          </a:prstGeom>
+          <a:noFill/>
+        </p:spPr>
+        <p:txBody>
+          <a:bodyPr wrap="square" rtlCol="0">
+            <a:spAutoFit/>
+          </a:bodyPr>
+          <a:lstStyle/>
+          <a:p>
+            <a:pPr algn="ctr"/>
+            <a:r>
+              <a:rPr lang="fr-FR" sz="1400" i="1" dirty="0">
+                <a:solidFill>
+                  <a:srgbClr val="FF0000"/>
+                </a:solidFill>
+              </a:rPr>
+              <a:t>UART</a:t>
+            </a:r>
+          </a:p>
+        </p:txBody>
+      </p:sp>
+      <p:sp>
+        <p:nvSpPr>
+          <p:cNvPr id="72" name="ZoneTexte 71">
+            <a:extLst>
+              <a:ext uri="{FF2B5EF4-FFF2-40B4-BE49-F238E27FC236}">
+                <a16:creationId xmlns:a16="http://schemas.microsoft.com/office/drawing/2014/main" id="{1D0AFEF9-54DB-5C86-200E-C17B8E9BA6C8}"/>
+              </a:ext>
+            </a:extLst>
+          </p:cNvPr>
+          <p:cNvSpPr txBox="1"/>
+          <p:nvPr/>
+        </p:nvSpPr>
+        <p:spPr>
+          <a:xfrm>
+            <a:off x="3392853" y="2564759"/>
+            <a:ext cx="452885" cy="307777"/>
+          </a:xfrm>
+          <a:prstGeom prst="rect">
+            <a:avLst/>
+          </a:prstGeom>
+          <a:noFill/>
+        </p:spPr>
+        <p:txBody>
+          <a:bodyPr wrap="square" rtlCol="0">
+            <a:spAutoFit/>
+          </a:bodyPr>
+          <a:lstStyle/>
+          <a:p>
+            <a:pPr algn="ctr"/>
+            <a:r>
+              <a:rPr lang="fr-FR" sz="1400" i="1" dirty="0">
+                <a:solidFill>
+                  <a:srgbClr val="FF0000"/>
+                </a:solidFill>
+              </a:rPr>
+              <a:t>I2C</a:t>
+            </a:r>
+          </a:p>
+        </p:txBody>
+      </p:sp>
+      <p:sp>
+        <p:nvSpPr>
+          <p:cNvPr id="74" name="ZoneTexte 73">
+            <a:extLst>
+              <a:ext uri="{FF2B5EF4-FFF2-40B4-BE49-F238E27FC236}">
+                <a16:creationId xmlns:a16="http://schemas.microsoft.com/office/drawing/2014/main" id="{524DA892-2FB0-C63E-1012-DA3C00D291C5}"/>
+              </a:ext>
+            </a:extLst>
+          </p:cNvPr>
+          <p:cNvSpPr txBox="1"/>
+          <p:nvPr/>
+        </p:nvSpPr>
+        <p:spPr>
+          <a:xfrm>
+            <a:off x="5234955" y="3811263"/>
+            <a:ext cx="1564978" cy="369332"/>
+          </a:xfrm>
+          <a:prstGeom prst="rect">
+            <a:avLst/>
+          </a:prstGeom>
+          <a:solidFill>
+            <a:schemeClr val="accent1">
+              <a:lumMod val="60000"/>
+              <a:lumOff val="40000"/>
+            </a:schemeClr>
+          </a:solidFill>
+          <a:ln>
+            <a:solidFill>
+              <a:schemeClr val="tx1"/>
+            </a:solidFill>
+          </a:ln>
+        </p:spPr>
+        <p:txBody>
+          <a:bodyPr wrap="square" rtlCol="0">
+            <a:spAutoFit/>
+          </a:bodyPr>
+          <a:lstStyle/>
+          <a:p>
+            <a:pPr algn="ctr"/>
+            <a:r>
+              <a:rPr lang="fr-FR" dirty="0"/>
+              <a:t>Potentiomètre</a:t>
+            </a:r>
+          </a:p>
+        </p:txBody>
+      </p:sp>
+      <p:cxnSp>
+        <p:nvCxnSpPr>
+          <p:cNvPr id="84" name="Connecteur : en angle 83">
+            <a:extLst>
+              <a:ext uri="{FF2B5EF4-FFF2-40B4-BE49-F238E27FC236}">
+                <a16:creationId xmlns:a16="http://schemas.microsoft.com/office/drawing/2014/main" id="{37666535-936D-1F90-F05E-38AEF4B9C6E8}"/>
+              </a:ext>
+            </a:extLst>
+          </p:cNvPr>
+          <p:cNvCxnSpPr>
+            <a:cxnSpLocks/>
+            <a:stCxn id="74" idx="1"/>
+            <a:endCxn id="7" idx="2"/>
+          </p:cNvCxnSpPr>
+          <p:nvPr/>
+        </p:nvCxnSpPr>
+        <p:spPr>
+          <a:xfrm rot="10800000">
+            <a:off x="2967285" y="2782327"/>
+            <a:ext cx="2267670" cy="1213603"/>
+          </a:xfrm>
+          <a:prstGeom prst="bentConnector2">
+            <a:avLst/>
+          </a:prstGeom>
+          <a:ln>
+            <a:tailEnd type="triangle"/>
+          </a:ln>
+        </p:spPr>
+        <p:style>
+          <a:lnRef idx="1">
+            <a:schemeClr val="accent1"/>
+          </a:lnRef>
+          <a:fillRef idx="0">
+            <a:schemeClr val="accent1"/>
+          </a:fillRef>
+          <a:effectRef idx="0">
+            <a:schemeClr val="accent1"/>
+          </a:effectRef>
+          <a:fontRef idx="minor">
+            <a:schemeClr val="tx1"/>
+          </a:fontRef>
+        </p:style>
+      </p:cxnSp>
+      <p:sp>
+        <p:nvSpPr>
+          <p:cNvPr id="99" name="ZoneTexte 98">
+            <a:extLst>
+              <a:ext uri="{FF2B5EF4-FFF2-40B4-BE49-F238E27FC236}">
+                <a16:creationId xmlns:a16="http://schemas.microsoft.com/office/drawing/2014/main" id="{E1EEB079-3DD9-CAD0-1DB9-020A81526899}"/>
+              </a:ext>
+            </a:extLst>
+          </p:cNvPr>
+          <p:cNvSpPr txBox="1"/>
+          <p:nvPr/>
+        </p:nvSpPr>
+        <p:spPr>
+          <a:xfrm>
+            <a:off x="4622118" y="3733725"/>
+            <a:ext cx="532862" cy="307777"/>
+          </a:xfrm>
+          <a:prstGeom prst="rect">
+            <a:avLst/>
+          </a:prstGeom>
+          <a:noFill/>
+        </p:spPr>
+        <p:txBody>
+          <a:bodyPr wrap="square" rtlCol="0">
+            <a:spAutoFit/>
+          </a:bodyPr>
+          <a:lstStyle/>
+          <a:p>
+            <a:pPr algn="ctr"/>
+            <a:r>
+              <a:rPr lang="fr-FR" sz="1400" i="1" dirty="0">
+                <a:solidFill>
+                  <a:srgbClr val="7030A0"/>
+                </a:solidFill>
+              </a:rPr>
+              <a:t>ADC</a:t>
+            </a:r>
+          </a:p>
+        </p:txBody>
+      </p:sp>
+      <p:sp>
+        <p:nvSpPr>
+          <p:cNvPr id="102" name="ZoneTexte 101">
+            <a:extLst>
+              <a:ext uri="{FF2B5EF4-FFF2-40B4-BE49-F238E27FC236}">
+                <a16:creationId xmlns:a16="http://schemas.microsoft.com/office/drawing/2014/main" id="{19B397FA-50EB-1DBE-35E4-CF182F1DB3DE}"/>
+              </a:ext>
+            </a:extLst>
+          </p:cNvPr>
+          <p:cNvSpPr txBox="1"/>
+          <p:nvPr/>
+        </p:nvSpPr>
+        <p:spPr>
+          <a:xfrm>
+            <a:off x="4662106" y="4992900"/>
+            <a:ext cx="452885" cy="307777"/>
+          </a:xfrm>
+          <a:prstGeom prst="rect">
+            <a:avLst/>
+          </a:prstGeom>
+          <a:noFill/>
+        </p:spPr>
+        <p:txBody>
+          <a:bodyPr wrap="square" rtlCol="0">
+            <a:spAutoFit/>
+          </a:bodyPr>
+          <a:lstStyle/>
+          <a:p>
+            <a:pPr algn="ctr"/>
+            <a:r>
+              <a:rPr lang="fr-FR" sz="1400" i="1" dirty="0">
+                <a:solidFill>
+                  <a:srgbClr val="FF0000"/>
+                </a:solidFill>
+              </a:rPr>
+              <a:t>I2C</a:t>
+            </a:r>
+          </a:p>
+        </p:txBody>
+      </p:sp>
+      <p:sp>
+        <p:nvSpPr>
+          <p:cNvPr id="103" name="ZoneTexte 102">
+            <a:extLst>
+              <a:ext uri="{FF2B5EF4-FFF2-40B4-BE49-F238E27FC236}">
+                <a16:creationId xmlns:a16="http://schemas.microsoft.com/office/drawing/2014/main" id="{964BC40A-A9CB-81F4-6221-C409DF998526}"/>
+              </a:ext>
+            </a:extLst>
+          </p:cNvPr>
+          <p:cNvSpPr txBox="1"/>
+          <p:nvPr/>
+        </p:nvSpPr>
+        <p:spPr>
+          <a:xfrm>
+            <a:off x="4616720" y="2564759"/>
+            <a:ext cx="612838" cy="307777"/>
+          </a:xfrm>
+          <a:prstGeom prst="rect">
+            <a:avLst/>
+          </a:prstGeom>
+          <a:noFill/>
+        </p:spPr>
+        <p:txBody>
+          <a:bodyPr wrap="square" rtlCol="0">
+            <a:spAutoFit/>
+          </a:bodyPr>
+          <a:lstStyle/>
+          <a:p>
+            <a:pPr algn="ctr"/>
+            <a:r>
+              <a:rPr lang="fr-FR" sz="1400" i="1" dirty="0">
+                <a:solidFill>
+                  <a:schemeClr val="accent6"/>
+                </a:solidFill>
+              </a:rPr>
+              <a:t>PWM</a:t>
+            </a:r>
+          </a:p>
+        </p:txBody>
+      </p:sp>
+      <p:cxnSp>
+        <p:nvCxnSpPr>
+          <p:cNvPr id="3" name="Connecteur droit 2">
+            <a:extLst>
+              <a:ext uri="{FF2B5EF4-FFF2-40B4-BE49-F238E27FC236}">
+                <a16:creationId xmlns:a16="http://schemas.microsoft.com/office/drawing/2014/main" id="{CA315638-C53B-189D-042D-4A9401398A75}"/>
+              </a:ext>
+            </a:extLst>
+          </p:cNvPr>
+          <p:cNvCxnSpPr/>
+          <p:nvPr/>
+        </p:nvCxnSpPr>
+        <p:spPr>
+          <a:xfrm>
+            <a:off x="8380520" y="5442013"/>
+            <a:ext cx="2201662" cy="0"/>
+          </a:xfrm>
+          <a:prstGeom prst="line">
+            <a:avLst/>
+          </a:prstGeom>
+        </p:spPr>
+        <p:style>
+          <a:lnRef idx="1">
+            <a:schemeClr val="accent1"/>
+          </a:lnRef>
+          <a:fillRef idx="0">
+            <a:schemeClr val="accent1"/>
+          </a:fillRef>
+          <a:effectRef idx="0">
+            <a:schemeClr val="accent1"/>
+          </a:effectRef>
+          <a:fontRef idx="minor">
+            <a:schemeClr val="tx1"/>
+          </a:fontRef>
+        </p:style>
+      </p:cxnSp>
+      <p:cxnSp>
+        <p:nvCxnSpPr>
+          <p:cNvPr id="4" name="Connecteur droit 3">
+            <a:extLst>
+              <a:ext uri="{FF2B5EF4-FFF2-40B4-BE49-F238E27FC236}">
+                <a16:creationId xmlns:a16="http://schemas.microsoft.com/office/drawing/2014/main" id="{2FD407DA-5E2B-F249-7D61-48766C69CF13}"/>
+              </a:ext>
+            </a:extLst>
+          </p:cNvPr>
+          <p:cNvCxnSpPr>
+            <a:cxnSpLocks/>
+          </p:cNvCxnSpPr>
+          <p:nvPr/>
+        </p:nvCxnSpPr>
+        <p:spPr>
+          <a:xfrm flipV="1">
+            <a:off x="8536360" y="5349535"/>
+            <a:ext cx="221942" cy="184955"/>
+          </a:xfrm>
+          <a:prstGeom prst="line">
+            <a:avLst/>
+          </a:prstGeom>
+        </p:spPr>
+        <p:style>
+          <a:lnRef idx="1">
+            <a:schemeClr val="accent1"/>
+          </a:lnRef>
+          <a:fillRef idx="0">
+            <a:schemeClr val="accent1"/>
+          </a:fillRef>
+          <a:effectRef idx="0">
+            <a:schemeClr val="accent1"/>
+          </a:effectRef>
+          <a:fontRef idx="minor">
+            <a:schemeClr val="tx1"/>
+          </a:fontRef>
+        </p:style>
+      </p:cxnSp>
+      <p:cxnSp>
+        <p:nvCxnSpPr>
+          <p:cNvPr id="14" name="Connecteur droit 13">
+            <a:extLst>
+              <a:ext uri="{FF2B5EF4-FFF2-40B4-BE49-F238E27FC236}">
+                <a16:creationId xmlns:a16="http://schemas.microsoft.com/office/drawing/2014/main" id="{20326224-3E9E-D96D-8C36-7FE847FD59DB}"/>
+              </a:ext>
+            </a:extLst>
+          </p:cNvPr>
+          <p:cNvCxnSpPr>
+            <a:cxnSpLocks/>
+          </p:cNvCxnSpPr>
+          <p:nvPr/>
+        </p:nvCxnSpPr>
+        <p:spPr>
+          <a:xfrm flipV="1">
+            <a:off x="10227918" y="5349534"/>
+            <a:ext cx="221942" cy="184955"/>
+          </a:xfrm>
+          <a:prstGeom prst="line">
+            <a:avLst/>
+          </a:prstGeom>
+        </p:spPr>
+        <p:style>
+          <a:lnRef idx="1">
+            <a:schemeClr val="accent1"/>
+          </a:lnRef>
+          <a:fillRef idx="0">
+            <a:schemeClr val="accent1"/>
+          </a:fillRef>
+          <a:effectRef idx="0">
+            <a:schemeClr val="accent1"/>
+          </a:effectRef>
+          <a:fontRef idx="minor">
+            <a:schemeClr val="tx1"/>
+          </a:fontRef>
+        </p:style>
+      </p:cxnSp>
+      <p:cxnSp>
+        <p:nvCxnSpPr>
+          <p:cNvPr id="15" name="Connecteur droit 14">
+            <a:extLst>
+              <a:ext uri="{FF2B5EF4-FFF2-40B4-BE49-F238E27FC236}">
+                <a16:creationId xmlns:a16="http://schemas.microsoft.com/office/drawing/2014/main" id="{8A6ACDD7-67AF-A821-94D2-6675B02B4DAF}"/>
+              </a:ext>
+            </a:extLst>
+          </p:cNvPr>
+          <p:cNvCxnSpPr>
+            <a:cxnSpLocks/>
+          </p:cNvCxnSpPr>
+          <p:nvPr/>
+        </p:nvCxnSpPr>
+        <p:spPr>
+          <a:xfrm flipV="1">
+            <a:off x="9481351" y="3733725"/>
+            <a:ext cx="0" cy="1708286"/>
+          </a:xfrm>
+          <a:prstGeom prst="line">
+            <a:avLst/>
+          </a:prstGeom>
+        </p:spPr>
+        <p:style>
+          <a:lnRef idx="1">
+            <a:schemeClr val="accent1"/>
+          </a:lnRef>
+          <a:fillRef idx="0">
+            <a:schemeClr val="accent1"/>
+          </a:fillRef>
+          <a:effectRef idx="0">
+            <a:schemeClr val="accent1"/>
+          </a:effectRef>
+          <a:fontRef idx="minor">
+            <a:schemeClr val="tx1"/>
+          </a:fontRef>
+        </p:style>
+      </p:cxnSp>
+      <p:cxnSp>
+        <p:nvCxnSpPr>
+          <p:cNvPr id="18" name="Connecteur droit 17">
+            <a:extLst>
+              <a:ext uri="{FF2B5EF4-FFF2-40B4-BE49-F238E27FC236}">
+                <a16:creationId xmlns:a16="http://schemas.microsoft.com/office/drawing/2014/main" id="{AE704F61-4FD3-204B-72E2-ED0F099FF9BE}"/>
+              </a:ext>
+            </a:extLst>
+          </p:cNvPr>
+          <p:cNvCxnSpPr>
+            <a:cxnSpLocks/>
+          </p:cNvCxnSpPr>
+          <p:nvPr/>
+        </p:nvCxnSpPr>
+        <p:spPr>
+          <a:xfrm flipH="1" flipV="1">
+            <a:off x="9251338" y="3424067"/>
+            <a:ext cx="1087551" cy="1461060"/>
+          </a:xfrm>
+          <a:prstGeom prst="line">
+            <a:avLst/>
+          </a:prstGeom>
+        </p:spPr>
+        <p:style>
+          <a:lnRef idx="1">
+            <a:schemeClr val="accent1"/>
+          </a:lnRef>
+          <a:fillRef idx="0">
+            <a:schemeClr val="accent1"/>
+          </a:fillRef>
+          <a:effectRef idx="0">
+            <a:schemeClr val="accent1"/>
+          </a:effectRef>
+          <a:fontRef idx="minor">
+            <a:schemeClr val="tx1"/>
+          </a:fontRef>
+        </p:style>
+      </p:cxnSp>
+      <p:sp>
+        <p:nvSpPr>
+          <p:cNvPr id="21" name="Ellipse 20">
+            <a:extLst>
+              <a:ext uri="{FF2B5EF4-FFF2-40B4-BE49-F238E27FC236}">
+                <a16:creationId xmlns:a16="http://schemas.microsoft.com/office/drawing/2014/main" id="{909A0F03-B55C-B35E-1218-71821EA7EE3E}"/>
+              </a:ext>
+            </a:extLst>
+          </p:cNvPr>
+          <p:cNvSpPr/>
+          <p:nvPr/>
+        </p:nvSpPr>
+        <p:spPr>
+          <a:xfrm>
+            <a:off x="10227919" y="4832222"/>
+            <a:ext cx="221940" cy="181200"/>
+          </a:xfrm>
+          <a:prstGeom prst="ellipse">
+            <a:avLst/>
+          </a:prstGeom>
+          <a:ln w="28575">
+            <a:solidFill>
+              <a:schemeClr val="accent1"/>
+            </a:solidFill>
+          </a:ln>
+        </p:spPr>
+        <p:style>
+          <a:lnRef idx="2">
+            <a:schemeClr val="accent6"/>
+          </a:lnRef>
+          <a:fillRef idx="1">
+            <a:schemeClr val="lt1"/>
+          </a:fillRef>
+          <a:effectRef idx="0">
+            <a:schemeClr val="accent6"/>
+          </a:effectRef>
+          <a:fontRef idx="minor">
+            <a:schemeClr val="dk1"/>
+          </a:fontRef>
+        </p:style>
+        <p:txBody>
+          <a:bodyPr rtlCol="0" anchor="ctr"/>
+          <a:lstStyle/>
+          <a:p>
+            <a:pPr algn="ctr"/>
+            <a:endParaRPr lang="fr-FR"/>
+          </a:p>
+        </p:txBody>
+      </p:sp>
+      <p:cxnSp>
+        <p:nvCxnSpPr>
+          <p:cNvPr id="22" name="Connecteur droit 21">
+            <a:extLst>
+              <a:ext uri="{FF2B5EF4-FFF2-40B4-BE49-F238E27FC236}">
+                <a16:creationId xmlns:a16="http://schemas.microsoft.com/office/drawing/2014/main" id="{4BF931D2-94F2-C53D-961F-134298236955}"/>
+              </a:ext>
+            </a:extLst>
+          </p:cNvPr>
+          <p:cNvCxnSpPr>
+            <a:cxnSpLocks/>
+          </p:cNvCxnSpPr>
+          <p:nvPr/>
+        </p:nvCxnSpPr>
+        <p:spPr>
+          <a:xfrm flipV="1">
+            <a:off x="10116947" y="4932375"/>
+            <a:ext cx="221942" cy="184955"/>
+          </a:xfrm>
+          <a:prstGeom prst="line">
+            <a:avLst/>
+          </a:prstGeom>
+          <a:ln w="28575"/>
+        </p:spPr>
+        <p:style>
+          <a:lnRef idx="1">
+            <a:schemeClr val="accent1"/>
+          </a:lnRef>
+          <a:fillRef idx="0">
+            <a:schemeClr val="accent1"/>
+          </a:fillRef>
+          <a:effectRef idx="0">
+            <a:schemeClr val="accent1"/>
+          </a:effectRef>
+          <a:fontRef idx="minor">
+            <a:schemeClr val="tx1"/>
+          </a:fontRef>
+        </p:style>
+      </p:cxnSp>
+      <p:cxnSp>
+        <p:nvCxnSpPr>
+          <p:cNvPr id="23" name="Connecteur droit 22">
+            <a:extLst>
+              <a:ext uri="{FF2B5EF4-FFF2-40B4-BE49-F238E27FC236}">
+                <a16:creationId xmlns:a16="http://schemas.microsoft.com/office/drawing/2014/main" id="{B3921E5A-35E2-3BA2-7F98-10BA888BD28A}"/>
+              </a:ext>
+            </a:extLst>
+          </p:cNvPr>
+          <p:cNvCxnSpPr>
+            <a:cxnSpLocks/>
+          </p:cNvCxnSpPr>
+          <p:nvPr/>
+        </p:nvCxnSpPr>
+        <p:spPr>
+          <a:xfrm flipH="1" flipV="1">
+            <a:off x="10186489" y="4767535"/>
+            <a:ext cx="152400" cy="163830"/>
+          </a:xfrm>
+          <a:prstGeom prst="line">
+            <a:avLst/>
+          </a:prstGeom>
+          <a:ln w="28575"/>
+        </p:spPr>
+        <p:style>
+          <a:lnRef idx="1">
+            <a:schemeClr val="accent1"/>
+          </a:lnRef>
+          <a:fillRef idx="0">
+            <a:schemeClr val="accent1"/>
+          </a:fillRef>
+          <a:effectRef idx="0">
+            <a:schemeClr val="accent1"/>
+          </a:effectRef>
+          <a:fontRef idx="minor">
+            <a:schemeClr val="tx1"/>
+          </a:fontRef>
+        </p:style>
+      </p:cxnSp>
+      <p:cxnSp>
+        <p:nvCxnSpPr>
+          <p:cNvPr id="25" name="Connecteur droit 24">
+            <a:extLst>
+              <a:ext uri="{FF2B5EF4-FFF2-40B4-BE49-F238E27FC236}">
+                <a16:creationId xmlns:a16="http://schemas.microsoft.com/office/drawing/2014/main" id="{A08D73BD-6F81-B22C-5E9F-A5D9C814E580}"/>
+              </a:ext>
+            </a:extLst>
+          </p:cNvPr>
+          <p:cNvCxnSpPr>
+            <a:cxnSpLocks/>
+          </p:cNvCxnSpPr>
+          <p:nvPr/>
+        </p:nvCxnSpPr>
+        <p:spPr>
+          <a:xfrm>
+            <a:off x="10338889" y="4942416"/>
+            <a:ext cx="284086" cy="0"/>
+          </a:xfrm>
+          <a:prstGeom prst="line">
+            <a:avLst/>
+          </a:prstGeom>
+          <a:ln w="28575"/>
+        </p:spPr>
+        <p:style>
+          <a:lnRef idx="1">
+            <a:schemeClr val="accent1"/>
+          </a:lnRef>
+          <a:fillRef idx="0">
+            <a:schemeClr val="accent1"/>
+          </a:fillRef>
+          <a:effectRef idx="0">
+            <a:schemeClr val="accent1"/>
+          </a:effectRef>
+          <a:fontRef idx="minor">
+            <a:schemeClr val="tx1"/>
+          </a:fontRef>
+        </p:style>
+      </p:cxnSp>
+      <p:sp>
+        <p:nvSpPr>
+          <p:cNvPr id="2" name="Ellipse 1">
+            <a:extLst>
+              <a:ext uri="{FF2B5EF4-FFF2-40B4-BE49-F238E27FC236}">
+                <a16:creationId xmlns:a16="http://schemas.microsoft.com/office/drawing/2014/main" id="{4EB6AF38-EE8B-A307-5173-FB95C8F9F98F}"/>
+              </a:ext>
+            </a:extLst>
+          </p:cNvPr>
+          <p:cNvSpPr/>
+          <p:nvPr/>
+        </p:nvSpPr>
+        <p:spPr>
+          <a:xfrm>
+            <a:off x="10733945" y="4718565"/>
+            <a:ext cx="373669" cy="369317"/>
+          </a:xfrm>
+          <a:prstGeom prst="ellipse">
+            <a:avLst/>
+          </a:prstGeom>
+          <a:noFill/>
+        </p:spPr>
+        <p:style>
+          <a:lnRef idx="2">
+            <a:schemeClr val="accent1">
+              <a:shade val="50000"/>
+            </a:schemeClr>
+          </a:lnRef>
+          <a:fillRef idx="1">
+            <a:schemeClr val="accent1"/>
+          </a:fillRef>
+          <a:effectRef idx="0">
+            <a:schemeClr val="accent1"/>
+          </a:effectRef>
+          <a:fontRef idx="minor">
+            <a:schemeClr val="lt1"/>
+          </a:fontRef>
+        </p:style>
+        <p:txBody>
+          <a:bodyPr rtlCol="0" anchor="ctr"/>
+          <a:lstStyle/>
+          <a:p>
+            <a:pPr algn="ctr"/>
+            <a:r>
+              <a:rPr lang="fr-FR" dirty="0">
+                <a:solidFill>
+                  <a:schemeClr val="tx1"/>
+                </a:solidFill>
+              </a:rPr>
+              <a:t>1</a:t>
+            </a:r>
+          </a:p>
+        </p:txBody>
+      </p:sp>
+      <p:sp>
+        <p:nvSpPr>
+          <p:cNvPr id="12" name="Ellipse 11">
+            <a:extLst>
+              <a:ext uri="{FF2B5EF4-FFF2-40B4-BE49-F238E27FC236}">
+                <a16:creationId xmlns:a16="http://schemas.microsoft.com/office/drawing/2014/main" id="{62415688-6DD2-657D-42CE-E5EFDCCEACC3}"/>
+              </a:ext>
+            </a:extLst>
+          </p:cNvPr>
+          <p:cNvSpPr/>
+          <p:nvPr/>
+        </p:nvSpPr>
+        <p:spPr>
+          <a:xfrm>
+            <a:off x="6928980" y="2412994"/>
+            <a:ext cx="373669" cy="369317"/>
+          </a:xfrm>
+          <a:prstGeom prst="ellipse">
+            <a:avLst/>
+          </a:prstGeom>
+          <a:noFill/>
+        </p:spPr>
+        <p:style>
+          <a:lnRef idx="2">
+            <a:schemeClr val="accent1">
+              <a:shade val="50000"/>
+            </a:schemeClr>
+          </a:lnRef>
+          <a:fillRef idx="1">
+            <a:schemeClr val="accent1"/>
+          </a:fillRef>
+          <a:effectRef idx="0">
+            <a:schemeClr val="accent1"/>
+          </a:effectRef>
+          <a:fontRef idx="minor">
+            <a:schemeClr val="lt1"/>
+          </a:fontRef>
+        </p:style>
+        <p:txBody>
+          <a:bodyPr rtlCol="0" anchor="ctr"/>
+          <a:lstStyle/>
+          <a:p>
+            <a:pPr algn="ctr"/>
+            <a:r>
+              <a:rPr lang="fr-FR" dirty="0">
+                <a:solidFill>
+                  <a:schemeClr val="tx1"/>
+                </a:solidFill>
+              </a:rPr>
+              <a:t>1</a:t>
+            </a:r>
+          </a:p>
+        </p:txBody>
+      </p:sp>
+      <p:sp>
+        <p:nvSpPr>
+          <p:cNvPr id="13" name="Ellipse 12">
+            <a:extLst>
+              <a:ext uri="{FF2B5EF4-FFF2-40B4-BE49-F238E27FC236}">
+                <a16:creationId xmlns:a16="http://schemas.microsoft.com/office/drawing/2014/main" id="{0EA92074-7182-D08D-7090-473050E4AC3D}"/>
+              </a:ext>
+            </a:extLst>
+          </p:cNvPr>
+          <p:cNvSpPr/>
+          <p:nvPr/>
+        </p:nvSpPr>
+        <p:spPr>
+          <a:xfrm>
+            <a:off x="6928980" y="3811263"/>
+            <a:ext cx="373669" cy="369317"/>
+          </a:xfrm>
+          <a:prstGeom prst="ellipse">
+            <a:avLst/>
+          </a:prstGeom>
+          <a:noFill/>
+        </p:spPr>
+        <p:style>
+          <a:lnRef idx="2">
+            <a:schemeClr val="accent1">
+              <a:shade val="50000"/>
+            </a:schemeClr>
+          </a:lnRef>
+          <a:fillRef idx="1">
+            <a:schemeClr val="accent1"/>
+          </a:fillRef>
+          <a:effectRef idx="0">
+            <a:schemeClr val="accent1"/>
+          </a:effectRef>
+          <a:fontRef idx="minor">
+            <a:schemeClr val="lt1"/>
+          </a:fontRef>
+        </p:style>
+        <p:txBody>
+          <a:bodyPr rtlCol="0" anchor="ctr"/>
+          <a:lstStyle/>
+          <a:p>
+            <a:pPr algn="ctr"/>
+            <a:r>
+              <a:rPr lang="fr-FR" dirty="0">
+                <a:solidFill>
+                  <a:schemeClr val="tx1"/>
+                </a:solidFill>
+              </a:rPr>
+              <a:t>2</a:t>
+            </a:r>
+          </a:p>
+        </p:txBody>
+      </p:sp>
+      <p:sp>
+        <p:nvSpPr>
+          <p:cNvPr id="16" name="Ellipse 15">
+            <a:extLst>
+              <a:ext uri="{FF2B5EF4-FFF2-40B4-BE49-F238E27FC236}">
+                <a16:creationId xmlns:a16="http://schemas.microsoft.com/office/drawing/2014/main" id="{F717DA9A-0BEB-A86A-2369-BF334C90D834}"/>
+              </a:ext>
+            </a:extLst>
+          </p:cNvPr>
+          <p:cNvSpPr/>
+          <p:nvPr/>
+        </p:nvSpPr>
+        <p:spPr>
+          <a:xfrm>
+            <a:off x="8941948" y="4561006"/>
+            <a:ext cx="373669" cy="369317"/>
+          </a:xfrm>
+          <a:prstGeom prst="ellipse">
+            <a:avLst/>
+          </a:prstGeom>
+          <a:noFill/>
+        </p:spPr>
+        <p:style>
+          <a:lnRef idx="2">
+            <a:schemeClr val="accent1">
+              <a:shade val="50000"/>
+            </a:schemeClr>
+          </a:lnRef>
+          <a:fillRef idx="1">
+            <a:schemeClr val="accent1"/>
+          </a:fillRef>
+          <a:effectRef idx="0">
+            <a:schemeClr val="accent1"/>
+          </a:effectRef>
+          <a:fontRef idx="minor">
+            <a:schemeClr val="lt1"/>
+          </a:fontRef>
+        </p:style>
+        <p:txBody>
+          <a:bodyPr rtlCol="0" anchor="ctr"/>
+          <a:lstStyle/>
+          <a:p>
+            <a:pPr algn="ctr"/>
+            <a:r>
+              <a:rPr lang="fr-FR" dirty="0">
+                <a:solidFill>
+                  <a:schemeClr val="tx1"/>
+                </a:solidFill>
+              </a:rPr>
+              <a:t>2</a:t>
+            </a:r>
+          </a:p>
+        </p:txBody>
+      </p:sp>
+      <p:sp>
+        <p:nvSpPr>
+          <p:cNvPr id="17" name="Ellipse 16">
+            <a:extLst>
+              <a:ext uri="{FF2B5EF4-FFF2-40B4-BE49-F238E27FC236}">
+                <a16:creationId xmlns:a16="http://schemas.microsoft.com/office/drawing/2014/main" id="{D7A73389-6B45-60BD-9634-60945AD5611D}"/>
+              </a:ext>
+            </a:extLst>
+          </p:cNvPr>
+          <p:cNvSpPr/>
+          <p:nvPr/>
+        </p:nvSpPr>
+        <p:spPr>
+          <a:xfrm>
+            <a:off x="6928980" y="5066058"/>
+            <a:ext cx="373669" cy="369317"/>
+          </a:xfrm>
+          <a:prstGeom prst="ellipse">
+            <a:avLst/>
+          </a:prstGeom>
+          <a:noFill/>
+        </p:spPr>
+        <p:style>
+          <a:lnRef idx="2">
+            <a:schemeClr val="accent1">
+              <a:shade val="50000"/>
+            </a:schemeClr>
+          </a:lnRef>
+          <a:fillRef idx="1">
+            <a:schemeClr val="accent1"/>
+          </a:fillRef>
+          <a:effectRef idx="0">
+            <a:schemeClr val="accent1"/>
+          </a:effectRef>
+          <a:fontRef idx="minor">
+            <a:schemeClr val="lt1"/>
+          </a:fontRef>
+        </p:style>
+        <p:txBody>
+          <a:bodyPr rtlCol="0" anchor="ctr"/>
+          <a:lstStyle/>
+          <a:p>
+            <a:pPr algn="ctr"/>
+            <a:r>
+              <a:rPr lang="fr-FR" dirty="0">
+                <a:solidFill>
+                  <a:schemeClr val="tx1"/>
+                </a:solidFill>
+              </a:rPr>
+              <a:t>3</a:t>
+            </a:r>
+          </a:p>
+        </p:txBody>
+      </p:sp>
+      <p:sp>
+        <p:nvSpPr>
+          <p:cNvPr id="19" name="Ellipse 18">
+            <a:extLst>
+              <a:ext uri="{FF2B5EF4-FFF2-40B4-BE49-F238E27FC236}">
+                <a16:creationId xmlns:a16="http://schemas.microsoft.com/office/drawing/2014/main" id="{D7AE6AFD-3C50-2FA1-3320-2DC253F87BDF}"/>
+              </a:ext>
+            </a:extLst>
+          </p:cNvPr>
+          <p:cNvSpPr/>
+          <p:nvPr/>
+        </p:nvSpPr>
+        <p:spPr>
+          <a:xfrm>
+            <a:off x="10041083" y="3963309"/>
+            <a:ext cx="373669" cy="369317"/>
+          </a:xfrm>
+          <a:prstGeom prst="ellipse">
+            <a:avLst/>
+          </a:prstGeom>
+          <a:noFill/>
+        </p:spPr>
+        <p:style>
+          <a:lnRef idx="2">
+            <a:schemeClr val="accent1">
+              <a:shade val="50000"/>
+            </a:schemeClr>
+          </a:lnRef>
+          <a:fillRef idx="1">
+            <a:schemeClr val="accent1"/>
+          </a:fillRef>
+          <a:effectRef idx="0">
+            <a:schemeClr val="accent1"/>
+          </a:effectRef>
+          <a:fontRef idx="minor">
+            <a:schemeClr val="lt1"/>
+          </a:fontRef>
+        </p:style>
+        <p:txBody>
+          <a:bodyPr rtlCol="0" anchor="ctr"/>
+          <a:lstStyle/>
+          <a:p>
+            <a:pPr algn="ctr"/>
+            <a:r>
+              <a:rPr lang="fr-FR" dirty="0">
+                <a:solidFill>
+                  <a:schemeClr val="tx1"/>
+                </a:solidFill>
+              </a:rPr>
+              <a:t>3</a:t>
+            </a:r>
+          </a:p>
+        </p:txBody>
+      </p:sp>
+      <p:sp>
+        <p:nvSpPr>
+          <p:cNvPr id="20" name="Rectangle 19">
+            <a:extLst>
+              <a:ext uri="{FF2B5EF4-FFF2-40B4-BE49-F238E27FC236}">
+                <a16:creationId xmlns:a16="http://schemas.microsoft.com/office/drawing/2014/main" id="{D899080C-9E89-F995-CD6F-E0DFF491C62C}"/>
+              </a:ext>
+            </a:extLst>
+          </p:cNvPr>
+          <p:cNvSpPr/>
+          <p:nvPr/>
+        </p:nvSpPr>
+        <p:spPr>
+          <a:xfrm>
+            <a:off x="9735207" y="4180580"/>
+            <a:ext cx="230013" cy="184659"/>
+          </a:xfrm>
+          <a:prstGeom prst="rect">
+            <a:avLst/>
+          </a:prstGeom>
+        </p:spPr>
+        <p:style>
+          <a:lnRef idx="2">
+            <a:schemeClr val="accent1">
+              <a:shade val="50000"/>
+            </a:schemeClr>
+          </a:lnRef>
+          <a:fillRef idx="1">
+            <a:schemeClr val="accent1"/>
+          </a:fillRef>
+          <a:effectRef idx="0">
+            <a:schemeClr val="accent1"/>
+          </a:effectRef>
+          <a:fontRef idx="minor">
+            <a:schemeClr val="lt1"/>
+          </a:fontRef>
+        </p:style>
+        <p:txBody>
+          <a:bodyPr rtlCol="0" anchor="ctr"/>
+          <a:lstStyle/>
+          <a:p>
+            <a:pPr algn="ctr"/>
+            <a:endParaRPr lang="fr-FR"/>
+          </a:p>
+        </p:txBody>
+      </p:sp>
+      <p:sp>
+        <p:nvSpPr>
+          <p:cNvPr id="24" name="Ellipse 23">
+            <a:extLst>
+              <a:ext uri="{FF2B5EF4-FFF2-40B4-BE49-F238E27FC236}">
+                <a16:creationId xmlns:a16="http://schemas.microsoft.com/office/drawing/2014/main" id="{A89335B6-8803-1F37-6F83-380ACE60C0B0}"/>
+              </a:ext>
+            </a:extLst>
+          </p:cNvPr>
+          <p:cNvSpPr/>
+          <p:nvPr/>
+        </p:nvSpPr>
+        <p:spPr>
+          <a:xfrm>
+            <a:off x="9395215" y="4675057"/>
+            <a:ext cx="172271" cy="184955"/>
+          </a:xfrm>
+          <a:prstGeom prst="ellipse">
+            <a:avLst/>
+          </a:prstGeom>
+        </p:spPr>
+        <p:style>
+          <a:lnRef idx="2">
+            <a:schemeClr val="accent1">
+              <a:shade val="50000"/>
+            </a:schemeClr>
+          </a:lnRef>
+          <a:fillRef idx="1">
+            <a:schemeClr val="accent1"/>
+          </a:fillRef>
+          <a:effectRef idx="0">
+            <a:schemeClr val="accent1"/>
+          </a:effectRef>
+          <a:fontRef idx="minor">
+            <a:schemeClr val="lt1"/>
+          </a:fontRef>
+        </p:style>
+        <p:txBody>
+          <a:bodyPr rtlCol="0" anchor="ctr"/>
+          <a:lstStyle/>
+          <a:p>
+            <a:pPr algn="ctr"/>
+            <a:endParaRPr lang="fr-FR"/>
+          </a:p>
+        </p:txBody>
+      </p:sp>
+      <p:sp>
+        <p:nvSpPr>
+          <p:cNvPr id="51" name="Rectangle 50">
+            <a:extLst>
+              <a:ext uri="{FF2B5EF4-FFF2-40B4-BE49-F238E27FC236}">
+                <a16:creationId xmlns:a16="http://schemas.microsoft.com/office/drawing/2014/main" id="{4B04D7B3-1FE7-D2D5-2CD2-3238241A9862}"/>
+              </a:ext>
+            </a:extLst>
+          </p:cNvPr>
+          <p:cNvSpPr/>
+          <p:nvPr/>
+        </p:nvSpPr>
+        <p:spPr>
+          <a:xfrm>
+            <a:off x="9409693" y="4158119"/>
+            <a:ext cx="165681" cy="229580"/>
+          </a:xfrm>
+          <a:prstGeom prst="rect">
+            <a:avLst/>
+          </a:prstGeom>
+          <a:solidFill>
+            <a:srgbClr val="FF0000"/>
+          </a:solidFill>
+          <a:ln>
+            <a:solidFill>
+              <a:srgbClr val="FF0000"/>
+            </a:solidFill>
+          </a:ln>
+        </p:spPr>
+        <p:style>
+          <a:lnRef idx="2">
+            <a:schemeClr val="accent1">
+              <a:shade val="50000"/>
+            </a:schemeClr>
+          </a:lnRef>
+          <a:fillRef idx="1">
+            <a:schemeClr val="accent1"/>
+          </a:fillRef>
+          <a:effectRef idx="0">
+            <a:schemeClr val="accent1"/>
+          </a:effectRef>
+          <a:fontRef idx="minor">
+            <a:schemeClr val="lt1"/>
+          </a:fontRef>
+        </p:style>
+        <p:txBody>
+          <a:bodyPr rtlCol="0" anchor="ctr"/>
+          <a:lstStyle/>
+          <a:p>
+            <a:pPr algn="ctr"/>
+            <a:endParaRPr lang="fr-FR"/>
+          </a:p>
+        </p:txBody>
+      </p:sp>
+      <p:sp>
+        <p:nvSpPr>
+          <p:cNvPr id="52" name="Ellipse 51">
+            <a:extLst>
+              <a:ext uri="{FF2B5EF4-FFF2-40B4-BE49-F238E27FC236}">
+                <a16:creationId xmlns:a16="http://schemas.microsoft.com/office/drawing/2014/main" id="{59283C81-2BDE-14B9-98E0-776ED9843CE6}"/>
+              </a:ext>
+            </a:extLst>
+          </p:cNvPr>
+          <p:cNvSpPr/>
+          <p:nvPr/>
+        </p:nvSpPr>
+        <p:spPr>
+          <a:xfrm>
+            <a:off x="9031819" y="3751186"/>
+            <a:ext cx="373669" cy="369317"/>
+          </a:xfrm>
+          <a:prstGeom prst="ellipse">
+            <a:avLst/>
+          </a:prstGeom>
+          <a:noFill/>
+          <a:ln>
+            <a:solidFill>
+              <a:srgbClr val="FF0000"/>
+            </a:solidFill>
+          </a:ln>
+        </p:spPr>
+        <p:style>
+          <a:lnRef idx="2">
+            <a:schemeClr val="accent1">
+              <a:shade val="50000"/>
+            </a:schemeClr>
+          </a:lnRef>
+          <a:fillRef idx="1">
+            <a:schemeClr val="accent1"/>
+          </a:fillRef>
+          <a:effectRef idx="0">
+            <a:schemeClr val="accent1"/>
+          </a:effectRef>
+          <a:fontRef idx="minor">
+            <a:schemeClr val="lt1"/>
+          </a:fontRef>
+        </p:style>
+        <p:txBody>
+          <a:bodyPr rtlCol="0" anchor="ctr"/>
+          <a:lstStyle/>
+          <a:p>
+            <a:pPr algn="ctr"/>
+            <a:r>
+              <a:rPr lang="fr-FR" dirty="0">
+                <a:solidFill>
+                  <a:schemeClr val="tx1"/>
+                </a:solidFill>
+              </a:rPr>
+              <a:t>4</a:t>
+            </a:r>
+          </a:p>
+        </p:txBody>
+      </p:sp>
+      <p:sp>
+        <p:nvSpPr>
+          <p:cNvPr id="54" name="Ellipse 53">
+            <a:extLst>
+              <a:ext uri="{FF2B5EF4-FFF2-40B4-BE49-F238E27FC236}">
+                <a16:creationId xmlns:a16="http://schemas.microsoft.com/office/drawing/2014/main" id="{2B8B9C36-DFDD-EAFF-0FE9-15409C9C2CE4}"/>
+              </a:ext>
+            </a:extLst>
+          </p:cNvPr>
+          <p:cNvSpPr/>
+          <p:nvPr/>
+        </p:nvSpPr>
+        <p:spPr>
+          <a:xfrm>
+            <a:off x="3034823" y="2815227"/>
+            <a:ext cx="373669" cy="369317"/>
+          </a:xfrm>
+          <a:prstGeom prst="ellipse">
+            <a:avLst/>
+          </a:prstGeom>
+          <a:noFill/>
+          <a:ln>
+            <a:solidFill>
+              <a:srgbClr val="FF0000"/>
+            </a:solidFill>
+          </a:ln>
+        </p:spPr>
+        <p:style>
+          <a:lnRef idx="2">
+            <a:schemeClr val="accent1">
+              <a:shade val="50000"/>
+            </a:schemeClr>
+          </a:lnRef>
+          <a:fillRef idx="1">
+            <a:schemeClr val="accent1"/>
+          </a:fillRef>
+          <a:effectRef idx="0">
+            <a:schemeClr val="accent1"/>
+          </a:effectRef>
+          <a:fontRef idx="minor">
+            <a:schemeClr val="lt1"/>
+          </a:fontRef>
+        </p:style>
+        <p:txBody>
+          <a:bodyPr rtlCol="0" anchor="ctr"/>
+          <a:lstStyle/>
+          <a:p>
+            <a:pPr algn="ctr"/>
+            <a:r>
+              <a:rPr lang="fr-FR" dirty="0">
+                <a:solidFill>
+                  <a:schemeClr val="tx1"/>
+                </a:solidFill>
+              </a:rPr>
+              <a:t>4</a:t>
+            </a:r>
+          </a:p>
+        </p:txBody>
+      </p:sp>
+      <p:sp>
+        <p:nvSpPr>
+          <p:cNvPr id="55" name="Rectangle : coins arrondis 54">
+            <a:extLst>
+              <a:ext uri="{FF2B5EF4-FFF2-40B4-BE49-F238E27FC236}">
+                <a16:creationId xmlns:a16="http://schemas.microsoft.com/office/drawing/2014/main" id="{5555A817-80AD-9107-D7B1-6366DF351FE8}"/>
+              </a:ext>
+            </a:extLst>
+          </p:cNvPr>
+          <p:cNvSpPr/>
+          <p:nvPr/>
+        </p:nvSpPr>
+        <p:spPr>
+          <a:xfrm>
+            <a:off x="8131860" y="3204474"/>
+            <a:ext cx="626442" cy="369309"/>
+          </a:xfrm>
+          <a:prstGeom prst="roundRect">
+            <a:avLst/>
+          </a:prstGeom>
+          <a:solidFill>
+            <a:srgbClr val="FF0000"/>
+          </a:solidFill>
+          <a:ln>
+            <a:solidFill>
+              <a:srgbClr val="FF0000"/>
+            </a:solidFill>
+          </a:ln>
+        </p:spPr>
+        <p:style>
+          <a:lnRef idx="2">
+            <a:schemeClr val="accent1">
+              <a:shade val="50000"/>
+            </a:schemeClr>
+          </a:lnRef>
+          <a:fillRef idx="1">
+            <a:schemeClr val="accent1"/>
+          </a:fillRef>
+          <a:effectRef idx="0">
+            <a:schemeClr val="accent1"/>
+          </a:effectRef>
+          <a:fontRef idx="minor">
+            <a:schemeClr val="lt1"/>
+          </a:fontRef>
+        </p:style>
+        <p:txBody>
+          <a:bodyPr rtlCol="0" anchor="ctr"/>
+          <a:lstStyle/>
+          <a:p>
+            <a:pPr algn="ctr"/>
+            <a:r>
+              <a:rPr lang="fr-FR" dirty="0">
+                <a:solidFill>
+                  <a:schemeClr val="tx1"/>
+                </a:solidFill>
+              </a:rPr>
+              <a:t>PC</a:t>
+            </a:r>
+          </a:p>
+        </p:txBody>
+      </p:sp>
+      <p:cxnSp>
+        <p:nvCxnSpPr>
+          <p:cNvPr id="64" name="Connecteur : en angle 63">
+            <a:extLst>
+              <a:ext uri="{FF2B5EF4-FFF2-40B4-BE49-F238E27FC236}">
+                <a16:creationId xmlns:a16="http://schemas.microsoft.com/office/drawing/2014/main" id="{26DC7D41-9B2F-A8BA-7DB2-9388726EA07E}"/>
+              </a:ext>
+            </a:extLst>
+          </p:cNvPr>
+          <p:cNvCxnSpPr>
+            <a:cxnSpLocks/>
+            <a:stCxn id="55" idx="2"/>
+          </p:cNvCxnSpPr>
+          <p:nvPr/>
+        </p:nvCxnSpPr>
+        <p:spPr>
+          <a:xfrm rot="16200000" flipH="1">
+            <a:off x="8554836" y="3464028"/>
+            <a:ext cx="651026" cy="870536"/>
+          </a:xfrm>
+          <a:prstGeom prst="bentConnector2">
+            <a:avLst/>
+          </a:prstGeom>
+          <a:ln>
+            <a:solidFill>
+              <a:srgbClr val="FF0000"/>
+            </a:solidFill>
+            <a:tailEnd type="triangle"/>
+          </a:ln>
+        </p:spPr>
+        <p:style>
+          <a:lnRef idx="1">
+            <a:schemeClr val="accent1"/>
+          </a:lnRef>
+          <a:fillRef idx="0">
+            <a:schemeClr val="accent1"/>
+          </a:fillRef>
+          <a:effectRef idx="0">
+            <a:schemeClr val="accent1"/>
+          </a:effectRef>
+          <a:fontRef idx="minor">
+            <a:schemeClr val="tx1"/>
+          </a:fontRef>
+        </p:style>
+      </p:cxnSp>
       <p:pic>
         <p:nvPicPr>
-          <p:cNvPr id="6" name="Image 5" descr="Une image contenant texte, arts de la table, vaisselle, assiette&#10;&#10;Description générée automatiquement">
-            <a:extLst>
-              <a:ext uri="{FF2B5EF4-FFF2-40B4-BE49-F238E27FC236}">
-                <a16:creationId xmlns:a16="http://schemas.microsoft.com/office/drawing/2014/main" id="{DC14DE64-AA93-296D-C620-974AD50ABDD8}"/>
+          <p:cNvPr id="26" name="Image 25" descr="Une image contenant texte, arts de la table, vaisselle, assiette&#10;&#10;Description générée automatiquement">
+            <a:extLst>
+              <a:ext uri="{FF2B5EF4-FFF2-40B4-BE49-F238E27FC236}">
+                <a16:creationId xmlns:a16="http://schemas.microsoft.com/office/drawing/2014/main" id="{0F677D94-3A3F-80AD-5D02-FC4F832E0677}"/>
               </a:ext>
             </a:extLst>
           </p:cNvPr>
@@ -3858,10 +5784,10 @@
       </p:pic>
       <p:pic>
         <p:nvPicPr>
-          <p:cNvPr id="7" name="Image 6" descr="@InnovationLab-EFREIParis">
-            <a:extLst>
-              <a:ext uri="{FF2B5EF4-FFF2-40B4-BE49-F238E27FC236}">
-                <a16:creationId xmlns:a16="http://schemas.microsoft.com/office/drawing/2014/main" id="{9C2FA5BF-7938-3584-8898-257DEF9DF0C7}"/>
+          <p:cNvPr id="29" name="Image 28" descr="@InnovationLab-EFREIParis">
+            <a:extLst>
+              <a:ext uri="{FF2B5EF4-FFF2-40B4-BE49-F238E27FC236}">
+                <a16:creationId xmlns:a16="http://schemas.microsoft.com/office/drawing/2014/main" id="{2FC255FD-C63A-619F-EA5A-9FAC72F02125}"/>
               </a:ext>
             </a:extLst>
           </p:cNvPr>
@@ -3900,7 +5826,286 @@
     </p:spTree>
     <p:extLst>
       <p:ext uri="{BB962C8B-B14F-4D97-AF65-F5344CB8AC3E}">
+        <p14:creationId xmlns:p14="http://schemas.microsoft.com/office/powerpoint/2010/main" val="2061091749"/>
+      </p:ext>
+    </p:extLst>
+  </p:cSld>
+  <p:clrMapOvr>
+    <a:masterClrMapping/>
+  </p:clrMapOvr>
+</p:sld>
+</file>
+
+<file path=ppt/slides/slide4.xml><?xml version="1.0" encoding="utf-8"?>
+<p:sld xmlns:a="http://schemas.openxmlformats.org/drawingml/2006/main" xmlns:r="http://schemas.openxmlformats.org/officeDocument/2006/relationships" xmlns:p="http://schemas.openxmlformats.org/presentationml/2006/main">
+  <p:cSld>
+    <p:spTree>
+      <p:nvGrpSpPr>
+        <p:cNvPr id="1" name=""/>
+        <p:cNvGrpSpPr/>
+        <p:nvPr/>
+      </p:nvGrpSpPr>
+      <p:grpSpPr>
+        <a:xfrm>
+          <a:off x="0" y="0"/>
+          <a:ext cx="0" cy="0"/>
+          <a:chOff x="0" y="0"/>
+          <a:chExt cx="0" cy="0"/>
+        </a:xfrm>
+      </p:grpSpPr>
+      <p:sp>
+        <p:nvSpPr>
+          <p:cNvPr id="4" name="Titre 1">
+            <a:extLst>
+              <a:ext uri="{FF2B5EF4-FFF2-40B4-BE49-F238E27FC236}">
+                <a16:creationId xmlns:a16="http://schemas.microsoft.com/office/drawing/2014/main" id="{6DFE0CDB-7664-6A30-6264-D5C0D7CDE59C}"/>
+              </a:ext>
+            </a:extLst>
+          </p:cNvPr>
+          <p:cNvSpPr>
+            <a:spLocks noGrp="1"/>
+          </p:cNvSpPr>
+          <p:nvPr>
+            <p:ph type="title"/>
+          </p:nvPr>
+        </p:nvSpPr>
+        <p:spPr>
+          <a:xfrm>
+            <a:off x="838200" y="917209"/>
+            <a:ext cx="10515600" cy="1325563"/>
+          </a:xfrm>
+        </p:spPr>
+        <p:txBody>
+          <a:bodyPr/>
+          <a:lstStyle/>
+          <a:p>
+            <a:r>
+              <a:rPr lang="fr-FR" dirty="0"/>
+              <a:t>L’Interface Homme Machine</a:t>
+            </a:r>
+          </a:p>
+        </p:txBody>
+      </p:sp>
+      <p:sp>
+        <p:nvSpPr>
+          <p:cNvPr id="5" name="Espace réservé du contenu 2">
+            <a:extLst>
+              <a:ext uri="{FF2B5EF4-FFF2-40B4-BE49-F238E27FC236}">
+                <a16:creationId xmlns:a16="http://schemas.microsoft.com/office/drawing/2014/main" id="{09739DA3-6DEF-CE14-5B30-7EFC01A0B6F1}"/>
+              </a:ext>
+            </a:extLst>
+          </p:cNvPr>
+          <p:cNvSpPr>
+            <a:spLocks noGrp="1"/>
+          </p:cNvSpPr>
+          <p:nvPr>
+            <p:ph idx="1"/>
+          </p:nvPr>
+        </p:nvSpPr>
+        <p:spPr>
+          <a:xfrm>
+            <a:off x="838200" y="2377709"/>
+            <a:ext cx="10515600" cy="4351338"/>
+          </a:xfrm>
+        </p:spPr>
+        <p:txBody>
+          <a:bodyPr/>
+          <a:lstStyle/>
+          <a:p>
+            <a:r>
+              <a:rPr lang="fr-FR" u="sng" dirty="0"/>
+              <a:t>Ma mission principale :</a:t>
+            </a:r>
+            <a:r>
+              <a:rPr lang="fr-FR" dirty="0"/>
+              <a:t> Développer une IHM pour faciliter la communication entre l’utilisateur et le dispositif.</a:t>
+            </a:r>
+          </a:p>
+          <a:p>
+            <a:pPr>
+              <a:buFont typeface="Wingdings" panose="05000000000000000000" pitchFamily="2" charset="2"/>
+              <a:buChar char="Ø"/>
+            </a:pPr>
+            <a:r>
+              <a:rPr lang="fr-FR" dirty="0"/>
+              <a:t>Proposer un renseignement de consigne manuel ou bien une suite de consignes (une séquence de vol) en mode asservi (ou non).</a:t>
+            </a:r>
+          </a:p>
+          <a:p>
+            <a:pPr>
+              <a:buFont typeface="Wingdings" panose="05000000000000000000" pitchFamily="2" charset="2"/>
+              <a:buChar char="Ø"/>
+            </a:pPr>
+            <a:r>
+              <a:rPr lang="fr-FR" dirty="0"/>
+              <a:t>Proposer une récupération des mesures effectuées et mettre à disposition </a:t>
+            </a:r>
+            <a:r>
+              <a:rPr lang="fr-FR"/>
+              <a:t>des graphiques.</a:t>
+            </a:r>
+            <a:endParaRPr lang="fr-FR" dirty="0"/>
+          </a:p>
+          <a:p>
+            <a:r>
+              <a:rPr lang="fr-FR" u="sng" dirty="0"/>
+              <a:t>Missions secondaires :</a:t>
+            </a:r>
+            <a:r>
+              <a:rPr lang="fr-FR" dirty="0"/>
+              <a:t> Apporter des modifications matérielles au dispositif.</a:t>
+            </a:r>
+            <a:endParaRPr lang="fr-FR" u="sng" dirty="0"/>
+          </a:p>
+        </p:txBody>
+      </p:sp>
+      <p:pic>
+        <p:nvPicPr>
+          <p:cNvPr id="6" name="Image 5" descr="Une image contenant texte, arts de la table, vaisselle, assiette&#10;&#10;Description générée automatiquement">
+            <a:extLst>
+              <a:ext uri="{FF2B5EF4-FFF2-40B4-BE49-F238E27FC236}">
+                <a16:creationId xmlns:a16="http://schemas.microsoft.com/office/drawing/2014/main" id="{DC14DE64-AA93-296D-C620-974AD50ABDD8}"/>
+              </a:ext>
+            </a:extLst>
+          </p:cNvPr>
+          <p:cNvPicPr>
+            <a:picLocks noChangeAspect="1"/>
+          </p:cNvPicPr>
+          <p:nvPr/>
+        </p:nvPicPr>
+        <p:blipFill>
+          <a:blip r:embed="rId2">
+            <a:extLst>
+              <a:ext uri="{28A0092B-C50C-407E-A947-70E740481C1C}">
+                <a14:useLocalDpi xmlns:a14="http://schemas.microsoft.com/office/drawing/2010/main" val="0"/>
+              </a:ext>
+            </a:extLst>
+          </a:blip>
+          <a:stretch>
+            <a:fillRect/>
+          </a:stretch>
+        </p:blipFill>
+        <p:spPr>
+          <a:xfrm>
+            <a:off x="162214" y="144551"/>
+            <a:ext cx="2095500" cy="695325"/>
+          </a:xfrm>
+          <a:prstGeom prst="rect">
+            <a:avLst/>
+          </a:prstGeom>
+        </p:spPr>
+      </p:pic>
+      <p:pic>
+        <p:nvPicPr>
+          <p:cNvPr id="7" name="Image 6" descr="@InnovationLab-EFREIParis">
+            <a:extLst>
+              <a:ext uri="{FF2B5EF4-FFF2-40B4-BE49-F238E27FC236}">
+                <a16:creationId xmlns:a16="http://schemas.microsoft.com/office/drawing/2014/main" id="{9C2FA5BF-7938-3584-8898-257DEF9DF0C7}"/>
+              </a:ext>
+            </a:extLst>
+          </p:cNvPr>
+          <p:cNvPicPr>
+            <a:picLocks noChangeAspect="1"/>
+          </p:cNvPicPr>
+          <p:nvPr/>
+        </p:nvPicPr>
+        <p:blipFill>
+          <a:blip r:embed="rId3">
+            <a:extLst>
+              <a:ext uri="{28A0092B-C50C-407E-A947-70E740481C1C}">
+                <a14:useLocalDpi xmlns:a14="http://schemas.microsoft.com/office/drawing/2010/main" val="0"/>
+              </a:ext>
+            </a:extLst>
+          </a:blip>
+          <a:srcRect/>
+          <a:stretch>
+            <a:fillRect/>
+          </a:stretch>
+        </p:blipFill>
+        <p:spPr bwMode="auto">
+          <a:xfrm>
+            <a:off x="10901500" y="13740"/>
+            <a:ext cx="956945" cy="956945"/>
+          </a:xfrm>
+          <a:prstGeom prst="rect">
+            <a:avLst/>
+          </a:prstGeom>
+          <a:noFill/>
+          <a:ln>
+            <a:noFill/>
+          </a:ln>
+        </p:spPr>
+      </p:pic>
+    </p:spTree>
+    <p:extLst>
+      <p:ext uri="{BB962C8B-B14F-4D97-AF65-F5344CB8AC3E}">
         <p14:creationId xmlns:p14="http://schemas.microsoft.com/office/powerpoint/2010/main" val="2900140812"/>
+      </p:ext>
+    </p:extLst>
+  </p:cSld>
+  <p:clrMapOvr>
+    <a:masterClrMapping/>
+  </p:clrMapOvr>
+</p:sld>
+</file>
+
+<file path=ppt/slides/slide5.xml><?xml version="1.0" encoding="utf-8"?>
+<p:sld xmlns:a="http://schemas.openxmlformats.org/drawingml/2006/main" xmlns:r="http://schemas.openxmlformats.org/officeDocument/2006/relationships" xmlns:p="http://schemas.openxmlformats.org/presentationml/2006/main">
+  <p:cSld>
+    <p:spTree>
+      <p:nvGrpSpPr>
+        <p:cNvPr id="1" name=""/>
+        <p:cNvGrpSpPr/>
+        <p:nvPr/>
+      </p:nvGrpSpPr>
+      <p:grpSpPr>
+        <a:xfrm>
+          <a:off x="0" y="0"/>
+          <a:ext cx="0" cy="0"/>
+          <a:chOff x="0" y="0"/>
+          <a:chExt cx="0" cy="0"/>
+        </a:xfrm>
+      </p:grpSpPr>
+      <p:pic>
+        <p:nvPicPr>
+          <p:cNvPr id="5" name="Image 4">
+            <a:extLst>
+              <a:ext uri="{FF2B5EF4-FFF2-40B4-BE49-F238E27FC236}">
+                <a16:creationId xmlns:a16="http://schemas.microsoft.com/office/drawing/2014/main" id="{BADEC615-BE84-8D71-F23F-30FC3A3691F5}"/>
+              </a:ext>
+            </a:extLst>
+          </p:cNvPr>
+          <p:cNvPicPr>
+            <a:picLocks noChangeAspect="1"/>
+          </p:cNvPicPr>
+          <p:nvPr/>
+        </p:nvPicPr>
+        <p:blipFill>
+          <a:blip r:embed="rId2">
+            <a:extLst>
+              <a:ext uri="{28A0092B-C50C-407E-A947-70E740481C1C}">
+                <a14:useLocalDpi xmlns:a14="http://schemas.microsoft.com/office/drawing/2010/main" val="0"/>
+              </a:ext>
+            </a:extLst>
+          </a:blip>
+          <a:stretch>
+            <a:fillRect/>
+          </a:stretch>
+        </p:blipFill>
+        <p:spPr>
+          <a:xfrm>
+            <a:off x="2546007" y="0"/>
+            <a:ext cx="7099985" cy="6858000"/>
+          </a:xfrm>
+          <a:prstGeom prst="rect">
+            <a:avLst/>
+          </a:prstGeom>
+        </p:spPr>
+      </p:pic>
+    </p:spTree>
+    <p:extLst>
+      <p:ext uri="{BB962C8B-B14F-4D97-AF65-F5344CB8AC3E}">
+        <p14:creationId xmlns:p14="http://schemas.microsoft.com/office/powerpoint/2010/main" val="1830679700"/>
       </p:ext>
     </p:extLst>
   </p:cSld>

--- a/01_doc/Presentations/Dossier 2022-2023 Julien/Présentation 10_03_23.pptx
+++ b/01_doc/Presentations/Dossier 2022-2023 Julien/Présentation 10_03_23.pptx
@@ -7,7 +7,7 @@
   <p:sldIdLst>
     <p:sldId id="256" r:id="rId2"/>
     <p:sldId id="257" r:id="rId3"/>
-    <p:sldId id="260" r:id="rId4"/>
+    <p:sldId id="262" r:id="rId4"/>
     <p:sldId id="258" r:id="rId5"/>
     <p:sldId id="261" r:id="rId6"/>
   </p:sldIdLst>
@@ -263,7 +263,7 @@
           <a:p>
             <a:fld id="{53D6A468-ED4D-45F2-857C-257AE920FA62}" type="datetimeFigureOut">
               <a:rPr lang="fr-FR" smtClean="0"/>
-              <a:t>06/03/2023</a:t>
+              <a:t>10/03/2023</a:t>
             </a:fld>
             <a:endParaRPr lang="fr-FR"/>
           </a:p>
@@ -461,7 +461,7 @@
           <a:p>
             <a:fld id="{53D6A468-ED4D-45F2-857C-257AE920FA62}" type="datetimeFigureOut">
               <a:rPr lang="fr-FR" smtClean="0"/>
-              <a:t>06/03/2023</a:t>
+              <a:t>10/03/2023</a:t>
             </a:fld>
             <a:endParaRPr lang="fr-FR"/>
           </a:p>
@@ -669,7 +669,7 @@
           <a:p>
             <a:fld id="{53D6A468-ED4D-45F2-857C-257AE920FA62}" type="datetimeFigureOut">
               <a:rPr lang="fr-FR" smtClean="0"/>
-              <a:t>06/03/2023</a:t>
+              <a:t>10/03/2023</a:t>
             </a:fld>
             <a:endParaRPr lang="fr-FR"/>
           </a:p>
@@ -867,7 +867,7 @@
           <a:p>
             <a:fld id="{53D6A468-ED4D-45F2-857C-257AE920FA62}" type="datetimeFigureOut">
               <a:rPr lang="fr-FR" smtClean="0"/>
-              <a:t>06/03/2023</a:t>
+              <a:t>10/03/2023</a:t>
             </a:fld>
             <a:endParaRPr lang="fr-FR"/>
           </a:p>
@@ -1142,7 +1142,7 @@
           <a:p>
             <a:fld id="{53D6A468-ED4D-45F2-857C-257AE920FA62}" type="datetimeFigureOut">
               <a:rPr lang="fr-FR" smtClean="0"/>
-              <a:t>06/03/2023</a:t>
+              <a:t>10/03/2023</a:t>
             </a:fld>
             <a:endParaRPr lang="fr-FR"/>
           </a:p>
@@ -1407,7 +1407,7 @@
           <a:p>
             <a:fld id="{53D6A468-ED4D-45F2-857C-257AE920FA62}" type="datetimeFigureOut">
               <a:rPr lang="fr-FR" smtClean="0"/>
-              <a:t>06/03/2023</a:t>
+              <a:t>10/03/2023</a:t>
             </a:fld>
             <a:endParaRPr lang="fr-FR"/>
           </a:p>
@@ -1819,7 +1819,7 @@
           <a:p>
             <a:fld id="{53D6A468-ED4D-45F2-857C-257AE920FA62}" type="datetimeFigureOut">
               <a:rPr lang="fr-FR" smtClean="0"/>
-              <a:t>06/03/2023</a:t>
+              <a:t>10/03/2023</a:t>
             </a:fld>
             <a:endParaRPr lang="fr-FR"/>
           </a:p>
@@ -1960,7 +1960,7 @@
           <a:p>
             <a:fld id="{53D6A468-ED4D-45F2-857C-257AE920FA62}" type="datetimeFigureOut">
               <a:rPr lang="fr-FR" smtClean="0"/>
-              <a:t>06/03/2023</a:t>
+              <a:t>10/03/2023</a:t>
             </a:fld>
             <a:endParaRPr lang="fr-FR"/>
           </a:p>
@@ -2073,7 +2073,7 @@
           <a:p>
             <a:fld id="{53D6A468-ED4D-45F2-857C-257AE920FA62}" type="datetimeFigureOut">
               <a:rPr lang="fr-FR" smtClean="0"/>
-              <a:t>06/03/2023</a:t>
+              <a:t>10/03/2023</a:t>
             </a:fld>
             <a:endParaRPr lang="fr-FR"/>
           </a:p>
@@ -2384,7 +2384,7 @@
           <a:p>
             <a:fld id="{53D6A468-ED4D-45F2-857C-257AE920FA62}" type="datetimeFigureOut">
               <a:rPr lang="fr-FR" smtClean="0"/>
-              <a:t>06/03/2023</a:t>
+              <a:t>10/03/2023</a:t>
             </a:fld>
             <a:endParaRPr lang="fr-FR"/>
           </a:p>
@@ -2672,7 +2672,7 @@
           <a:p>
             <a:fld id="{53D6A468-ED4D-45F2-857C-257AE920FA62}" type="datetimeFigureOut">
               <a:rPr lang="fr-FR" smtClean="0"/>
-              <a:t>06/03/2023</a:t>
+              <a:t>10/03/2023</a:t>
             </a:fld>
             <a:endParaRPr lang="fr-FR"/>
           </a:p>
@@ -2913,7 +2913,7 @@
           <a:p>
             <a:fld id="{53D6A468-ED4D-45F2-857C-257AE920FA62}" type="datetimeFigureOut">
               <a:rPr lang="fr-FR" smtClean="0"/>
-              <a:t>06/03/2023</a:t>
+              <a:t>10/03/2023</a:t>
             </a:fld>
             <a:endParaRPr lang="fr-FR"/>
           </a:p>
@@ -3701,6 +3701,219 @@
   <p:clrMapOvr>
     <a:masterClrMapping/>
   </p:clrMapOvr>
+  <p:timing>
+    <p:tnLst>
+      <p:par>
+        <p:cTn id="1" dur="indefinite" restart="never" nodeType="tmRoot">
+          <p:childTnLst>
+            <p:seq concurrent="1" nextAc="seek">
+              <p:cTn id="2" dur="indefinite" nodeType="mainSeq">
+                <p:childTnLst>
+                  <p:par>
+                    <p:cTn id="3" fill="hold">
+                      <p:stCondLst>
+                        <p:cond delay="indefinite"/>
+                      </p:stCondLst>
+                      <p:childTnLst>
+                        <p:par>
+                          <p:cTn id="4" fill="hold">
+                            <p:stCondLst>
+                              <p:cond delay="0"/>
+                            </p:stCondLst>
+                            <p:childTnLst>
+                              <p:par>
+                                <p:cTn id="5" presetID="22" presetClass="entr" presetSubtype="1" fill="hold" nodeType="clickEffect">
+                                  <p:stCondLst>
+                                    <p:cond delay="0"/>
+                                  </p:stCondLst>
+                                  <p:childTnLst>
+                                    <p:set>
+                                      <p:cBhvr>
+                                        <p:cTn id="6" dur="1" fill="hold">
+                                          <p:stCondLst>
+                                            <p:cond delay="0"/>
+                                          </p:stCondLst>
+                                        </p:cTn>
+                                        <p:tgtEl>
+                                          <p:spTgt spid="3">
+                                            <p:txEl>
+                                              <p:pRg st="0" end="0"/>
+                                            </p:txEl>
+                                          </p:spTgt>
+                                        </p:tgtEl>
+                                        <p:attrNameLst>
+                                          <p:attrName>style.visibility</p:attrName>
+                                        </p:attrNameLst>
+                                      </p:cBhvr>
+                                      <p:to>
+                                        <p:strVal val="visible"/>
+                                      </p:to>
+                                    </p:set>
+                                    <p:animEffect transition="in" filter="wipe(up)">
+                                      <p:cBhvr>
+                                        <p:cTn id="7" dur="500"/>
+                                        <p:tgtEl>
+                                          <p:spTgt spid="3">
+                                            <p:txEl>
+                                              <p:pRg st="0" end="0"/>
+                                            </p:txEl>
+                                          </p:spTgt>
+                                        </p:tgtEl>
+                                      </p:cBhvr>
+                                    </p:animEffect>
+                                  </p:childTnLst>
+                                </p:cTn>
+                              </p:par>
+                            </p:childTnLst>
+                          </p:cTn>
+                        </p:par>
+                      </p:childTnLst>
+                    </p:cTn>
+                  </p:par>
+                  <p:par>
+                    <p:cTn id="8" fill="hold">
+                      <p:stCondLst>
+                        <p:cond delay="indefinite"/>
+                      </p:stCondLst>
+                      <p:childTnLst>
+                        <p:par>
+                          <p:cTn id="9" fill="hold">
+                            <p:stCondLst>
+                              <p:cond delay="0"/>
+                            </p:stCondLst>
+                            <p:childTnLst>
+                              <p:par>
+                                <p:cTn id="10" presetID="22" presetClass="entr" presetSubtype="1" fill="hold" nodeType="clickEffect">
+                                  <p:stCondLst>
+                                    <p:cond delay="0"/>
+                                  </p:stCondLst>
+                                  <p:childTnLst>
+                                    <p:set>
+                                      <p:cBhvr>
+                                        <p:cTn id="11" dur="1" fill="hold">
+                                          <p:stCondLst>
+                                            <p:cond delay="0"/>
+                                          </p:stCondLst>
+                                        </p:cTn>
+                                        <p:tgtEl>
+                                          <p:spTgt spid="3">
+                                            <p:txEl>
+                                              <p:pRg st="1" end="1"/>
+                                            </p:txEl>
+                                          </p:spTgt>
+                                        </p:tgtEl>
+                                        <p:attrNameLst>
+                                          <p:attrName>style.visibility</p:attrName>
+                                        </p:attrNameLst>
+                                      </p:cBhvr>
+                                      <p:to>
+                                        <p:strVal val="visible"/>
+                                      </p:to>
+                                    </p:set>
+                                    <p:animEffect transition="in" filter="wipe(up)">
+                                      <p:cBhvr>
+                                        <p:cTn id="12" dur="500"/>
+                                        <p:tgtEl>
+                                          <p:spTgt spid="3">
+                                            <p:txEl>
+                                              <p:pRg st="1" end="1"/>
+                                            </p:txEl>
+                                          </p:spTgt>
+                                        </p:tgtEl>
+                                      </p:cBhvr>
+                                    </p:animEffect>
+                                  </p:childTnLst>
+                                </p:cTn>
+                              </p:par>
+                            </p:childTnLst>
+                          </p:cTn>
+                        </p:par>
+                      </p:childTnLst>
+                    </p:cTn>
+                  </p:par>
+                  <p:par>
+                    <p:cTn id="13" fill="hold">
+                      <p:stCondLst>
+                        <p:cond delay="indefinite"/>
+                      </p:stCondLst>
+                      <p:childTnLst>
+                        <p:par>
+                          <p:cTn id="14" fill="hold">
+                            <p:stCondLst>
+                              <p:cond delay="0"/>
+                            </p:stCondLst>
+                            <p:childTnLst>
+                              <p:par>
+                                <p:cTn id="15" presetID="22" presetClass="entr" presetSubtype="1" fill="hold" nodeType="clickEffect">
+                                  <p:stCondLst>
+                                    <p:cond delay="0"/>
+                                  </p:stCondLst>
+                                  <p:childTnLst>
+                                    <p:set>
+                                      <p:cBhvr>
+                                        <p:cTn id="16" dur="1" fill="hold">
+                                          <p:stCondLst>
+                                            <p:cond delay="0"/>
+                                          </p:stCondLst>
+                                        </p:cTn>
+                                        <p:tgtEl>
+                                          <p:spTgt spid="3">
+                                            <p:txEl>
+                                              <p:pRg st="2" end="2"/>
+                                            </p:txEl>
+                                          </p:spTgt>
+                                        </p:tgtEl>
+                                        <p:attrNameLst>
+                                          <p:attrName>style.visibility</p:attrName>
+                                        </p:attrNameLst>
+                                      </p:cBhvr>
+                                      <p:to>
+                                        <p:strVal val="visible"/>
+                                      </p:to>
+                                    </p:set>
+                                    <p:animEffect transition="in" filter="wipe(up)">
+                                      <p:cBhvr>
+                                        <p:cTn id="17" dur="500"/>
+                                        <p:tgtEl>
+                                          <p:spTgt spid="3">
+                                            <p:txEl>
+                                              <p:pRg st="2" end="2"/>
+                                            </p:txEl>
+                                          </p:spTgt>
+                                        </p:tgtEl>
+                                      </p:cBhvr>
+                                    </p:animEffect>
+                                  </p:childTnLst>
+                                </p:cTn>
+                              </p:par>
+                            </p:childTnLst>
+                          </p:cTn>
+                        </p:par>
+                      </p:childTnLst>
+                    </p:cTn>
+                  </p:par>
+                </p:childTnLst>
+              </p:cTn>
+              <p:prevCondLst>
+                <p:cond evt="onPrev" delay="0">
+                  <p:tgtEl>
+                    <p:sldTgt/>
+                  </p:tgtEl>
+                </p:cond>
+              </p:prevCondLst>
+              <p:nextCondLst>
+                <p:cond evt="onNext" delay="0">
+                  <p:tgtEl>
+                    <p:sldTgt/>
+                  </p:tgtEl>
+                </p:cond>
+              </p:nextCondLst>
+            </p:seq>
+          </p:childTnLst>
+        </p:cTn>
+      </p:par>
+    </p:tnLst>
+  </p:timing>
 </p:sld>
 </file>
 
@@ -4698,26 +4911,631 @@
           </a:p>
         </p:txBody>
       </p:sp>
+      <p:sp>
+        <p:nvSpPr>
+          <p:cNvPr id="12" name="Ellipse 11">
+            <a:extLst>
+              <a:ext uri="{FF2B5EF4-FFF2-40B4-BE49-F238E27FC236}">
+                <a16:creationId xmlns:a16="http://schemas.microsoft.com/office/drawing/2014/main" id="{62415688-6DD2-657D-42CE-E5EFDCCEACC3}"/>
+              </a:ext>
+            </a:extLst>
+          </p:cNvPr>
+          <p:cNvSpPr/>
+          <p:nvPr/>
+        </p:nvSpPr>
+        <p:spPr>
+          <a:xfrm>
+            <a:off x="6928980" y="2412994"/>
+            <a:ext cx="373669" cy="369317"/>
+          </a:xfrm>
+          <a:prstGeom prst="ellipse">
+            <a:avLst/>
+          </a:prstGeom>
+          <a:noFill/>
+        </p:spPr>
+        <p:style>
+          <a:lnRef idx="2">
+            <a:schemeClr val="accent1">
+              <a:shade val="50000"/>
+            </a:schemeClr>
+          </a:lnRef>
+          <a:fillRef idx="1">
+            <a:schemeClr val="accent1"/>
+          </a:fillRef>
+          <a:effectRef idx="0">
+            <a:schemeClr val="accent1"/>
+          </a:effectRef>
+          <a:fontRef idx="minor">
+            <a:schemeClr val="lt1"/>
+          </a:fontRef>
+        </p:style>
+        <p:txBody>
+          <a:bodyPr rtlCol="0" anchor="ctr"/>
+          <a:lstStyle/>
+          <a:p>
+            <a:pPr algn="ctr"/>
+            <a:r>
+              <a:rPr lang="fr-FR" dirty="0">
+                <a:solidFill>
+                  <a:schemeClr val="tx1"/>
+                </a:solidFill>
+              </a:rPr>
+              <a:t>1</a:t>
+            </a:r>
+          </a:p>
+        </p:txBody>
+      </p:sp>
+      <p:sp>
+        <p:nvSpPr>
+          <p:cNvPr id="13" name="Ellipse 12">
+            <a:extLst>
+              <a:ext uri="{FF2B5EF4-FFF2-40B4-BE49-F238E27FC236}">
+                <a16:creationId xmlns:a16="http://schemas.microsoft.com/office/drawing/2014/main" id="{0EA92074-7182-D08D-7090-473050E4AC3D}"/>
+              </a:ext>
+            </a:extLst>
+          </p:cNvPr>
+          <p:cNvSpPr/>
+          <p:nvPr/>
+        </p:nvSpPr>
+        <p:spPr>
+          <a:xfrm>
+            <a:off x="6928980" y="3811263"/>
+            <a:ext cx="373669" cy="369317"/>
+          </a:xfrm>
+          <a:prstGeom prst="ellipse">
+            <a:avLst/>
+          </a:prstGeom>
+          <a:noFill/>
+        </p:spPr>
+        <p:style>
+          <a:lnRef idx="2">
+            <a:schemeClr val="accent1">
+              <a:shade val="50000"/>
+            </a:schemeClr>
+          </a:lnRef>
+          <a:fillRef idx="1">
+            <a:schemeClr val="accent1"/>
+          </a:fillRef>
+          <a:effectRef idx="0">
+            <a:schemeClr val="accent1"/>
+          </a:effectRef>
+          <a:fontRef idx="minor">
+            <a:schemeClr val="lt1"/>
+          </a:fontRef>
+        </p:style>
+        <p:txBody>
+          <a:bodyPr rtlCol="0" anchor="ctr"/>
+          <a:lstStyle/>
+          <a:p>
+            <a:pPr algn="ctr"/>
+            <a:r>
+              <a:rPr lang="fr-FR" dirty="0">
+                <a:solidFill>
+                  <a:schemeClr val="tx1"/>
+                </a:solidFill>
+              </a:rPr>
+              <a:t>2</a:t>
+            </a:r>
+          </a:p>
+        </p:txBody>
+      </p:sp>
+      <p:sp>
+        <p:nvSpPr>
+          <p:cNvPr id="17" name="Ellipse 16">
+            <a:extLst>
+              <a:ext uri="{FF2B5EF4-FFF2-40B4-BE49-F238E27FC236}">
+                <a16:creationId xmlns:a16="http://schemas.microsoft.com/office/drawing/2014/main" id="{D7A73389-6B45-60BD-9634-60945AD5611D}"/>
+              </a:ext>
+            </a:extLst>
+          </p:cNvPr>
+          <p:cNvSpPr/>
+          <p:nvPr/>
+        </p:nvSpPr>
+        <p:spPr>
+          <a:xfrm>
+            <a:off x="6928980" y="5066058"/>
+            <a:ext cx="373669" cy="369317"/>
+          </a:xfrm>
+          <a:prstGeom prst="ellipse">
+            <a:avLst/>
+          </a:prstGeom>
+          <a:noFill/>
+        </p:spPr>
+        <p:style>
+          <a:lnRef idx="2">
+            <a:schemeClr val="accent1">
+              <a:shade val="50000"/>
+            </a:schemeClr>
+          </a:lnRef>
+          <a:fillRef idx="1">
+            <a:schemeClr val="accent1"/>
+          </a:fillRef>
+          <a:effectRef idx="0">
+            <a:schemeClr val="accent1"/>
+          </a:effectRef>
+          <a:fontRef idx="minor">
+            <a:schemeClr val="lt1"/>
+          </a:fontRef>
+        </p:style>
+        <p:txBody>
+          <a:bodyPr rtlCol="0" anchor="ctr"/>
+          <a:lstStyle/>
+          <a:p>
+            <a:pPr algn="ctr"/>
+            <a:r>
+              <a:rPr lang="fr-FR" dirty="0">
+                <a:solidFill>
+                  <a:schemeClr val="tx1"/>
+                </a:solidFill>
+              </a:rPr>
+              <a:t>3</a:t>
+            </a:r>
+          </a:p>
+        </p:txBody>
+      </p:sp>
+      <p:sp>
+        <p:nvSpPr>
+          <p:cNvPr id="54" name="Ellipse 53">
+            <a:extLst>
+              <a:ext uri="{FF2B5EF4-FFF2-40B4-BE49-F238E27FC236}">
+                <a16:creationId xmlns:a16="http://schemas.microsoft.com/office/drawing/2014/main" id="{2B8B9C36-DFDD-EAFF-0FE9-15409C9C2CE4}"/>
+              </a:ext>
+            </a:extLst>
+          </p:cNvPr>
+          <p:cNvSpPr/>
+          <p:nvPr/>
+        </p:nvSpPr>
+        <p:spPr>
+          <a:xfrm>
+            <a:off x="3034823" y="2815227"/>
+            <a:ext cx="373669" cy="369317"/>
+          </a:xfrm>
+          <a:prstGeom prst="ellipse">
+            <a:avLst/>
+          </a:prstGeom>
+          <a:noFill/>
+          <a:ln>
+            <a:solidFill>
+              <a:srgbClr val="FF0000"/>
+            </a:solidFill>
+          </a:ln>
+        </p:spPr>
+        <p:style>
+          <a:lnRef idx="2">
+            <a:schemeClr val="accent1">
+              <a:shade val="50000"/>
+            </a:schemeClr>
+          </a:lnRef>
+          <a:fillRef idx="1">
+            <a:schemeClr val="accent1"/>
+          </a:fillRef>
+          <a:effectRef idx="0">
+            <a:schemeClr val="accent1"/>
+          </a:effectRef>
+          <a:fontRef idx="minor">
+            <a:schemeClr val="lt1"/>
+          </a:fontRef>
+        </p:style>
+        <p:txBody>
+          <a:bodyPr rtlCol="0" anchor="ctr"/>
+          <a:lstStyle/>
+          <a:p>
+            <a:pPr algn="ctr"/>
+            <a:r>
+              <a:rPr lang="fr-FR" dirty="0">
+                <a:solidFill>
+                  <a:schemeClr val="tx1"/>
+                </a:solidFill>
+              </a:rPr>
+              <a:t>5</a:t>
+            </a:r>
+          </a:p>
+        </p:txBody>
+      </p:sp>
+      <p:pic>
+        <p:nvPicPr>
+          <p:cNvPr id="26" name="Image 25" descr="Une image contenant texte, arts de la table, vaisselle, assiette&#10;&#10;Description générée automatiquement">
+            <a:extLst>
+              <a:ext uri="{FF2B5EF4-FFF2-40B4-BE49-F238E27FC236}">
+                <a16:creationId xmlns:a16="http://schemas.microsoft.com/office/drawing/2014/main" id="{0F677D94-3A3F-80AD-5D02-FC4F832E0677}"/>
+              </a:ext>
+            </a:extLst>
+          </p:cNvPr>
+          <p:cNvPicPr>
+            <a:picLocks noChangeAspect="1"/>
+          </p:cNvPicPr>
+          <p:nvPr/>
+        </p:nvPicPr>
+        <p:blipFill>
+          <a:blip r:embed="rId2">
+            <a:extLst>
+              <a:ext uri="{28A0092B-C50C-407E-A947-70E740481C1C}">
+                <a14:useLocalDpi xmlns:a14="http://schemas.microsoft.com/office/drawing/2010/main" val="0"/>
+              </a:ext>
+            </a:extLst>
+          </a:blip>
+          <a:stretch>
+            <a:fillRect/>
+          </a:stretch>
+        </p:blipFill>
+        <p:spPr>
+          <a:xfrm>
+            <a:off x="162214" y="144551"/>
+            <a:ext cx="2095500" cy="695325"/>
+          </a:xfrm>
+          <a:prstGeom prst="rect">
+            <a:avLst/>
+          </a:prstGeom>
+        </p:spPr>
+      </p:pic>
+      <p:pic>
+        <p:nvPicPr>
+          <p:cNvPr id="29" name="Image 28" descr="@InnovationLab-EFREIParis">
+            <a:extLst>
+              <a:ext uri="{FF2B5EF4-FFF2-40B4-BE49-F238E27FC236}">
+                <a16:creationId xmlns:a16="http://schemas.microsoft.com/office/drawing/2014/main" id="{2FC255FD-C63A-619F-EA5A-9FAC72F02125}"/>
+              </a:ext>
+            </a:extLst>
+          </p:cNvPr>
+          <p:cNvPicPr>
+            <a:picLocks noChangeAspect="1"/>
+          </p:cNvPicPr>
+          <p:nvPr/>
+        </p:nvPicPr>
+        <p:blipFill>
+          <a:blip r:embed="rId3">
+            <a:extLst>
+              <a:ext uri="{28A0092B-C50C-407E-A947-70E740481C1C}">
+                <a14:useLocalDpi xmlns:a14="http://schemas.microsoft.com/office/drawing/2010/main" val="0"/>
+              </a:ext>
+            </a:extLst>
+          </a:blip>
+          <a:srcRect/>
+          <a:stretch>
+            <a:fillRect/>
+          </a:stretch>
+        </p:blipFill>
+        <p:spPr bwMode="auto">
+          <a:xfrm>
+            <a:off x="10901500" y="13740"/>
+            <a:ext cx="956945" cy="956945"/>
+          </a:xfrm>
+          <a:prstGeom prst="rect">
+            <a:avLst/>
+          </a:prstGeom>
+          <a:noFill/>
+          <a:ln>
+            <a:noFill/>
+          </a:ln>
+        </p:spPr>
+      </p:pic>
+      <p:pic>
+        <p:nvPicPr>
+          <p:cNvPr id="32" name="Image 31">
+            <a:extLst>
+              <a:ext uri="{FF2B5EF4-FFF2-40B4-BE49-F238E27FC236}">
+                <a16:creationId xmlns:a16="http://schemas.microsoft.com/office/drawing/2014/main" id="{CDBEA4F8-A3DB-628A-B749-2F5565AB4A9F}"/>
+              </a:ext>
+            </a:extLst>
+          </p:cNvPr>
+          <p:cNvPicPr>
+            <a:picLocks noChangeAspect="1"/>
+          </p:cNvPicPr>
+          <p:nvPr/>
+        </p:nvPicPr>
+        <p:blipFill>
+          <a:blip r:embed="rId4">
+            <a:extLst>
+              <a:ext uri="{28A0092B-C50C-407E-A947-70E740481C1C}">
+                <a14:useLocalDpi xmlns:a14="http://schemas.microsoft.com/office/drawing/2010/main" val="0"/>
+              </a:ext>
+            </a:extLst>
+          </a:blip>
+          <a:stretch>
+            <a:fillRect/>
+          </a:stretch>
+        </p:blipFill>
+        <p:spPr>
+          <a:xfrm>
+            <a:off x="7527816" y="1062684"/>
+            <a:ext cx="4456283" cy="5342081"/>
+          </a:xfrm>
+          <a:prstGeom prst="rect">
+            <a:avLst/>
+          </a:prstGeom>
+          <a:ln w="28575">
+            <a:solidFill>
+              <a:schemeClr val="tx1"/>
+            </a:solidFill>
+          </a:ln>
+        </p:spPr>
+      </p:pic>
+      <p:sp>
+        <p:nvSpPr>
+          <p:cNvPr id="35" name="Ellipse 34">
+            <a:extLst>
+              <a:ext uri="{FF2B5EF4-FFF2-40B4-BE49-F238E27FC236}">
+                <a16:creationId xmlns:a16="http://schemas.microsoft.com/office/drawing/2014/main" id="{FCF6DA22-8259-39AF-AC64-9C19D970A5E2}"/>
+              </a:ext>
+            </a:extLst>
+          </p:cNvPr>
+          <p:cNvSpPr/>
+          <p:nvPr/>
+        </p:nvSpPr>
+        <p:spPr>
+          <a:xfrm>
+            <a:off x="9817454" y="2815162"/>
+            <a:ext cx="488719" cy="445106"/>
+          </a:xfrm>
+          <a:prstGeom prst="ellipse">
+            <a:avLst/>
+          </a:prstGeom>
+          <a:noFill/>
+          <a:ln w="28575">
+            <a:solidFill>
+              <a:srgbClr val="FF0000"/>
+            </a:solidFill>
+          </a:ln>
+        </p:spPr>
+        <p:style>
+          <a:lnRef idx="2">
+            <a:schemeClr val="accent1">
+              <a:shade val="50000"/>
+            </a:schemeClr>
+          </a:lnRef>
+          <a:fillRef idx="1">
+            <a:schemeClr val="accent1"/>
+          </a:fillRef>
+          <a:effectRef idx="0">
+            <a:schemeClr val="accent1"/>
+          </a:effectRef>
+          <a:fontRef idx="minor">
+            <a:schemeClr val="lt1"/>
+          </a:fontRef>
+        </p:style>
+        <p:txBody>
+          <a:bodyPr rtlCol="0" anchor="ctr"/>
+          <a:lstStyle/>
+          <a:p>
+            <a:pPr algn="ctr"/>
+            <a:endParaRPr lang="fr-FR" dirty="0">
+              <a:solidFill>
+                <a:schemeClr val="tx1"/>
+              </a:solidFill>
+            </a:endParaRPr>
+          </a:p>
+        </p:txBody>
+      </p:sp>
+      <p:sp>
+        <p:nvSpPr>
+          <p:cNvPr id="36" name="ZoneTexte 35">
+            <a:extLst>
+              <a:ext uri="{FF2B5EF4-FFF2-40B4-BE49-F238E27FC236}">
+                <a16:creationId xmlns:a16="http://schemas.microsoft.com/office/drawing/2014/main" id="{3F974702-361D-5715-0C8F-BA2A3A4EFC0C}"/>
+              </a:ext>
+            </a:extLst>
+          </p:cNvPr>
+          <p:cNvSpPr txBox="1"/>
+          <p:nvPr/>
+        </p:nvSpPr>
+        <p:spPr>
+          <a:xfrm>
+            <a:off x="8676723" y="2195427"/>
+            <a:ext cx="324464" cy="369332"/>
+          </a:xfrm>
+          <a:prstGeom prst="rect">
+            <a:avLst/>
+          </a:prstGeom>
+          <a:noFill/>
+        </p:spPr>
+        <p:txBody>
+          <a:bodyPr wrap="square" rtlCol="0">
+            <a:spAutoFit/>
+          </a:bodyPr>
+          <a:lstStyle/>
+          <a:p>
+            <a:r>
+              <a:rPr lang="fr-FR" b="1" dirty="0"/>
+              <a:t>5</a:t>
+            </a:r>
+          </a:p>
+        </p:txBody>
+      </p:sp>
+      <p:sp>
+        <p:nvSpPr>
+          <p:cNvPr id="37" name="Ellipse 36">
+            <a:extLst>
+              <a:ext uri="{FF2B5EF4-FFF2-40B4-BE49-F238E27FC236}">
+                <a16:creationId xmlns:a16="http://schemas.microsoft.com/office/drawing/2014/main" id="{5D9B4EEA-195B-4BE7-F732-D397F39CBC41}"/>
+              </a:ext>
+            </a:extLst>
+          </p:cNvPr>
+          <p:cNvSpPr/>
+          <p:nvPr/>
+        </p:nvSpPr>
+        <p:spPr>
+          <a:xfrm>
+            <a:off x="10094006" y="4813267"/>
+            <a:ext cx="684115" cy="622108"/>
+          </a:xfrm>
+          <a:prstGeom prst="ellipse">
+            <a:avLst/>
+          </a:prstGeom>
+          <a:noFill/>
+          <a:ln w="28575"/>
+        </p:spPr>
+        <p:style>
+          <a:lnRef idx="2">
+            <a:schemeClr val="accent1">
+              <a:shade val="50000"/>
+            </a:schemeClr>
+          </a:lnRef>
+          <a:fillRef idx="1">
+            <a:schemeClr val="accent1"/>
+          </a:fillRef>
+          <a:effectRef idx="0">
+            <a:schemeClr val="accent1"/>
+          </a:effectRef>
+          <a:fontRef idx="minor">
+            <a:schemeClr val="lt1"/>
+          </a:fontRef>
+        </p:style>
+        <p:txBody>
+          <a:bodyPr rtlCol="0" anchor="ctr"/>
+          <a:lstStyle/>
+          <a:p>
+            <a:pPr algn="ctr"/>
+            <a:r>
+              <a:rPr lang="fr-FR">
+                <a:solidFill>
+                  <a:schemeClr val="tx1"/>
+                </a:solidFill>
+              </a:rPr>
+              <a:t>v</a:t>
+            </a:r>
+            <a:endParaRPr lang="fr-FR" dirty="0">
+              <a:solidFill>
+                <a:schemeClr val="tx1"/>
+              </a:solidFill>
+            </a:endParaRPr>
+          </a:p>
+        </p:txBody>
+      </p:sp>
+      <p:sp>
+        <p:nvSpPr>
+          <p:cNvPr id="38" name="Ellipse 37">
+            <a:extLst>
+              <a:ext uri="{FF2B5EF4-FFF2-40B4-BE49-F238E27FC236}">
+                <a16:creationId xmlns:a16="http://schemas.microsoft.com/office/drawing/2014/main" id="{0913FCD3-2406-EE5E-51F0-A2C5A233DDCA}"/>
+              </a:ext>
+            </a:extLst>
+          </p:cNvPr>
+          <p:cNvSpPr/>
+          <p:nvPr/>
+        </p:nvSpPr>
+        <p:spPr>
+          <a:xfrm>
+            <a:off x="10061813" y="3288872"/>
+            <a:ext cx="342058" cy="278383"/>
+          </a:xfrm>
+          <a:prstGeom prst="ellipse">
+            <a:avLst/>
+          </a:prstGeom>
+          <a:noFill/>
+          <a:ln w="28575"/>
+        </p:spPr>
+        <p:style>
+          <a:lnRef idx="2">
+            <a:schemeClr val="accent1">
+              <a:shade val="50000"/>
+            </a:schemeClr>
+          </a:lnRef>
+          <a:fillRef idx="1">
+            <a:schemeClr val="accent1"/>
+          </a:fillRef>
+          <a:effectRef idx="0">
+            <a:schemeClr val="accent1"/>
+          </a:effectRef>
+          <a:fontRef idx="minor">
+            <a:schemeClr val="lt1"/>
+          </a:fontRef>
+        </p:style>
+        <p:txBody>
+          <a:bodyPr rtlCol="0" anchor="ctr"/>
+          <a:lstStyle/>
+          <a:p>
+            <a:pPr algn="ctr"/>
+            <a:endParaRPr lang="fr-FR" dirty="0">
+              <a:solidFill>
+                <a:schemeClr val="tx1"/>
+              </a:solidFill>
+            </a:endParaRPr>
+          </a:p>
+        </p:txBody>
+      </p:sp>
+      <p:sp>
+        <p:nvSpPr>
+          <p:cNvPr id="39" name="Ellipse 38">
+            <a:extLst>
+              <a:ext uri="{FF2B5EF4-FFF2-40B4-BE49-F238E27FC236}">
+                <a16:creationId xmlns:a16="http://schemas.microsoft.com/office/drawing/2014/main" id="{3E209BFD-B2E8-6E1B-FABD-9A8B02DB6E88}"/>
+              </a:ext>
+            </a:extLst>
+          </p:cNvPr>
+          <p:cNvSpPr/>
+          <p:nvPr/>
+        </p:nvSpPr>
+        <p:spPr>
+          <a:xfrm>
+            <a:off x="10356727" y="3526507"/>
+            <a:ext cx="272311" cy="278382"/>
+          </a:xfrm>
+          <a:prstGeom prst="ellipse">
+            <a:avLst/>
+          </a:prstGeom>
+          <a:noFill/>
+          <a:ln w="28575"/>
+        </p:spPr>
+        <p:style>
+          <a:lnRef idx="2">
+            <a:schemeClr val="accent1">
+              <a:shade val="50000"/>
+            </a:schemeClr>
+          </a:lnRef>
+          <a:fillRef idx="1">
+            <a:schemeClr val="accent1"/>
+          </a:fillRef>
+          <a:effectRef idx="0">
+            <a:schemeClr val="accent1"/>
+          </a:effectRef>
+          <a:fontRef idx="minor">
+            <a:schemeClr val="lt1"/>
+          </a:fontRef>
+        </p:style>
+        <p:txBody>
+          <a:bodyPr rtlCol="0" anchor="ctr"/>
+          <a:lstStyle/>
+          <a:p>
+            <a:pPr algn="ctr"/>
+            <a:endParaRPr lang="fr-FR" dirty="0">
+              <a:solidFill>
+                <a:schemeClr val="tx1"/>
+              </a:solidFill>
+            </a:endParaRPr>
+          </a:p>
+        </p:txBody>
+      </p:sp>
       <p:cxnSp>
         <p:nvCxnSpPr>
-          <p:cNvPr id="3" name="Connecteur droit 2">
-            <a:extLst>
-              <a:ext uri="{FF2B5EF4-FFF2-40B4-BE49-F238E27FC236}">
-                <a16:creationId xmlns:a16="http://schemas.microsoft.com/office/drawing/2014/main" id="{CA315638-C53B-189D-042D-4A9401398A75}"/>
-              </a:ext>
-            </a:extLst>
-          </p:cNvPr>
-          <p:cNvCxnSpPr/>
+          <p:cNvPr id="42" name="Connecteur droit avec flèche 41">
+            <a:extLst>
+              <a:ext uri="{FF2B5EF4-FFF2-40B4-BE49-F238E27FC236}">
+                <a16:creationId xmlns:a16="http://schemas.microsoft.com/office/drawing/2014/main" id="{11351E12-F211-C6EB-401E-CBAA5E9302DE}"/>
+              </a:ext>
+            </a:extLst>
+          </p:cNvPr>
+          <p:cNvCxnSpPr>
+            <a:cxnSpLocks/>
+            <a:endCxn id="39" idx="6"/>
+          </p:cNvCxnSpPr>
           <p:nvPr/>
         </p:nvCxnSpPr>
         <p:spPr>
-          <a:xfrm>
-            <a:off x="8380520" y="5442013"/>
-            <a:ext cx="2201662" cy="0"/>
-          </a:xfrm>
-          <a:prstGeom prst="line">
+          <a:xfrm flipH="1">
+            <a:off x="10629038" y="3597733"/>
+            <a:ext cx="626931" cy="67965"/>
+          </a:xfrm>
+          <a:prstGeom prst="straightConnector1">
             <a:avLst/>
           </a:prstGeom>
+          <a:ln>
+            <a:solidFill>
+              <a:schemeClr val="accent1">
+                <a:lumMod val="75000"/>
+              </a:schemeClr>
+            </a:solidFill>
+            <a:tailEnd type="triangle"/>
+          </a:ln>
         </p:spPr>
         <p:style>
           <a:lnRef idx="1">
@@ -4736,26 +5554,35 @@
       </p:cxnSp>
       <p:cxnSp>
         <p:nvCxnSpPr>
-          <p:cNvPr id="4" name="Connecteur droit 3">
-            <a:extLst>
-              <a:ext uri="{FF2B5EF4-FFF2-40B4-BE49-F238E27FC236}">
-                <a16:creationId xmlns:a16="http://schemas.microsoft.com/office/drawing/2014/main" id="{2FD407DA-5E2B-F249-7D61-48766C69CF13}"/>
+          <p:cNvPr id="43" name="Connecteur droit avec flèche 42">
+            <a:extLst>
+              <a:ext uri="{FF2B5EF4-FFF2-40B4-BE49-F238E27FC236}">
+                <a16:creationId xmlns:a16="http://schemas.microsoft.com/office/drawing/2014/main" id="{D1BD4E8A-A488-CB99-3ADE-554E5EA4EFBD}"/>
               </a:ext>
             </a:extLst>
           </p:cNvPr>
           <p:cNvCxnSpPr>
             <a:cxnSpLocks/>
+            <a:endCxn id="38" idx="3"/>
           </p:cNvCxnSpPr>
           <p:nvPr/>
         </p:nvCxnSpPr>
         <p:spPr>
           <a:xfrm flipV="1">
-            <a:off x="8536360" y="5349535"/>
-            <a:ext cx="221942" cy="184955"/>
-          </a:xfrm>
-          <a:prstGeom prst="line">
+            <a:off x="9755957" y="3526487"/>
+            <a:ext cx="355949" cy="546469"/>
+          </a:xfrm>
+          <a:prstGeom prst="straightConnector1">
             <a:avLst/>
           </a:prstGeom>
+          <a:ln>
+            <a:solidFill>
+              <a:schemeClr val="accent1">
+                <a:lumMod val="75000"/>
+              </a:schemeClr>
+            </a:solidFill>
+            <a:tailEnd type="triangle"/>
+          </a:ln>
         </p:spPr>
         <p:style>
           <a:lnRef idx="1">
@@ -4774,26 +5601,35 @@
       </p:cxnSp>
       <p:cxnSp>
         <p:nvCxnSpPr>
-          <p:cNvPr id="14" name="Connecteur droit 13">
-            <a:extLst>
-              <a:ext uri="{FF2B5EF4-FFF2-40B4-BE49-F238E27FC236}">
-                <a16:creationId xmlns:a16="http://schemas.microsoft.com/office/drawing/2014/main" id="{20326224-3E9E-D96D-8C36-7FE847FD59DB}"/>
+          <p:cNvPr id="47" name="Connecteur droit avec flèche 46">
+            <a:extLst>
+              <a:ext uri="{FF2B5EF4-FFF2-40B4-BE49-F238E27FC236}">
+                <a16:creationId xmlns:a16="http://schemas.microsoft.com/office/drawing/2014/main" id="{95617584-B141-E017-7043-77D166935073}"/>
               </a:ext>
             </a:extLst>
           </p:cNvPr>
           <p:cNvCxnSpPr>
             <a:cxnSpLocks/>
+            <a:endCxn id="37" idx="7"/>
           </p:cNvCxnSpPr>
           <p:nvPr/>
         </p:nvCxnSpPr>
         <p:spPr>
-          <a:xfrm flipV="1">
-            <a:off x="10227918" y="5349534"/>
-            <a:ext cx="221942" cy="184955"/>
-          </a:xfrm>
-          <a:prstGeom prst="line">
+          <a:xfrm flipH="1">
+            <a:off x="10677935" y="4606111"/>
+            <a:ext cx="325353" cy="298262"/>
+          </a:xfrm>
+          <a:prstGeom prst="straightConnector1">
             <a:avLst/>
           </a:prstGeom>
+          <a:ln>
+            <a:solidFill>
+              <a:schemeClr val="accent1">
+                <a:lumMod val="75000"/>
+              </a:schemeClr>
+            </a:solidFill>
+            <a:tailEnd type="triangle"/>
+          </a:ln>
         </p:spPr>
         <p:style>
           <a:lnRef idx="1">
@@ -4812,26 +5648,33 @@
       </p:cxnSp>
       <p:cxnSp>
         <p:nvCxnSpPr>
-          <p:cNvPr id="15" name="Connecteur droit 14">
-            <a:extLst>
-              <a:ext uri="{FF2B5EF4-FFF2-40B4-BE49-F238E27FC236}">
-                <a16:creationId xmlns:a16="http://schemas.microsoft.com/office/drawing/2014/main" id="{8A6ACDD7-67AF-A821-94D2-6675B02B4DAF}"/>
+          <p:cNvPr id="49" name="Connecteur droit avec flèche 48">
+            <a:extLst>
+              <a:ext uri="{FF2B5EF4-FFF2-40B4-BE49-F238E27FC236}">
+                <a16:creationId xmlns:a16="http://schemas.microsoft.com/office/drawing/2014/main" id="{F1724885-C21E-30CD-E9A4-362D79A2120A}"/>
               </a:ext>
             </a:extLst>
           </p:cNvPr>
           <p:cNvCxnSpPr>
             <a:cxnSpLocks/>
+            <a:endCxn id="35" idx="1"/>
           </p:cNvCxnSpPr>
           <p:nvPr/>
         </p:nvCxnSpPr>
         <p:spPr>
-          <a:xfrm flipV="1">
-            <a:off x="9481351" y="3733725"/>
-            <a:ext cx="0" cy="1708286"/>
-          </a:xfrm>
-          <a:prstGeom prst="line">
+          <a:xfrm>
+            <a:off x="8927063" y="2412994"/>
+            <a:ext cx="961962" cy="467352"/>
+          </a:xfrm>
+          <a:prstGeom prst="straightConnector1">
             <a:avLst/>
           </a:prstGeom>
+          <a:ln>
+            <a:solidFill>
+              <a:srgbClr val="FF0000"/>
+            </a:solidFill>
+            <a:tailEnd type="triangle"/>
+          </a:ln>
         </p:spPr>
         <p:style>
           <a:lnRef idx="1">
@@ -4848,28 +5691,142 @@
           </a:fontRef>
         </p:style>
       </p:cxnSp>
+      <p:sp>
+        <p:nvSpPr>
+          <p:cNvPr id="56" name="ZoneTexte 55">
+            <a:extLst>
+              <a:ext uri="{FF2B5EF4-FFF2-40B4-BE49-F238E27FC236}">
+                <a16:creationId xmlns:a16="http://schemas.microsoft.com/office/drawing/2014/main" id="{BF217EE3-20EB-E652-F4B4-C1F269A99C9F}"/>
+              </a:ext>
+            </a:extLst>
+          </p:cNvPr>
+          <p:cNvSpPr txBox="1"/>
+          <p:nvPr/>
+        </p:nvSpPr>
+        <p:spPr>
+          <a:xfrm>
+            <a:off x="9540896" y="4017908"/>
+            <a:ext cx="324464" cy="369332"/>
+          </a:xfrm>
+          <a:prstGeom prst="rect">
+            <a:avLst/>
+          </a:prstGeom>
+          <a:noFill/>
+        </p:spPr>
+        <p:txBody>
+          <a:bodyPr wrap="square" rtlCol="0">
+            <a:spAutoFit/>
+          </a:bodyPr>
+          <a:lstStyle/>
+          <a:p>
+            <a:r>
+              <a:rPr lang="fr-FR" b="1" dirty="0"/>
+              <a:t>2</a:t>
+            </a:r>
+          </a:p>
+        </p:txBody>
+      </p:sp>
+      <p:sp>
+        <p:nvSpPr>
+          <p:cNvPr id="57" name="ZoneTexte 56">
+            <a:extLst>
+              <a:ext uri="{FF2B5EF4-FFF2-40B4-BE49-F238E27FC236}">
+                <a16:creationId xmlns:a16="http://schemas.microsoft.com/office/drawing/2014/main" id="{1827CF52-1D9E-8252-B525-ECE9811F1799}"/>
+              </a:ext>
+            </a:extLst>
+          </p:cNvPr>
+          <p:cNvSpPr txBox="1"/>
+          <p:nvPr/>
+        </p:nvSpPr>
+        <p:spPr>
+          <a:xfrm>
+            <a:off x="11230627" y="3320399"/>
+            <a:ext cx="324464" cy="369332"/>
+          </a:xfrm>
+          <a:prstGeom prst="rect">
+            <a:avLst/>
+          </a:prstGeom>
+          <a:noFill/>
+        </p:spPr>
+        <p:txBody>
+          <a:bodyPr wrap="square" rtlCol="0">
+            <a:spAutoFit/>
+          </a:bodyPr>
+          <a:lstStyle/>
+          <a:p>
+            <a:r>
+              <a:rPr lang="fr-FR" b="1" dirty="0"/>
+              <a:t>3</a:t>
+            </a:r>
+          </a:p>
+        </p:txBody>
+      </p:sp>
+      <p:sp>
+        <p:nvSpPr>
+          <p:cNvPr id="58" name="ZoneTexte 57">
+            <a:extLst>
+              <a:ext uri="{FF2B5EF4-FFF2-40B4-BE49-F238E27FC236}">
+                <a16:creationId xmlns:a16="http://schemas.microsoft.com/office/drawing/2014/main" id="{F37C502E-6F2A-9515-37EF-8049D064A0DF}"/>
+              </a:ext>
+            </a:extLst>
+          </p:cNvPr>
+          <p:cNvSpPr txBox="1"/>
+          <p:nvPr/>
+        </p:nvSpPr>
+        <p:spPr>
+          <a:xfrm>
+            <a:off x="10919997" y="4280709"/>
+            <a:ext cx="324464" cy="369332"/>
+          </a:xfrm>
+          <a:prstGeom prst="rect">
+            <a:avLst/>
+          </a:prstGeom>
+          <a:noFill/>
+        </p:spPr>
+        <p:txBody>
+          <a:bodyPr wrap="square" rtlCol="0">
+            <a:spAutoFit/>
+          </a:bodyPr>
+          <a:lstStyle/>
+          <a:p>
+            <a:r>
+              <a:rPr lang="fr-FR" b="1" dirty="0"/>
+              <a:t>1</a:t>
+            </a:r>
+          </a:p>
+        </p:txBody>
+      </p:sp>
       <p:cxnSp>
         <p:nvCxnSpPr>
-          <p:cNvPr id="18" name="Connecteur droit 17">
-            <a:extLst>
-              <a:ext uri="{FF2B5EF4-FFF2-40B4-BE49-F238E27FC236}">
-                <a16:creationId xmlns:a16="http://schemas.microsoft.com/office/drawing/2014/main" id="{AE704F61-4FD3-204B-72E2-ED0F099FF9BE}"/>
+          <p:cNvPr id="59" name="Connecteur droit avec flèche 58">
+            <a:extLst>
+              <a:ext uri="{FF2B5EF4-FFF2-40B4-BE49-F238E27FC236}">
+                <a16:creationId xmlns:a16="http://schemas.microsoft.com/office/drawing/2014/main" id="{91477DEA-3A70-817C-E033-1E4D7A52C88E}"/>
               </a:ext>
             </a:extLst>
           </p:cNvPr>
           <p:cNvCxnSpPr>
             <a:cxnSpLocks/>
+            <a:endCxn id="62" idx="6"/>
           </p:cNvCxnSpPr>
           <p:nvPr/>
         </p:nvCxnSpPr>
         <p:spPr>
           <a:xfrm flipH="1" flipV="1">
-            <a:off x="9251338" y="3424067"/>
-            <a:ext cx="1087551" cy="1461060"/>
-          </a:xfrm>
-          <a:prstGeom prst="line">
+            <a:off x="10615684" y="4118784"/>
+            <a:ext cx="522781" cy="33236"/>
+          </a:xfrm>
+          <a:prstGeom prst="straightConnector1">
             <a:avLst/>
           </a:prstGeom>
+          <a:ln>
+            <a:solidFill>
+              <a:schemeClr val="accent1">
+                <a:lumMod val="75000"/>
+              </a:schemeClr>
+            </a:solidFill>
+            <a:tailEnd type="triangle"/>
+          </a:ln>
         </p:spPr>
         <p:style>
           <a:lnRef idx="1">
@@ -4888,10 +5845,45 @@
       </p:cxnSp>
       <p:sp>
         <p:nvSpPr>
-          <p:cNvPr id="21" name="Ellipse 20">
-            <a:extLst>
-              <a:ext uri="{FF2B5EF4-FFF2-40B4-BE49-F238E27FC236}">
-                <a16:creationId xmlns:a16="http://schemas.microsoft.com/office/drawing/2014/main" id="{909A0F03-B55C-B35E-1218-71821EA7EE3E}"/>
+          <p:cNvPr id="61" name="ZoneTexte 60">
+            <a:extLst>
+              <a:ext uri="{FF2B5EF4-FFF2-40B4-BE49-F238E27FC236}">
+                <a16:creationId xmlns:a16="http://schemas.microsoft.com/office/drawing/2014/main" id="{0560EE50-3426-D4F9-6DC2-94901787395B}"/>
+              </a:ext>
+            </a:extLst>
+          </p:cNvPr>
+          <p:cNvSpPr txBox="1"/>
+          <p:nvPr/>
+        </p:nvSpPr>
+        <p:spPr>
+          <a:xfrm>
+            <a:off x="11118109" y="3965939"/>
+            <a:ext cx="324464" cy="369332"/>
+          </a:xfrm>
+          <a:prstGeom prst="rect">
+            <a:avLst/>
+          </a:prstGeom>
+          <a:noFill/>
+        </p:spPr>
+        <p:txBody>
+          <a:bodyPr wrap="square" rtlCol="0">
+            <a:spAutoFit/>
+          </a:bodyPr>
+          <a:lstStyle/>
+          <a:p>
+            <a:r>
+              <a:rPr lang="fr-FR" b="1" dirty="0"/>
+              <a:t>4</a:t>
+            </a:r>
+          </a:p>
+        </p:txBody>
+      </p:sp>
+      <p:sp>
+        <p:nvSpPr>
+          <p:cNvPr id="62" name="Ellipse 61">
+            <a:extLst>
+              <a:ext uri="{FF2B5EF4-FFF2-40B4-BE49-F238E27FC236}">
+                <a16:creationId xmlns:a16="http://schemas.microsoft.com/office/drawing/2014/main" id="{A8CDC7BE-A27F-C41F-A3F6-433F5EB34960}"/>
               </a:ext>
             </a:extLst>
           </p:cNvPr>
@@ -4900,179 +5892,14 @@
         </p:nvSpPr>
         <p:spPr>
           <a:xfrm>
-            <a:off x="10227919" y="4832222"/>
-            <a:ext cx="221940" cy="181200"/>
-          </a:xfrm>
-          <a:prstGeom prst="ellipse">
-            <a:avLst/>
-          </a:prstGeom>
-          <a:ln w="28575">
-            <a:solidFill>
-              <a:schemeClr val="accent1"/>
-            </a:solidFill>
-          </a:ln>
-        </p:spPr>
-        <p:style>
-          <a:lnRef idx="2">
-            <a:schemeClr val="accent6"/>
-          </a:lnRef>
-          <a:fillRef idx="1">
-            <a:schemeClr val="lt1"/>
-          </a:fillRef>
-          <a:effectRef idx="0">
-            <a:schemeClr val="accent6"/>
-          </a:effectRef>
-          <a:fontRef idx="minor">
-            <a:schemeClr val="dk1"/>
-          </a:fontRef>
-        </p:style>
-        <p:txBody>
-          <a:bodyPr rtlCol="0" anchor="ctr"/>
-          <a:lstStyle/>
-          <a:p>
-            <a:pPr algn="ctr"/>
-            <a:endParaRPr lang="fr-FR"/>
-          </a:p>
-        </p:txBody>
-      </p:sp>
-      <p:cxnSp>
-        <p:nvCxnSpPr>
-          <p:cNvPr id="22" name="Connecteur droit 21">
-            <a:extLst>
-              <a:ext uri="{FF2B5EF4-FFF2-40B4-BE49-F238E27FC236}">
-                <a16:creationId xmlns:a16="http://schemas.microsoft.com/office/drawing/2014/main" id="{4BF931D2-94F2-C53D-961F-134298236955}"/>
-              </a:ext>
-            </a:extLst>
-          </p:cNvPr>
-          <p:cNvCxnSpPr>
-            <a:cxnSpLocks/>
-          </p:cNvCxnSpPr>
-          <p:nvPr/>
-        </p:nvCxnSpPr>
-        <p:spPr>
-          <a:xfrm flipV="1">
-            <a:off x="10116947" y="4932375"/>
-            <a:ext cx="221942" cy="184955"/>
-          </a:xfrm>
-          <a:prstGeom prst="line">
-            <a:avLst/>
-          </a:prstGeom>
-          <a:ln w="28575"/>
-        </p:spPr>
-        <p:style>
-          <a:lnRef idx="1">
-            <a:schemeClr val="accent1"/>
-          </a:lnRef>
-          <a:fillRef idx="0">
-            <a:schemeClr val="accent1"/>
-          </a:fillRef>
-          <a:effectRef idx="0">
-            <a:schemeClr val="accent1"/>
-          </a:effectRef>
-          <a:fontRef idx="minor">
-            <a:schemeClr val="tx1"/>
-          </a:fontRef>
-        </p:style>
-      </p:cxnSp>
-      <p:cxnSp>
-        <p:nvCxnSpPr>
-          <p:cNvPr id="23" name="Connecteur droit 22">
-            <a:extLst>
-              <a:ext uri="{FF2B5EF4-FFF2-40B4-BE49-F238E27FC236}">
-                <a16:creationId xmlns:a16="http://schemas.microsoft.com/office/drawing/2014/main" id="{B3921E5A-35E2-3BA2-7F98-10BA888BD28A}"/>
-              </a:ext>
-            </a:extLst>
-          </p:cNvPr>
-          <p:cNvCxnSpPr>
-            <a:cxnSpLocks/>
-          </p:cNvCxnSpPr>
-          <p:nvPr/>
-        </p:nvCxnSpPr>
-        <p:spPr>
-          <a:xfrm flipH="1" flipV="1">
-            <a:off x="10186489" y="4767535"/>
-            <a:ext cx="152400" cy="163830"/>
-          </a:xfrm>
-          <a:prstGeom prst="line">
-            <a:avLst/>
-          </a:prstGeom>
-          <a:ln w="28575"/>
-        </p:spPr>
-        <p:style>
-          <a:lnRef idx="1">
-            <a:schemeClr val="accent1"/>
-          </a:lnRef>
-          <a:fillRef idx="0">
-            <a:schemeClr val="accent1"/>
-          </a:fillRef>
-          <a:effectRef idx="0">
-            <a:schemeClr val="accent1"/>
-          </a:effectRef>
-          <a:fontRef idx="minor">
-            <a:schemeClr val="tx1"/>
-          </a:fontRef>
-        </p:style>
-      </p:cxnSp>
-      <p:cxnSp>
-        <p:nvCxnSpPr>
-          <p:cNvPr id="25" name="Connecteur droit 24">
-            <a:extLst>
-              <a:ext uri="{FF2B5EF4-FFF2-40B4-BE49-F238E27FC236}">
-                <a16:creationId xmlns:a16="http://schemas.microsoft.com/office/drawing/2014/main" id="{A08D73BD-6F81-B22C-5E9F-A5D9C814E580}"/>
-              </a:ext>
-            </a:extLst>
-          </p:cNvPr>
-          <p:cNvCxnSpPr>
-            <a:cxnSpLocks/>
-          </p:cNvCxnSpPr>
-          <p:nvPr/>
-        </p:nvCxnSpPr>
-        <p:spPr>
-          <a:xfrm>
-            <a:off x="10338889" y="4942416"/>
-            <a:ext cx="284086" cy="0"/>
-          </a:xfrm>
-          <a:prstGeom prst="line">
-            <a:avLst/>
-          </a:prstGeom>
-          <a:ln w="28575"/>
-        </p:spPr>
-        <p:style>
-          <a:lnRef idx="1">
-            <a:schemeClr val="accent1"/>
-          </a:lnRef>
-          <a:fillRef idx="0">
-            <a:schemeClr val="accent1"/>
-          </a:fillRef>
-          <a:effectRef idx="0">
-            <a:schemeClr val="accent1"/>
-          </a:effectRef>
-          <a:fontRef idx="minor">
-            <a:schemeClr val="tx1"/>
-          </a:fontRef>
-        </p:style>
-      </p:cxnSp>
-      <p:sp>
-        <p:nvSpPr>
-          <p:cNvPr id="2" name="Ellipse 1">
-            <a:extLst>
-              <a:ext uri="{FF2B5EF4-FFF2-40B4-BE49-F238E27FC236}">
-                <a16:creationId xmlns:a16="http://schemas.microsoft.com/office/drawing/2014/main" id="{4EB6AF38-EE8B-A307-5173-FB95C8F9F98F}"/>
-              </a:ext>
-            </a:extLst>
-          </p:cNvPr>
-          <p:cNvSpPr/>
-          <p:nvPr/>
-        </p:nvSpPr>
-        <p:spPr>
-          <a:xfrm>
-            <a:off x="10733945" y="4718565"/>
-            <a:ext cx="373669" cy="369317"/>
+            <a:off x="10214984" y="3843877"/>
+            <a:ext cx="400700" cy="549814"/>
           </a:xfrm>
           <a:prstGeom prst="ellipse">
             <a:avLst/>
           </a:prstGeom>
           <a:noFill/>
+          <a:ln w="28575"/>
         </p:spPr>
         <p:style>
           <a:lnRef idx="2">
@@ -5095,23 +5922,20 @@
           <a:lstStyle/>
           <a:p>
             <a:pPr algn="ctr"/>
-            <a:r>
-              <a:rPr lang="fr-FR" dirty="0">
-                <a:solidFill>
-                  <a:schemeClr val="tx1"/>
-                </a:solidFill>
-              </a:rPr>
-              <a:t>1</a:t>
-            </a:r>
-          </a:p>
-        </p:txBody>
-      </p:sp>
-      <p:sp>
-        <p:nvSpPr>
-          <p:cNvPr id="12" name="Ellipse 11">
-            <a:extLst>
-              <a:ext uri="{FF2B5EF4-FFF2-40B4-BE49-F238E27FC236}">
-                <a16:creationId xmlns:a16="http://schemas.microsoft.com/office/drawing/2014/main" id="{62415688-6DD2-657D-42CE-E5EFDCCEACC3}"/>
+            <a:endParaRPr lang="fr-FR" dirty="0">
+              <a:solidFill>
+                <a:schemeClr val="tx1"/>
+              </a:solidFill>
+            </a:endParaRPr>
+          </a:p>
+        </p:txBody>
+      </p:sp>
+      <p:sp>
+        <p:nvSpPr>
+          <p:cNvPr id="63" name="Ellipse 62">
+            <a:extLst>
+              <a:ext uri="{FF2B5EF4-FFF2-40B4-BE49-F238E27FC236}">
+                <a16:creationId xmlns:a16="http://schemas.microsoft.com/office/drawing/2014/main" id="{09AE3166-E8AD-AEB2-549F-1ADDEC089C08}"/>
               </a:ext>
             </a:extLst>
           </p:cNvPr>
@@ -5120,7 +5944,7 @@
         </p:nvSpPr>
         <p:spPr>
           <a:xfrm>
-            <a:off x="6928980" y="2412994"/>
+            <a:off x="4143420" y="2808968"/>
             <a:ext cx="373669" cy="369317"/>
           </a:xfrm>
           <a:prstGeom prst="ellipse">
@@ -5155,684 +5979,756 @@
                   <a:schemeClr val="tx1"/>
                 </a:solidFill>
               </a:rPr>
-              <a:t>1</a:t>
-            </a:r>
-          </a:p>
-        </p:txBody>
-      </p:sp>
-      <p:sp>
-        <p:nvSpPr>
-          <p:cNvPr id="13" name="Ellipse 12">
-            <a:extLst>
-              <a:ext uri="{FF2B5EF4-FFF2-40B4-BE49-F238E27FC236}">
-                <a16:creationId xmlns:a16="http://schemas.microsoft.com/office/drawing/2014/main" id="{0EA92074-7182-D08D-7090-473050E4AC3D}"/>
-              </a:ext>
-            </a:extLst>
-          </p:cNvPr>
-          <p:cNvSpPr/>
+              <a:t>4</a:t>
+            </a:r>
+          </a:p>
+        </p:txBody>
+      </p:sp>
+      <p:sp>
+        <p:nvSpPr>
+          <p:cNvPr id="78" name="ZoneTexte 77">
+            <a:extLst>
+              <a:ext uri="{FF2B5EF4-FFF2-40B4-BE49-F238E27FC236}">
+                <a16:creationId xmlns:a16="http://schemas.microsoft.com/office/drawing/2014/main" id="{67EB59D8-E077-BAB4-D7DA-D27317A1BC1E}"/>
+              </a:ext>
+            </a:extLst>
+          </p:cNvPr>
+          <p:cNvSpPr txBox="1"/>
           <p:nvPr/>
         </p:nvSpPr>
         <p:spPr>
           <a:xfrm>
-            <a:off x="6928980" y="3811263"/>
-            <a:ext cx="373669" cy="369317"/>
-          </a:xfrm>
-          <a:prstGeom prst="ellipse">
-            <a:avLst/>
-          </a:prstGeom>
-          <a:noFill/>
-        </p:spPr>
-        <p:style>
-          <a:lnRef idx="2">
-            <a:schemeClr val="accent1">
-              <a:shade val="50000"/>
-            </a:schemeClr>
-          </a:lnRef>
-          <a:fillRef idx="1">
-            <a:schemeClr val="accent1"/>
-          </a:fillRef>
-          <a:effectRef idx="0">
-            <a:schemeClr val="accent1"/>
-          </a:effectRef>
-          <a:fontRef idx="minor">
-            <a:schemeClr val="lt1"/>
-          </a:fontRef>
-        </p:style>
-        <p:txBody>
-          <a:bodyPr rtlCol="0" anchor="ctr"/>
-          <a:lstStyle/>
-          <a:p>
-            <a:pPr algn="ctr"/>
-            <a:r>
-              <a:rPr lang="fr-FR" dirty="0">
-                <a:solidFill>
-                  <a:schemeClr val="tx1"/>
-                </a:solidFill>
-              </a:rPr>
-              <a:t>2</a:t>
-            </a:r>
-          </a:p>
-        </p:txBody>
-      </p:sp>
-      <p:sp>
-        <p:nvSpPr>
-          <p:cNvPr id="16" name="Ellipse 15">
-            <a:extLst>
-              <a:ext uri="{FF2B5EF4-FFF2-40B4-BE49-F238E27FC236}">
-                <a16:creationId xmlns:a16="http://schemas.microsoft.com/office/drawing/2014/main" id="{F717DA9A-0BEB-A86A-2369-BF334C90D834}"/>
-              </a:ext>
-            </a:extLst>
-          </p:cNvPr>
-          <p:cNvSpPr/>
-          <p:nvPr/>
-        </p:nvSpPr>
-        <p:spPr>
-          <a:xfrm>
-            <a:off x="8941948" y="4561006"/>
-            <a:ext cx="373669" cy="369317"/>
-          </a:xfrm>
-          <a:prstGeom prst="ellipse">
-            <a:avLst/>
-          </a:prstGeom>
-          <a:noFill/>
-        </p:spPr>
-        <p:style>
-          <a:lnRef idx="2">
-            <a:schemeClr val="accent1">
-              <a:shade val="50000"/>
-            </a:schemeClr>
-          </a:lnRef>
-          <a:fillRef idx="1">
-            <a:schemeClr val="accent1"/>
-          </a:fillRef>
-          <a:effectRef idx="0">
-            <a:schemeClr val="accent1"/>
-          </a:effectRef>
-          <a:fontRef idx="minor">
-            <a:schemeClr val="lt1"/>
-          </a:fontRef>
-        </p:style>
-        <p:txBody>
-          <a:bodyPr rtlCol="0" anchor="ctr"/>
-          <a:lstStyle/>
-          <a:p>
-            <a:pPr algn="ctr"/>
-            <a:r>
-              <a:rPr lang="fr-FR" dirty="0">
-                <a:solidFill>
-                  <a:schemeClr val="tx1"/>
-                </a:solidFill>
-              </a:rPr>
-              <a:t>2</a:t>
-            </a:r>
-          </a:p>
-        </p:txBody>
-      </p:sp>
-      <p:sp>
-        <p:nvSpPr>
-          <p:cNvPr id="17" name="Ellipse 16">
-            <a:extLst>
-              <a:ext uri="{FF2B5EF4-FFF2-40B4-BE49-F238E27FC236}">
-                <a16:creationId xmlns:a16="http://schemas.microsoft.com/office/drawing/2014/main" id="{D7A73389-6B45-60BD-9634-60945AD5611D}"/>
-              </a:ext>
-            </a:extLst>
-          </p:cNvPr>
-          <p:cNvSpPr/>
-          <p:nvPr/>
-        </p:nvSpPr>
-        <p:spPr>
-          <a:xfrm>
-            <a:off x="6928980" y="5066058"/>
-            <a:ext cx="373669" cy="369317"/>
-          </a:xfrm>
-          <a:prstGeom prst="ellipse">
-            <a:avLst/>
-          </a:prstGeom>
-          <a:noFill/>
-        </p:spPr>
-        <p:style>
-          <a:lnRef idx="2">
-            <a:schemeClr val="accent1">
-              <a:shade val="50000"/>
-            </a:schemeClr>
-          </a:lnRef>
-          <a:fillRef idx="1">
-            <a:schemeClr val="accent1"/>
-          </a:fillRef>
-          <a:effectRef idx="0">
-            <a:schemeClr val="accent1"/>
-          </a:effectRef>
-          <a:fontRef idx="minor">
-            <a:schemeClr val="lt1"/>
-          </a:fontRef>
-        </p:style>
-        <p:txBody>
-          <a:bodyPr rtlCol="0" anchor="ctr"/>
-          <a:lstStyle/>
-          <a:p>
-            <a:pPr algn="ctr"/>
-            <a:r>
-              <a:rPr lang="fr-FR" dirty="0">
-                <a:solidFill>
-                  <a:schemeClr val="tx1"/>
-                </a:solidFill>
-              </a:rPr>
-              <a:t>3</a:t>
-            </a:r>
-          </a:p>
-        </p:txBody>
-      </p:sp>
-      <p:sp>
-        <p:nvSpPr>
-          <p:cNvPr id="19" name="Ellipse 18">
-            <a:extLst>
-              <a:ext uri="{FF2B5EF4-FFF2-40B4-BE49-F238E27FC236}">
-                <a16:creationId xmlns:a16="http://schemas.microsoft.com/office/drawing/2014/main" id="{D7AE6AFD-3C50-2FA1-3320-2DC253F87BDF}"/>
-              </a:ext>
-            </a:extLst>
-          </p:cNvPr>
-          <p:cNvSpPr/>
-          <p:nvPr/>
-        </p:nvSpPr>
-        <p:spPr>
-          <a:xfrm>
-            <a:off x="10041083" y="3963309"/>
-            <a:ext cx="373669" cy="369317"/>
-          </a:xfrm>
-          <a:prstGeom prst="ellipse">
-            <a:avLst/>
-          </a:prstGeom>
-          <a:noFill/>
-        </p:spPr>
-        <p:style>
-          <a:lnRef idx="2">
-            <a:schemeClr val="accent1">
-              <a:shade val="50000"/>
-            </a:schemeClr>
-          </a:lnRef>
-          <a:fillRef idx="1">
-            <a:schemeClr val="accent1"/>
-          </a:fillRef>
-          <a:effectRef idx="0">
-            <a:schemeClr val="accent1"/>
-          </a:effectRef>
-          <a:fontRef idx="minor">
-            <a:schemeClr val="lt1"/>
-          </a:fontRef>
-        </p:style>
-        <p:txBody>
-          <a:bodyPr rtlCol="0" anchor="ctr"/>
-          <a:lstStyle/>
-          <a:p>
-            <a:pPr algn="ctr"/>
-            <a:r>
-              <a:rPr lang="fr-FR" dirty="0">
-                <a:solidFill>
-                  <a:schemeClr val="tx1"/>
-                </a:solidFill>
-              </a:rPr>
-              <a:t>3</a:t>
-            </a:r>
-          </a:p>
-        </p:txBody>
-      </p:sp>
-      <p:sp>
-        <p:nvSpPr>
-          <p:cNvPr id="20" name="Rectangle 19">
-            <a:extLst>
-              <a:ext uri="{FF2B5EF4-FFF2-40B4-BE49-F238E27FC236}">
-                <a16:creationId xmlns:a16="http://schemas.microsoft.com/office/drawing/2014/main" id="{D899080C-9E89-F995-CD6F-E0DFF491C62C}"/>
-              </a:ext>
-            </a:extLst>
-          </p:cNvPr>
-          <p:cNvSpPr/>
-          <p:nvPr/>
-        </p:nvSpPr>
-        <p:spPr>
-          <a:xfrm>
-            <a:off x="9735207" y="4180580"/>
-            <a:ext cx="230013" cy="184659"/>
-          </a:xfrm>
-          <a:prstGeom prst="rect">
-            <a:avLst/>
-          </a:prstGeom>
-        </p:spPr>
-        <p:style>
-          <a:lnRef idx="2">
-            <a:schemeClr val="accent1">
-              <a:shade val="50000"/>
-            </a:schemeClr>
-          </a:lnRef>
-          <a:fillRef idx="1">
-            <a:schemeClr val="accent1"/>
-          </a:fillRef>
-          <a:effectRef idx="0">
-            <a:schemeClr val="accent1"/>
-          </a:effectRef>
-          <a:fontRef idx="minor">
-            <a:schemeClr val="lt1"/>
-          </a:fontRef>
-        </p:style>
-        <p:txBody>
-          <a:bodyPr rtlCol="0" anchor="ctr"/>
-          <a:lstStyle/>
-          <a:p>
-            <a:pPr algn="ctr"/>
-            <a:endParaRPr lang="fr-FR"/>
-          </a:p>
-        </p:txBody>
-      </p:sp>
-      <p:sp>
-        <p:nvSpPr>
-          <p:cNvPr id="24" name="Ellipse 23">
-            <a:extLst>
-              <a:ext uri="{FF2B5EF4-FFF2-40B4-BE49-F238E27FC236}">
-                <a16:creationId xmlns:a16="http://schemas.microsoft.com/office/drawing/2014/main" id="{A89335B6-8803-1F37-6F83-380ACE60C0B0}"/>
-              </a:ext>
-            </a:extLst>
-          </p:cNvPr>
-          <p:cNvSpPr/>
-          <p:nvPr/>
-        </p:nvSpPr>
-        <p:spPr>
-          <a:xfrm>
-            <a:off x="9395215" y="4675057"/>
-            <a:ext cx="172271" cy="184955"/>
-          </a:xfrm>
-          <a:prstGeom prst="ellipse">
-            <a:avLst/>
-          </a:prstGeom>
-        </p:spPr>
-        <p:style>
-          <a:lnRef idx="2">
-            <a:schemeClr val="accent1">
-              <a:shade val="50000"/>
-            </a:schemeClr>
-          </a:lnRef>
-          <a:fillRef idx="1">
-            <a:schemeClr val="accent1"/>
-          </a:fillRef>
-          <a:effectRef idx="0">
-            <a:schemeClr val="accent1"/>
-          </a:effectRef>
-          <a:fontRef idx="minor">
-            <a:schemeClr val="lt1"/>
-          </a:fontRef>
-        </p:style>
-        <p:txBody>
-          <a:bodyPr rtlCol="0" anchor="ctr"/>
-          <a:lstStyle/>
-          <a:p>
-            <a:pPr algn="ctr"/>
-            <a:endParaRPr lang="fr-FR"/>
-          </a:p>
-        </p:txBody>
-      </p:sp>
-      <p:sp>
-        <p:nvSpPr>
-          <p:cNvPr id="51" name="Rectangle 50">
-            <a:extLst>
-              <a:ext uri="{FF2B5EF4-FFF2-40B4-BE49-F238E27FC236}">
-                <a16:creationId xmlns:a16="http://schemas.microsoft.com/office/drawing/2014/main" id="{4B04D7B3-1FE7-D2D5-2CD2-3238241A9862}"/>
-              </a:ext>
-            </a:extLst>
-          </p:cNvPr>
-          <p:cNvSpPr/>
-          <p:nvPr/>
-        </p:nvSpPr>
-        <p:spPr>
-          <a:xfrm>
-            <a:off x="9409693" y="4158119"/>
-            <a:ext cx="165681" cy="229580"/>
-          </a:xfrm>
-          <a:prstGeom prst="rect">
-            <a:avLst/>
-          </a:prstGeom>
-          <a:solidFill>
-            <a:srgbClr val="FF0000"/>
-          </a:solidFill>
-          <a:ln>
-            <a:solidFill>
-              <a:srgbClr val="FF0000"/>
-            </a:solidFill>
-          </a:ln>
-        </p:spPr>
-        <p:style>
-          <a:lnRef idx="2">
-            <a:schemeClr val="accent1">
-              <a:shade val="50000"/>
-            </a:schemeClr>
-          </a:lnRef>
-          <a:fillRef idx="1">
-            <a:schemeClr val="accent1"/>
-          </a:fillRef>
-          <a:effectRef idx="0">
-            <a:schemeClr val="accent1"/>
-          </a:effectRef>
-          <a:fontRef idx="minor">
-            <a:schemeClr val="lt1"/>
-          </a:fontRef>
-        </p:style>
-        <p:txBody>
-          <a:bodyPr rtlCol="0" anchor="ctr"/>
-          <a:lstStyle/>
-          <a:p>
-            <a:pPr algn="ctr"/>
-            <a:endParaRPr lang="fr-FR"/>
-          </a:p>
-        </p:txBody>
-      </p:sp>
-      <p:sp>
-        <p:nvSpPr>
-          <p:cNvPr id="52" name="Ellipse 51">
-            <a:extLst>
-              <a:ext uri="{FF2B5EF4-FFF2-40B4-BE49-F238E27FC236}">
-                <a16:creationId xmlns:a16="http://schemas.microsoft.com/office/drawing/2014/main" id="{59283C81-2BDE-14B9-98E0-776ED9843CE6}"/>
-              </a:ext>
-            </a:extLst>
-          </p:cNvPr>
-          <p:cNvSpPr/>
-          <p:nvPr/>
-        </p:nvSpPr>
-        <p:spPr>
-          <a:xfrm>
-            <a:off x="9031819" y="3751186"/>
-            <a:ext cx="373669" cy="369317"/>
-          </a:xfrm>
-          <a:prstGeom prst="ellipse">
-            <a:avLst/>
-          </a:prstGeom>
-          <a:noFill/>
-          <a:ln>
-            <a:solidFill>
-              <a:srgbClr val="FF0000"/>
-            </a:solidFill>
-          </a:ln>
-        </p:spPr>
-        <p:style>
-          <a:lnRef idx="2">
-            <a:schemeClr val="accent1">
-              <a:shade val="50000"/>
-            </a:schemeClr>
-          </a:lnRef>
-          <a:fillRef idx="1">
-            <a:schemeClr val="accent1"/>
-          </a:fillRef>
-          <a:effectRef idx="0">
-            <a:schemeClr val="accent1"/>
-          </a:effectRef>
-          <a:fontRef idx="minor">
-            <a:schemeClr val="lt1"/>
-          </a:fontRef>
-        </p:style>
-        <p:txBody>
-          <a:bodyPr rtlCol="0" anchor="ctr"/>
-          <a:lstStyle/>
-          <a:p>
-            <a:pPr algn="ctr"/>
-            <a:r>
-              <a:rPr lang="fr-FR" dirty="0">
-                <a:solidFill>
-                  <a:schemeClr val="tx1"/>
-                </a:solidFill>
-              </a:rPr>
-              <a:t>4</a:t>
-            </a:r>
-          </a:p>
-        </p:txBody>
-      </p:sp>
-      <p:sp>
-        <p:nvSpPr>
-          <p:cNvPr id="54" name="Ellipse 53">
-            <a:extLst>
-              <a:ext uri="{FF2B5EF4-FFF2-40B4-BE49-F238E27FC236}">
-                <a16:creationId xmlns:a16="http://schemas.microsoft.com/office/drawing/2014/main" id="{2B8B9C36-DFDD-EAFF-0FE9-15409C9C2CE4}"/>
-              </a:ext>
-            </a:extLst>
-          </p:cNvPr>
-          <p:cNvSpPr/>
-          <p:nvPr/>
-        </p:nvSpPr>
-        <p:spPr>
-          <a:xfrm>
-            <a:off x="3034823" y="2815227"/>
-            <a:ext cx="373669" cy="369317"/>
-          </a:xfrm>
-          <a:prstGeom prst="ellipse">
-            <a:avLst/>
-          </a:prstGeom>
-          <a:noFill/>
-          <a:ln>
-            <a:solidFill>
-              <a:srgbClr val="FF0000"/>
-            </a:solidFill>
-          </a:ln>
-        </p:spPr>
-        <p:style>
-          <a:lnRef idx="2">
-            <a:schemeClr val="accent1">
-              <a:shade val="50000"/>
-            </a:schemeClr>
-          </a:lnRef>
-          <a:fillRef idx="1">
-            <a:schemeClr val="accent1"/>
-          </a:fillRef>
-          <a:effectRef idx="0">
-            <a:schemeClr val="accent1"/>
-          </a:effectRef>
-          <a:fontRef idx="minor">
-            <a:schemeClr val="lt1"/>
-          </a:fontRef>
-        </p:style>
-        <p:txBody>
-          <a:bodyPr rtlCol="0" anchor="ctr"/>
-          <a:lstStyle/>
-          <a:p>
-            <a:pPr algn="ctr"/>
-            <a:r>
-              <a:rPr lang="fr-FR" dirty="0">
-                <a:solidFill>
-                  <a:schemeClr val="tx1"/>
-                </a:solidFill>
-              </a:rPr>
-              <a:t>4</a:t>
-            </a:r>
-          </a:p>
-        </p:txBody>
-      </p:sp>
-      <p:sp>
-        <p:nvSpPr>
-          <p:cNvPr id="55" name="Rectangle : coins arrondis 54">
-            <a:extLst>
-              <a:ext uri="{FF2B5EF4-FFF2-40B4-BE49-F238E27FC236}">
-                <a16:creationId xmlns:a16="http://schemas.microsoft.com/office/drawing/2014/main" id="{5555A817-80AD-9107-D7B1-6366DF351FE8}"/>
-              </a:ext>
-            </a:extLst>
-          </p:cNvPr>
-          <p:cNvSpPr/>
-          <p:nvPr/>
-        </p:nvSpPr>
-        <p:spPr>
-          <a:xfrm>
-            <a:off x="8131860" y="3204474"/>
-            <a:ext cx="626442" cy="369309"/>
-          </a:xfrm>
-          <a:prstGeom prst="roundRect">
-            <a:avLst/>
-          </a:prstGeom>
-          <a:solidFill>
-            <a:srgbClr val="FF0000"/>
-          </a:solidFill>
-          <a:ln>
-            <a:solidFill>
-              <a:srgbClr val="FF0000"/>
-            </a:solidFill>
-          </a:ln>
-        </p:spPr>
-        <p:style>
-          <a:lnRef idx="2">
-            <a:schemeClr val="accent1">
-              <a:shade val="50000"/>
-            </a:schemeClr>
-          </a:lnRef>
-          <a:fillRef idx="1">
-            <a:schemeClr val="accent1"/>
-          </a:fillRef>
-          <a:effectRef idx="0">
-            <a:schemeClr val="accent1"/>
-          </a:effectRef>
-          <a:fontRef idx="minor">
-            <a:schemeClr val="lt1"/>
-          </a:fontRef>
-        </p:style>
-        <p:txBody>
-          <a:bodyPr rtlCol="0" anchor="ctr"/>
-          <a:lstStyle/>
-          <a:p>
-            <a:pPr algn="ctr"/>
-            <a:r>
-              <a:rPr lang="fr-FR" dirty="0">
-                <a:solidFill>
-                  <a:schemeClr val="tx1"/>
-                </a:solidFill>
-              </a:rPr>
-              <a:t>PC</a:t>
-            </a:r>
-          </a:p>
-        </p:txBody>
-      </p:sp>
-      <p:cxnSp>
-        <p:nvCxnSpPr>
-          <p:cNvPr id="64" name="Connecteur : en angle 63">
-            <a:extLst>
-              <a:ext uri="{FF2B5EF4-FFF2-40B4-BE49-F238E27FC236}">
-                <a16:creationId xmlns:a16="http://schemas.microsoft.com/office/drawing/2014/main" id="{26DC7D41-9B2F-A8BA-7DB2-9388726EA07E}"/>
-              </a:ext>
-            </a:extLst>
-          </p:cNvPr>
-          <p:cNvCxnSpPr>
-            <a:cxnSpLocks/>
-            <a:stCxn id="55" idx="2"/>
-          </p:cNvCxnSpPr>
-          <p:nvPr/>
-        </p:nvCxnSpPr>
-        <p:spPr>
-          <a:xfrm rot="16200000" flipH="1">
-            <a:off x="8554836" y="3464028"/>
-            <a:ext cx="651026" cy="870536"/>
-          </a:xfrm>
-          <a:prstGeom prst="bentConnector2">
-            <a:avLst/>
-          </a:prstGeom>
-          <a:ln>
-            <a:solidFill>
-              <a:srgbClr val="FF0000"/>
-            </a:solidFill>
-            <a:tailEnd type="triangle"/>
-          </a:ln>
-        </p:spPr>
-        <p:style>
-          <a:lnRef idx="1">
-            <a:schemeClr val="accent1"/>
-          </a:lnRef>
-          <a:fillRef idx="0">
-            <a:schemeClr val="accent1"/>
-          </a:fillRef>
-          <a:effectRef idx="0">
-            <a:schemeClr val="accent1"/>
-          </a:effectRef>
-          <a:fontRef idx="minor">
-            <a:schemeClr val="tx1"/>
-          </a:fontRef>
-        </p:style>
-      </p:cxnSp>
-      <p:pic>
-        <p:nvPicPr>
-          <p:cNvPr id="26" name="Image 25" descr="Une image contenant texte, arts de la table, vaisselle, assiette&#10;&#10;Description générée automatiquement">
-            <a:extLst>
-              <a:ext uri="{FF2B5EF4-FFF2-40B4-BE49-F238E27FC236}">
-                <a16:creationId xmlns:a16="http://schemas.microsoft.com/office/drawing/2014/main" id="{0F677D94-3A3F-80AD-5D02-FC4F832E0677}"/>
-              </a:ext>
-            </a:extLst>
-          </p:cNvPr>
-          <p:cNvPicPr>
-            <a:picLocks noChangeAspect="1"/>
-          </p:cNvPicPr>
-          <p:nvPr/>
-        </p:nvPicPr>
-        <p:blipFill>
-          <a:blip r:embed="rId2">
-            <a:extLst>
-              <a:ext uri="{28A0092B-C50C-407E-A947-70E740481C1C}">
-                <a14:useLocalDpi xmlns:a14="http://schemas.microsoft.com/office/drawing/2010/main" val="0"/>
-              </a:ext>
-            </a:extLst>
-          </a:blip>
-          <a:stretch>
-            <a:fillRect/>
-          </a:stretch>
-        </p:blipFill>
-        <p:spPr>
-          <a:xfrm>
-            <a:off x="162214" y="144551"/>
-            <a:ext cx="2095500" cy="695325"/>
-          </a:xfrm>
-          <a:prstGeom prst="rect">
-            <a:avLst/>
-          </a:prstGeom>
-        </p:spPr>
-      </p:pic>
-      <p:pic>
-        <p:nvPicPr>
-          <p:cNvPr id="29" name="Image 28" descr="@InnovationLab-EFREIParis">
-            <a:extLst>
-              <a:ext uri="{FF2B5EF4-FFF2-40B4-BE49-F238E27FC236}">
-                <a16:creationId xmlns:a16="http://schemas.microsoft.com/office/drawing/2014/main" id="{2FC255FD-C63A-619F-EA5A-9FAC72F02125}"/>
-              </a:ext>
-            </a:extLst>
-          </p:cNvPr>
-          <p:cNvPicPr>
-            <a:picLocks noChangeAspect="1"/>
-          </p:cNvPicPr>
-          <p:nvPr/>
-        </p:nvPicPr>
-        <p:blipFill>
-          <a:blip r:embed="rId3">
-            <a:extLst>
-              <a:ext uri="{28A0092B-C50C-407E-A947-70E740481C1C}">
-                <a14:useLocalDpi xmlns:a14="http://schemas.microsoft.com/office/drawing/2010/main" val="0"/>
-              </a:ext>
-            </a:extLst>
-          </a:blip>
-          <a:srcRect/>
-          <a:stretch>
-            <a:fillRect/>
-          </a:stretch>
-        </p:blipFill>
-        <p:spPr bwMode="auto">
-          <a:xfrm>
-            <a:off x="10901500" y="13740"/>
-            <a:ext cx="956945" cy="956945"/>
+            <a:off x="546705" y="5786957"/>
+            <a:ext cx="3422018" cy="923330"/>
           </a:xfrm>
           <a:prstGeom prst="rect">
             <a:avLst/>
           </a:prstGeom>
           <a:noFill/>
-          <a:ln>
-            <a:noFill/>
-          </a:ln>
-        </p:spPr>
-      </p:pic>
+        </p:spPr>
+        <p:txBody>
+          <a:bodyPr wrap="square">
+            <a:spAutoFit/>
+          </a:bodyPr>
+          <a:lstStyle/>
+          <a:p>
+            <a:r>
+              <a:rPr lang="fr-FR" i="1" dirty="0">
+                <a:latin typeface="Times New Roman" panose="02020603050405020304" pitchFamily="18" charset="0"/>
+                <a:ea typeface="Yu Mincho" panose="02020400000000000000" pitchFamily="18" charset="-128"/>
+              </a:rPr>
+              <a:t>IHM : Interface Homme Machine</a:t>
+            </a:r>
+          </a:p>
+          <a:p>
+            <a:r>
+              <a:rPr lang="fr-FR" i="1" dirty="0">
+                <a:latin typeface="Times New Roman" panose="02020603050405020304" pitchFamily="18" charset="0"/>
+                <a:ea typeface="Yu Mincho" panose="02020400000000000000" pitchFamily="18" charset="-128"/>
+              </a:rPr>
+              <a:t>µC : Microcontrôleur</a:t>
+            </a:r>
+          </a:p>
+          <a:p>
+            <a:r>
+              <a:rPr lang="fr-FR" sz="1800" i="1" dirty="0">
+                <a:effectLst/>
+                <a:latin typeface="Times New Roman" panose="02020603050405020304" pitchFamily="18" charset="0"/>
+                <a:ea typeface="Yu Mincho" panose="02020400000000000000" pitchFamily="18" charset="-128"/>
+              </a:rPr>
+              <a:t>ESC : Electronic Speed Controller</a:t>
+            </a:r>
+            <a:endParaRPr lang="fr-FR" dirty="0"/>
+          </a:p>
+        </p:txBody>
+      </p:sp>
     </p:spTree>
     <p:extLst>
       <p:ext uri="{BB962C8B-B14F-4D97-AF65-F5344CB8AC3E}">
-        <p14:creationId xmlns:p14="http://schemas.microsoft.com/office/powerpoint/2010/main" val="2061091749"/>
+        <p14:creationId xmlns:p14="http://schemas.microsoft.com/office/powerpoint/2010/main" val="3186117556"/>
       </p:ext>
     </p:extLst>
   </p:cSld>
   <p:clrMapOvr>
     <a:masterClrMapping/>
   </p:clrMapOvr>
+  <p:timing>
+    <p:tnLst>
+      <p:par>
+        <p:cTn id="1" dur="indefinite" restart="never" nodeType="tmRoot">
+          <p:childTnLst>
+            <p:seq concurrent="1" nextAc="seek">
+              <p:cTn id="2" dur="indefinite" nodeType="mainSeq">
+                <p:childTnLst>
+                  <p:par>
+                    <p:cTn id="3" fill="hold">
+                      <p:stCondLst>
+                        <p:cond delay="indefinite"/>
+                      </p:stCondLst>
+                      <p:childTnLst>
+                        <p:par>
+                          <p:cTn id="4" fill="hold">
+                            <p:stCondLst>
+                              <p:cond delay="0"/>
+                            </p:stCondLst>
+                            <p:childTnLst>
+                              <p:par>
+                                <p:cTn id="5" presetID="1" presetClass="entr" presetSubtype="0" fill="hold" grpId="0" nodeType="clickEffect">
+                                  <p:stCondLst>
+                                    <p:cond delay="0"/>
+                                  </p:stCondLst>
+                                  <p:childTnLst>
+                                    <p:set>
+                                      <p:cBhvr>
+                                        <p:cTn id="6" dur="1" fill="hold">
+                                          <p:stCondLst>
+                                            <p:cond delay="0"/>
+                                          </p:stCondLst>
+                                        </p:cTn>
+                                        <p:tgtEl>
+                                          <p:spTgt spid="37"/>
+                                        </p:tgtEl>
+                                        <p:attrNameLst>
+                                          <p:attrName>style.visibility</p:attrName>
+                                        </p:attrNameLst>
+                                      </p:cBhvr>
+                                      <p:to>
+                                        <p:strVal val="visible"/>
+                                      </p:to>
+                                    </p:set>
+                                  </p:childTnLst>
+                                </p:cTn>
+                              </p:par>
+                              <p:par>
+                                <p:cTn id="7" presetID="1" presetClass="entr" presetSubtype="0" fill="hold" nodeType="withEffect">
+                                  <p:stCondLst>
+                                    <p:cond delay="0"/>
+                                  </p:stCondLst>
+                                  <p:childTnLst>
+                                    <p:set>
+                                      <p:cBhvr>
+                                        <p:cTn id="8" dur="1" fill="hold">
+                                          <p:stCondLst>
+                                            <p:cond delay="0"/>
+                                          </p:stCondLst>
+                                        </p:cTn>
+                                        <p:tgtEl>
+                                          <p:spTgt spid="47"/>
+                                        </p:tgtEl>
+                                        <p:attrNameLst>
+                                          <p:attrName>style.visibility</p:attrName>
+                                        </p:attrNameLst>
+                                      </p:cBhvr>
+                                      <p:to>
+                                        <p:strVal val="visible"/>
+                                      </p:to>
+                                    </p:set>
+                                  </p:childTnLst>
+                                </p:cTn>
+                              </p:par>
+                              <p:par>
+                                <p:cTn id="9" presetID="1" presetClass="entr" presetSubtype="0" fill="hold" grpId="0" nodeType="withEffect">
+                                  <p:stCondLst>
+                                    <p:cond delay="0"/>
+                                  </p:stCondLst>
+                                  <p:childTnLst>
+                                    <p:set>
+                                      <p:cBhvr>
+                                        <p:cTn id="10" dur="1" fill="hold">
+                                          <p:stCondLst>
+                                            <p:cond delay="0"/>
+                                          </p:stCondLst>
+                                        </p:cTn>
+                                        <p:tgtEl>
+                                          <p:spTgt spid="58"/>
+                                        </p:tgtEl>
+                                        <p:attrNameLst>
+                                          <p:attrName>style.visibility</p:attrName>
+                                        </p:attrNameLst>
+                                      </p:cBhvr>
+                                      <p:to>
+                                        <p:strVal val="visible"/>
+                                      </p:to>
+                                    </p:set>
+                                  </p:childTnLst>
+                                </p:cTn>
+                              </p:par>
+                              <p:par>
+                                <p:cTn id="11" presetID="1" presetClass="entr" presetSubtype="0" fill="hold" grpId="0" nodeType="withEffect">
+                                  <p:stCondLst>
+                                    <p:cond delay="0"/>
+                                  </p:stCondLst>
+                                  <p:childTnLst>
+                                    <p:set>
+                                      <p:cBhvr>
+                                        <p:cTn id="12" dur="1" fill="hold">
+                                          <p:stCondLst>
+                                            <p:cond delay="0"/>
+                                          </p:stCondLst>
+                                        </p:cTn>
+                                        <p:tgtEl>
+                                          <p:spTgt spid="12"/>
+                                        </p:tgtEl>
+                                        <p:attrNameLst>
+                                          <p:attrName>style.visibility</p:attrName>
+                                        </p:attrNameLst>
+                                      </p:cBhvr>
+                                      <p:to>
+                                        <p:strVal val="visible"/>
+                                      </p:to>
+                                    </p:set>
+                                  </p:childTnLst>
+                                </p:cTn>
+                              </p:par>
+                            </p:childTnLst>
+                          </p:cTn>
+                        </p:par>
+                      </p:childTnLst>
+                    </p:cTn>
+                  </p:par>
+                  <p:par>
+                    <p:cTn id="13" fill="hold">
+                      <p:stCondLst>
+                        <p:cond delay="indefinite"/>
+                      </p:stCondLst>
+                      <p:childTnLst>
+                        <p:par>
+                          <p:cTn id="14" fill="hold">
+                            <p:stCondLst>
+                              <p:cond delay="0"/>
+                            </p:stCondLst>
+                            <p:childTnLst>
+                              <p:par>
+                                <p:cTn id="15" presetID="1" presetClass="entr" presetSubtype="0" fill="hold" grpId="0" nodeType="clickEffect">
+                                  <p:stCondLst>
+                                    <p:cond delay="0"/>
+                                  </p:stCondLst>
+                                  <p:childTnLst>
+                                    <p:set>
+                                      <p:cBhvr>
+                                        <p:cTn id="16" dur="1" fill="hold">
+                                          <p:stCondLst>
+                                            <p:cond delay="0"/>
+                                          </p:stCondLst>
+                                        </p:cTn>
+                                        <p:tgtEl>
+                                          <p:spTgt spid="13"/>
+                                        </p:tgtEl>
+                                        <p:attrNameLst>
+                                          <p:attrName>style.visibility</p:attrName>
+                                        </p:attrNameLst>
+                                      </p:cBhvr>
+                                      <p:to>
+                                        <p:strVal val="visible"/>
+                                      </p:to>
+                                    </p:set>
+                                  </p:childTnLst>
+                                </p:cTn>
+                              </p:par>
+                              <p:par>
+                                <p:cTn id="17" presetID="1" presetClass="entr" presetSubtype="0" fill="hold" grpId="0" nodeType="withEffect">
+                                  <p:stCondLst>
+                                    <p:cond delay="0"/>
+                                  </p:stCondLst>
+                                  <p:childTnLst>
+                                    <p:set>
+                                      <p:cBhvr>
+                                        <p:cTn id="18" dur="1" fill="hold">
+                                          <p:stCondLst>
+                                            <p:cond delay="0"/>
+                                          </p:stCondLst>
+                                        </p:cTn>
+                                        <p:tgtEl>
+                                          <p:spTgt spid="56"/>
+                                        </p:tgtEl>
+                                        <p:attrNameLst>
+                                          <p:attrName>style.visibility</p:attrName>
+                                        </p:attrNameLst>
+                                      </p:cBhvr>
+                                      <p:to>
+                                        <p:strVal val="visible"/>
+                                      </p:to>
+                                    </p:set>
+                                  </p:childTnLst>
+                                </p:cTn>
+                              </p:par>
+                              <p:par>
+                                <p:cTn id="19" presetID="1" presetClass="entr" presetSubtype="0" fill="hold" nodeType="withEffect">
+                                  <p:stCondLst>
+                                    <p:cond delay="0"/>
+                                  </p:stCondLst>
+                                  <p:childTnLst>
+                                    <p:set>
+                                      <p:cBhvr>
+                                        <p:cTn id="20" dur="1" fill="hold">
+                                          <p:stCondLst>
+                                            <p:cond delay="0"/>
+                                          </p:stCondLst>
+                                        </p:cTn>
+                                        <p:tgtEl>
+                                          <p:spTgt spid="43"/>
+                                        </p:tgtEl>
+                                        <p:attrNameLst>
+                                          <p:attrName>style.visibility</p:attrName>
+                                        </p:attrNameLst>
+                                      </p:cBhvr>
+                                      <p:to>
+                                        <p:strVal val="visible"/>
+                                      </p:to>
+                                    </p:set>
+                                  </p:childTnLst>
+                                </p:cTn>
+                              </p:par>
+                              <p:par>
+                                <p:cTn id="21" presetID="1" presetClass="entr" presetSubtype="0" fill="hold" grpId="0" nodeType="withEffect">
+                                  <p:stCondLst>
+                                    <p:cond delay="0"/>
+                                  </p:stCondLst>
+                                  <p:childTnLst>
+                                    <p:set>
+                                      <p:cBhvr>
+                                        <p:cTn id="22" dur="1" fill="hold">
+                                          <p:stCondLst>
+                                            <p:cond delay="0"/>
+                                          </p:stCondLst>
+                                        </p:cTn>
+                                        <p:tgtEl>
+                                          <p:spTgt spid="38"/>
+                                        </p:tgtEl>
+                                        <p:attrNameLst>
+                                          <p:attrName>style.visibility</p:attrName>
+                                        </p:attrNameLst>
+                                      </p:cBhvr>
+                                      <p:to>
+                                        <p:strVal val="visible"/>
+                                      </p:to>
+                                    </p:set>
+                                  </p:childTnLst>
+                                </p:cTn>
+                              </p:par>
+                            </p:childTnLst>
+                          </p:cTn>
+                        </p:par>
+                      </p:childTnLst>
+                    </p:cTn>
+                  </p:par>
+                  <p:par>
+                    <p:cTn id="23" fill="hold">
+                      <p:stCondLst>
+                        <p:cond delay="indefinite"/>
+                      </p:stCondLst>
+                      <p:childTnLst>
+                        <p:par>
+                          <p:cTn id="24" fill="hold">
+                            <p:stCondLst>
+                              <p:cond delay="0"/>
+                            </p:stCondLst>
+                            <p:childTnLst>
+                              <p:par>
+                                <p:cTn id="25" presetID="1" presetClass="entr" presetSubtype="0" fill="hold" grpId="0" nodeType="clickEffect">
+                                  <p:stCondLst>
+                                    <p:cond delay="0"/>
+                                  </p:stCondLst>
+                                  <p:childTnLst>
+                                    <p:set>
+                                      <p:cBhvr>
+                                        <p:cTn id="26" dur="1" fill="hold">
+                                          <p:stCondLst>
+                                            <p:cond delay="0"/>
+                                          </p:stCondLst>
+                                        </p:cTn>
+                                        <p:tgtEl>
+                                          <p:spTgt spid="57"/>
+                                        </p:tgtEl>
+                                        <p:attrNameLst>
+                                          <p:attrName>style.visibility</p:attrName>
+                                        </p:attrNameLst>
+                                      </p:cBhvr>
+                                      <p:to>
+                                        <p:strVal val="visible"/>
+                                      </p:to>
+                                    </p:set>
+                                  </p:childTnLst>
+                                </p:cTn>
+                              </p:par>
+                              <p:par>
+                                <p:cTn id="27" presetID="1" presetClass="entr" presetSubtype="0" fill="hold" nodeType="withEffect">
+                                  <p:stCondLst>
+                                    <p:cond delay="0"/>
+                                  </p:stCondLst>
+                                  <p:childTnLst>
+                                    <p:set>
+                                      <p:cBhvr>
+                                        <p:cTn id="28" dur="1" fill="hold">
+                                          <p:stCondLst>
+                                            <p:cond delay="0"/>
+                                          </p:stCondLst>
+                                        </p:cTn>
+                                        <p:tgtEl>
+                                          <p:spTgt spid="42"/>
+                                        </p:tgtEl>
+                                        <p:attrNameLst>
+                                          <p:attrName>style.visibility</p:attrName>
+                                        </p:attrNameLst>
+                                      </p:cBhvr>
+                                      <p:to>
+                                        <p:strVal val="visible"/>
+                                      </p:to>
+                                    </p:set>
+                                  </p:childTnLst>
+                                </p:cTn>
+                              </p:par>
+                              <p:par>
+                                <p:cTn id="29" presetID="1" presetClass="entr" presetSubtype="0" fill="hold" grpId="0" nodeType="withEffect">
+                                  <p:stCondLst>
+                                    <p:cond delay="0"/>
+                                  </p:stCondLst>
+                                  <p:childTnLst>
+                                    <p:set>
+                                      <p:cBhvr>
+                                        <p:cTn id="30" dur="1" fill="hold">
+                                          <p:stCondLst>
+                                            <p:cond delay="0"/>
+                                          </p:stCondLst>
+                                        </p:cTn>
+                                        <p:tgtEl>
+                                          <p:spTgt spid="39"/>
+                                        </p:tgtEl>
+                                        <p:attrNameLst>
+                                          <p:attrName>style.visibility</p:attrName>
+                                        </p:attrNameLst>
+                                      </p:cBhvr>
+                                      <p:to>
+                                        <p:strVal val="visible"/>
+                                      </p:to>
+                                    </p:set>
+                                  </p:childTnLst>
+                                </p:cTn>
+                              </p:par>
+                              <p:par>
+                                <p:cTn id="31" presetID="1" presetClass="entr" presetSubtype="0" fill="hold" grpId="0" nodeType="withEffect">
+                                  <p:stCondLst>
+                                    <p:cond delay="0"/>
+                                  </p:stCondLst>
+                                  <p:childTnLst>
+                                    <p:set>
+                                      <p:cBhvr>
+                                        <p:cTn id="32" dur="1" fill="hold">
+                                          <p:stCondLst>
+                                            <p:cond delay="0"/>
+                                          </p:stCondLst>
+                                        </p:cTn>
+                                        <p:tgtEl>
+                                          <p:spTgt spid="17"/>
+                                        </p:tgtEl>
+                                        <p:attrNameLst>
+                                          <p:attrName>style.visibility</p:attrName>
+                                        </p:attrNameLst>
+                                      </p:cBhvr>
+                                      <p:to>
+                                        <p:strVal val="visible"/>
+                                      </p:to>
+                                    </p:set>
+                                  </p:childTnLst>
+                                </p:cTn>
+                              </p:par>
+                            </p:childTnLst>
+                          </p:cTn>
+                        </p:par>
+                      </p:childTnLst>
+                    </p:cTn>
+                  </p:par>
+                  <p:par>
+                    <p:cTn id="33" fill="hold">
+                      <p:stCondLst>
+                        <p:cond delay="indefinite"/>
+                      </p:stCondLst>
+                      <p:childTnLst>
+                        <p:par>
+                          <p:cTn id="34" fill="hold">
+                            <p:stCondLst>
+                              <p:cond delay="0"/>
+                            </p:stCondLst>
+                            <p:childTnLst>
+                              <p:par>
+                                <p:cTn id="35" presetID="1" presetClass="entr" presetSubtype="0" fill="hold" grpId="0" nodeType="clickEffect">
+                                  <p:stCondLst>
+                                    <p:cond delay="0"/>
+                                  </p:stCondLst>
+                                  <p:childTnLst>
+                                    <p:set>
+                                      <p:cBhvr>
+                                        <p:cTn id="36" dur="1" fill="hold">
+                                          <p:stCondLst>
+                                            <p:cond delay="0"/>
+                                          </p:stCondLst>
+                                        </p:cTn>
+                                        <p:tgtEl>
+                                          <p:spTgt spid="63"/>
+                                        </p:tgtEl>
+                                        <p:attrNameLst>
+                                          <p:attrName>style.visibility</p:attrName>
+                                        </p:attrNameLst>
+                                      </p:cBhvr>
+                                      <p:to>
+                                        <p:strVal val="visible"/>
+                                      </p:to>
+                                    </p:set>
+                                  </p:childTnLst>
+                                </p:cTn>
+                              </p:par>
+                              <p:par>
+                                <p:cTn id="37" presetID="1" presetClass="entr" presetSubtype="0" fill="hold" grpId="0" nodeType="withEffect">
+                                  <p:stCondLst>
+                                    <p:cond delay="0"/>
+                                  </p:stCondLst>
+                                  <p:childTnLst>
+                                    <p:set>
+                                      <p:cBhvr>
+                                        <p:cTn id="38" dur="1" fill="hold">
+                                          <p:stCondLst>
+                                            <p:cond delay="0"/>
+                                          </p:stCondLst>
+                                        </p:cTn>
+                                        <p:tgtEl>
+                                          <p:spTgt spid="61"/>
+                                        </p:tgtEl>
+                                        <p:attrNameLst>
+                                          <p:attrName>style.visibility</p:attrName>
+                                        </p:attrNameLst>
+                                      </p:cBhvr>
+                                      <p:to>
+                                        <p:strVal val="visible"/>
+                                      </p:to>
+                                    </p:set>
+                                  </p:childTnLst>
+                                </p:cTn>
+                              </p:par>
+                              <p:par>
+                                <p:cTn id="39" presetID="1" presetClass="entr" presetSubtype="0" fill="hold" nodeType="withEffect">
+                                  <p:stCondLst>
+                                    <p:cond delay="0"/>
+                                  </p:stCondLst>
+                                  <p:childTnLst>
+                                    <p:set>
+                                      <p:cBhvr>
+                                        <p:cTn id="40" dur="1" fill="hold">
+                                          <p:stCondLst>
+                                            <p:cond delay="0"/>
+                                          </p:stCondLst>
+                                        </p:cTn>
+                                        <p:tgtEl>
+                                          <p:spTgt spid="59"/>
+                                        </p:tgtEl>
+                                        <p:attrNameLst>
+                                          <p:attrName>style.visibility</p:attrName>
+                                        </p:attrNameLst>
+                                      </p:cBhvr>
+                                      <p:to>
+                                        <p:strVal val="visible"/>
+                                      </p:to>
+                                    </p:set>
+                                  </p:childTnLst>
+                                </p:cTn>
+                              </p:par>
+                              <p:par>
+                                <p:cTn id="41" presetID="1" presetClass="entr" presetSubtype="0" fill="hold" grpId="0" nodeType="withEffect">
+                                  <p:stCondLst>
+                                    <p:cond delay="0"/>
+                                  </p:stCondLst>
+                                  <p:childTnLst>
+                                    <p:set>
+                                      <p:cBhvr>
+                                        <p:cTn id="42" dur="1" fill="hold">
+                                          <p:stCondLst>
+                                            <p:cond delay="0"/>
+                                          </p:stCondLst>
+                                        </p:cTn>
+                                        <p:tgtEl>
+                                          <p:spTgt spid="62"/>
+                                        </p:tgtEl>
+                                        <p:attrNameLst>
+                                          <p:attrName>style.visibility</p:attrName>
+                                        </p:attrNameLst>
+                                      </p:cBhvr>
+                                      <p:to>
+                                        <p:strVal val="visible"/>
+                                      </p:to>
+                                    </p:set>
+                                  </p:childTnLst>
+                                </p:cTn>
+                              </p:par>
+                            </p:childTnLst>
+                          </p:cTn>
+                        </p:par>
+                      </p:childTnLst>
+                    </p:cTn>
+                  </p:par>
+                  <p:par>
+                    <p:cTn id="43" fill="hold">
+                      <p:stCondLst>
+                        <p:cond delay="indefinite"/>
+                      </p:stCondLst>
+                      <p:childTnLst>
+                        <p:par>
+                          <p:cTn id="44" fill="hold">
+                            <p:stCondLst>
+                              <p:cond delay="0"/>
+                            </p:stCondLst>
+                            <p:childTnLst>
+                              <p:par>
+                                <p:cTn id="45" presetID="1" presetClass="entr" presetSubtype="0" fill="hold" grpId="0" nodeType="clickEffect">
+                                  <p:stCondLst>
+                                    <p:cond delay="0"/>
+                                  </p:stCondLst>
+                                  <p:childTnLst>
+                                    <p:set>
+                                      <p:cBhvr>
+                                        <p:cTn id="46" dur="1" fill="hold">
+                                          <p:stCondLst>
+                                            <p:cond delay="0"/>
+                                          </p:stCondLst>
+                                        </p:cTn>
+                                        <p:tgtEl>
+                                          <p:spTgt spid="54"/>
+                                        </p:tgtEl>
+                                        <p:attrNameLst>
+                                          <p:attrName>style.visibility</p:attrName>
+                                        </p:attrNameLst>
+                                      </p:cBhvr>
+                                      <p:to>
+                                        <p:strVal val="visible"/>
+                                      </p:to>
+                                    </p:set>
+                                  </p:childTnLst>
+                                </p:cTn>
+                              </p:par>
+                              <p:par>
+                                <p:cTn id="47" presetID="1" presetClass="entr" presetSubtype="0" fill="hold" grpId="0" nodeType="withEffect">
+                                  <p:stCondLst>
+                                    <p:cond delay="0"/>
+                                  </p:stCondLst>
+                                  <p:childTnLst>
+                                    <p:set>
+                                      <p:cBhvr>
+                                        <p:cTn id="48" dur="1" fill="hold">
+                                          <p:stCondLst>
+                                            <p:cond delay="0"/>
+                                          </p:stCondLst>
+                                        </p:cTn>
+                                        <p:tgtEl>
+                                          <p:spTgt spid="36"/>
+                                        </p:tgtEl>
+                                        <p:attrNameLst>
+                                          <p:attrName>style.visibility</p:attrName>
+                                        </p:attrNameLst>
+                                      </p:cBhvr>
+                                      <p:to>
+                                        <p:strVal val="visible"/>
+                                      </p:to>
+                                    </p:set>
+                                  </p:childTnLst>
+                                </p:cTn>
+                              </p:par>
+                              <p:par>
+                                <p:cTn id="49" presetID="1" presetClass="entr" presetSubtype="0" fill="hold" nodeType="withEffect">
+                                  <p:stCondLst>
+                                    <p:cond delay="0"/>
+                                  </p:stCondLst>
+                                  <p:childTnLst>
+                                    <p:set>
+                                      <p:cBhvr>
+                                        <p:cTn id="50" dur="1" fill="hold">
+                                          <p:stCondLst>
+                                            <p:cond delay="0"/>
+                                          </p:stCondLst>
+                                        </p:cTn>
+                                        <p:tgtEl>
+                                          <p:spTgt spid="49"/>
+                                        </p:tgtEl>
+                                        <p:attrNameLst>
+                                          <p:attrName>style.visibility</p:attrName>
+                                        </p:attrNameLst>
+                                      </p:cBhvr>
+                                      <p:to>
+                                        <p:strVal val="visible"/>
+                                      </p:to>
+                                    </p:set>
+                                  </p:childTnLst>
+                                </p:cTn>
+                              </p:par>
+                              <p:par>
+                                <p:cTn id="51" presetID="1" presetClass="entr" presetSubtype="0" fill="hold" grpId="0" nodeType="withEffect">
+                                  <p:stCondLst>
+                                    <p:cond delay="0"/>
+                                  </p:stCondLst>
+                                  <p:childTnLst>
+                                    <p:set>
+                                      <p:cBhvr>
+                                        <p:cTn id="52" dur="1" fill="hold">
+                                          <p:stCondLst>
+                                            <p:cond delay="0"/>
+                                          </p:stCondLst>
+                                        </p:cTn>
+                                        <p:tgtEl>
+                                          <p:spTgt spid="35"/>
+                                        </p:tgtEl>
+                                        <p:attrNameLst>
+                                          <p:attrName>style.visibility</p:attrName>
+                                        </p:attrNameLst>
+                                      </p:cBhvr>
+                                      <p:to>
+                                        <p:strVal val="visible"/>
+                                      </p:to>
+                                    </p:set>
+                                  </p:childTnLst>
+                                </p:cTn>
+                              </p:par>
+                            </p:childTnLst>
+                          </p:cTn>
+                        </p:par>
+                      </p:childTnLst>
+                    </p:cTn>
+                  </p:par>
+                </p:childTnLst>
+              </p:cTn>
+              <p:prevCondLst>
+                <p:cond evt="onPrev" delay="0">
+                  <p:tgtEl>
+                    <p:sldTgt/>
+                  </p:tgtEl>
+                </p:cond>
+              </p:prevCondLst>
+              <p:nextCondLst>
+                <p:cond evt="onNext" delay="0">
+                  <p:tgtEl>
+                    <p:sldTgt/>
+                  </p:tgtEl>
+                </p:cond>
+              </p:nextCondLst>
+            </p:seq>
+          </p:childTnLst>
+        </p:cTn>
+      </p:par>
+    </p:tnLst>
+    <p:bldLst>
+      <p:bldP spid="12" grpId="0" animBg="1"/>
+      <p:bldP spid="13" grpId="0" animBg="1"/>
+      <p:bldP spid="17" grpId="0" animBg="1"/>
+      <p:bldP spid="54" grpId="0" animBg="1"/>
+      <p:bldP spid="35" grpId="0" animBg="1"/>
+      <p:bldP spid="36" grpId="0"/>
+      <p:bldP spid="37" grpId="0" animBg="1"/>
+      <p:bldP spid="38" grpId="0" animBg="1"/>
+      <p:bldP spid="39" grpId="0" animBg="1"/>
+      <p:bldP spid="56" grpId="0"/>
+      <p:bldP spid="57" grpId="0"/>
+      <p:bldP spid="58" grpId="0"/>
+      <p:bldP spid="61" grpId="0"/>
+      <p:bldP spid="62" grpId="0" animBg="1"/>
+      <p:bldP spid="63" grpId="0" animBg="1"/>
+    </p:bldLst>
+  </p:timing>
 </p:sld>
 </file>
 
@@ -5938,13 +6834,8 @@
             </a:pPr>
             <a:r>
               <a:rPr lang="fr-FR" dirty="0"/>
-              <a:t>Proposer une récupération des mesures effectuées et mettre à disposition </a:t>
-            </a:r>
-            <a:r>
-              <a:rPr lang="fr-FR"/>
-              <a:t>des graphiques.</a:t>
-            </a:r>
-            <a:endParaRPr lang="fr-FR" dirty="0"/>
+              <a:t>Proposer une récupération des mesures effectuées et mettre à disposition des graphiques.</a:t>
+            </a:r>
           </a:p>
           <a:p>
             <a:r>
@@ -6046,6 +6937,280 @@
   <p:clrMapOvr>
     <a:masterClrMapping/>
   </p:clrMapOvr>
+  <p:timing>
+    <p:tnLst>
+      <p:par>
+        <p:cTn id="1" dur="indefinite" restart="never" nodeType="tmRoot">
+          <p:childTnLst>
+            <p:seq concurrent="1" nextAc="seek">
+              <p:cTn id="2" dur="indefinite" nodeType="mainSeq">
+                <p:childTnLst>
+                  <p:par>
+                    <p:cTn id="3" fill="hold">
+                      <p:stCondLst>
+                        <p:cond delay="indefinite"/>
+                      </p:stCondLst>
+                      <p:childTnLst>
+                        <p:par>
+                          <p:cTn id="4" fill="hold">
+                            <p:stCondLst>
+                              <p:cond delay="0"/>
+                            </p:stCondLst>
+                            <p:childTnLst>
+                              <p:par>
+                                <p:cTn id="5" presetID="22" presetClass="entr" presetSubtype="1" fill="hold" nodeType="clickEffect">
+                                  <p:stCondLst>
+                                    <p:cond delay="0"/>
+                                  </p:stCondLst>
+                                  <p:childTnLst>
+                                    <p:set>
+                                      <p:cBhvr>
+                                        <p:cTn id="6" dur="1" fill="hold">
+                                          <p:stCondLst>
+                                            <p:cond delay="0"/>
+                                          </p:stCondLst>
+                                        </p:cTn>
+                                        <p:tgtEl>
+                                          <p:spTgt spid="5">
+                                            <p:txEl>
+                                              <p:pRg st="0" end="0"/>
+                                            </p:txEl>
+                                          </p:spTgt>
+                                        </p:tgtEl>
+                                        <p:attrNameLst>
+                                          <p:attrName>style.visibility</p:attrName>
+                                        </p:attrNameLst>
+                                      </p:cBhvr>
+                                      <p:to>
+                                        <p:strVal val="visible"/>
+                                      </p:to>
+                                    </p:set>
+                                    <p:animEffect transition="in" filter="wipe(up)">
+                                      <p:cBhvr>
+                                        <p:cTn id="7" dur="500"/>
+                                        <p:tgtEl>
+                                          <p:spTgt spid="5">
+                                            <p:txEl>
+                                              <p:pRg st="0" end="0"/>
+                                            </p:txEl>
+                                          </p:spTgt>
+                                        </p:tgtEl>
+                                      </p:cBhvr>
+                                    </p:animEffect>
+                                  </p:childTnLst>
+                                </p:cTn>
+                              </p:par>
+                            </p:childTnLst>
+                          </p:cTn>
+                        </p:par>
+                      </p:childTnLst>
+                    </p:cTn>
+                  </p:par>
+                  <p:par>
+                    <p:cTn id="8" fill="hold">
+                      <p:stCondLst>
+                        <p:cond delay="indefinite"/>
+                      </p:stCondLst>
+                      <p:childTnLst>
+                        <p:par>
+                          <p:cTn id="9" fill="hold">
+                            <p:stCondLst>
+                              <p:cond delay="0"/>
+                            </p:stCondLst>
+                            <p:childTnLst>
+                              <p:par>
+                                <p:cTn id="10" presetID="22" presetClass="entr" presetSubtype="1" fill="hold" nodeType="clickEffect">
+                                  <p:stCondLst>
+                                    <p:cond delay="0"/>
+                                  </p:stCondLst>
+                                  <p:childTnLst>
+                                    <p:set>
+                                      <p:cBhvr>
+                                        <p:cTn id="11" dur="1" fill="hold">
+                                          <p:stCondLst>
+                                            <p:cond delay="0"/>
+                                          </p:stCondLst>
+                                        </p:cTn>
+                                        <p:tgtEl>
+                                          <p:spTgt spid="5">
+                                            <p:txEl>
+                                              <p:pRg st="1" end="1"/>
+                                            </p:txEl>
+                                          </p:spTgt>
+                                        </p:tgtEl>
+                                        <p:attrNameLst>
+                                          <p:attrName>style.visibility</p:attrName>
+                                        </p:attrNameLst>
+                                      </p:cBhvr>
+                                      <p:to>
+                                        <p:strVal val="visible"/>
+                                      </p:to>
+                                    </p:set>
+                                    <p:animEffect transition="in" filter="wipe(up)">
+                                      <p:cBhvr>
+                                        <p:cTn id="12" dur="500"/>
+                                        <p:tgtEl>
+                                          <p:spTgt spid="5">
+                                            <p:txEl>
+                                              <p:pRg st="1" end="1"/>
+                                            </p:txEl>
+                                          </p:spTgt>
+                                        </p:tgtEl>
+                                      </p:cBhvr>
+                                    </p:animEffect>
+                                  </p:childTnLst>
+                                </p:cTn>
+                              </p:par>
+                            </p:childTnLst>
+                          </p:cTn>
+                        </p:par>
+                      </p:childTnLst>
+                    </p:cTn>
+                  </p:par>
+                  <p:par>
+                    <p:cTn id="13" fill="hold">
+                      <p:stCondLst>
+                        <p:cond delay="indefinite"/>
+                      </p:stCondLst>
+                      <p:childTnLst>
+                        <p:par>
+                          <p:cTn id="14" fill="hold">
+                            <p:stCondLst>
+                              <p:cond delay="0"/>
+                            </p:stCondLst>
+                            <p:childTnLst>
+                              <p:par>
+                                <p:cTn id="15" presetID="22" presetClass="entr" presetSubtype="1" fill="hold" nodeType="clickEffect">
+                                  <p:stCondLst>
+                                    <p:cond delay="0"/>
+                                  </p:stCondLst>
+                                  <p:childTnLst>
+                                    <p:set>
+                                      <p:cBhvr>
+                                        <p:cTn id="16" dur="1" fill="hold">
+                                          <p:stCondLst>
+                                            <p:cond delay="0"/>
+                                          </p:stCondLst>
+                                        </p:cTn>
+                                        <p:tgtEl>
+                                          <p:spTgt spid="5">
+                                            <p:txEl>
+                                              <p:pRg st="2" end="2"/>
+                                            </p:txEl>
+                                          </p:spTgt>
+                                        </p:tgtEl>
+                                        <p:attrNameLst>
+                                          <p:attrName>style.visibility</p:attrName>
+                                        </p:attrNameLst>
+                                      </p:cBhvr>
+                                      <p:to>
+                                        <p:strVal val="visible"/>
+                                      </p:to>
+                                    </p:set>
+                                    <p:animEffect transition="in" filter="wipe(up)">
+                                      <p:cBhvr>
+                                        <p:cTn id="17" dur="500"/>
+                                        <p:tgtEl>
+                                          <p:spTgt spid="5">
+                                            <p:txEl>
+                                              <p:pRg st="2" end="2"/>
+                                            </p:txEl>
+                                          </p:spTgt>
+                                        </p:tgtEl>
+                                      </p:cBhvr>
+                                    </p:animEffect>
+                                  </p:childTnLst>
+                                </p:cTn>
+                              </p:par>
+                            </p:childTnLst>
+                          </p:cTn>
+                        </p:par>
+                      </p:childTnLst>
+                    </p:cTn>
+                  </p:par>
+                  <p:par>
+                    <p:cTn id="18" fill="hold">
+                      <p:stCondLst>
+                        <p:cond delay="indefinite"/>
+                      </p:stCondLst>
+                      <p:childTnLst>
+                        <p:par>
+                          <p:cTn id="19" fill="hold">
+                            <p:stCondLst>
+                              <p:cond delay="0"/>
+                            </p:stCondLst>
+                            <p:childTnLst>
+                              <p:par>
+                                <p:cTn id="20" presetID="22" presetClass="entr" presetSubtype="1" fill="hold" nodeType="clickEffect">
+                                  <p:stCondLst>
+                                    <p:cond delay="0"/>
+                                  </p:stCondLst>
+                                  <p:childTnLst>
+                                    <p:set>
+                                      <p:cBhvr>
+                                        <p:cTn id="21" dur="1" fill="hold">
+                                          <p:stCondLst>
+                                            <p:cond delay="0"/>
+                                          </p:stCondLst>
+                                        </p:cTn>
+                                        <p:tgtEl>
+                                          <p:spTgt spid="5">
+                                            <p:txEl>
+                                              <p:pRg st="3" end="3"/>
+                                            </p:txEl>
+                                          </p:spTgt>
+                                        </p:tgtEl>
+                                        <p:attrNameLst>
+                                          <p:attrName>style.visibility</p:attrName>
+                                        </p:attrNameLst>
+                                      </p:cBhvr>
+                                      <p:to>
+                                        <p:strVal val="visible"/>
+                                      </p:to>
+                                    </p:set>
+                                    <p:animEffect transition="in" filter="wipe(up)">
+                                      <p:cBhvr>
+                                        <p:cTn id="22" dur="500"/>
+                                        <p:tgtEl>
+                                          <p:spTgt spid="5">
+                                            <p:txEl>
+                                              <p:pRg st="3" end="3"/>
+                                            </p:txEl>
+                                          </p:spTgt>
+                                        </p:tgtEl>
+                                      </p:cBhvr>
+                                    </p:animEffect>
+                                  </p:childTnLst>
+                                </p:cTn>
+                              </p:par>
+                            </p:childTnLst>
+                          </p:cTn>
+                        </p:par>
+                      </p:childTnLst>
+                    </p:cTn>
+                  </p:par>
+                </p:childTnLst>
+              </p:cTn>
+              <p:prevCondLst>
+                <p:cond evt="onPrev" delay="0">
+                  <p:tgtEl>
+                    <p:sldTgt/>
+                  </p:tgtEl>
+                </p:cond>
+              </p:prevCondLst>
+              <p:nextCondLst>
+                <p:cond evt="onNext" delay="0">
+                  <p:tgtEl>
+                    <p:sldTgt/>
+                  </p:tgtEl>
+                </p:cond>
+              </p:nextCondLst>
+            </p:seq>
+          </p:childTnLst>
+        </p:cTn>
+      </p:par>
+    </p:tnLst>
+  </p:timing>
 </p:sld>
 </file>
 
